--- a/tutorials/pipelines/tut_a_st_bud/vector files/fig11.pptx
+++ b/tutorials/pipelines/tut_a_st_bud/vector files/fig11.pptx
@@ -2,12 +2,12 @@
 <file path=ppt/presentation.xml><?xml version="1.0" encoding="utf-8"?>
 <p:presentation xmlns:a="http://schemas.openxmlformats.org/drawingml/2006/main" xmlns:r="http://schemas.openxmlformats.org/officeDocument/2006/relationships" xmlns:p="http://schemas.openxmlformats.org/presentationml/2006/main" saveSubsetFonts="1">
   <p:sldMasterIdLst>
-    <p:sldMasterId id="2147483684" r:id="rId1"/>
+    <p:sldMasterId id="2147483696" r:id="rId1"/>
   </p:sldMasterIdLst>
   <p:sldIdLst>
     <p:sldId id="256" r:id="rId2"/>
   </p:sldIdLst>
-  <p:sldSz cx="2133600" cy="1728788"/>
+  <p:sldSz cx="18000663" cy="10799763"/>
   <p:notesSz cx="6858000" cy="9144000"/>
   <p:defaultTextStyle>
     <a:defPPr>
@@ -114,7 +114,7 @@
 
 <file path=ppt/slideLayouts/slideLayout1.xml><?xml version="1.0" encoding="utf-8"?>
 <p:sldLayout xmlns:a="http://schemas.openxmlformats.org/drawingml/2006/main" xmlns:r="http://schemas.openxmlformats.org/officeDocument/2006/relationships" xmlns:p="http://schemas.openxmlformats.org/presentationml/2006/main" type="title" preserve="1">
-  <p:cSld name="Title Slide">
+  <p:cSld name="标题幻灯片">
     <p:spTree>
       <p:nvGrpSpPr>
         <p:cNvPr id="1" name=""/>
@@ -141,21 +141,21 @@
         </p:nvSpPr>
         <p:spPr>
           <a:xfrm>
-            <a:off x="160020" y="282929"/>
-            <a:ext cx="1813560" cy="601874"/>
+            <a:off x="2250083" y="1767462"/>
+            <a:ext cx="13500497" cy="3759917"/>
           </a:xfrm>
         </p:spPr>
         <p:txBody>
           <a:bodyPr anchor="b"/>
           <a:lstStyle>
             <a:lvl1pPr algn="ctr">
-              <a:defRPr sz="1400"/>
+              <a:defRPr sz="8858"/>
             </a:lvl1pPr>
           </a:lstStyle>
           <a:p>
             <a:r>
-              <a:rPr lang="en-US"/>
-              <a:t>Click to edit Master title style</a:t>
+              <a:rPr lang="zh-CN" altLang="en-US"/>
+              <a:t>单击此处编辑母版标题样式</a:t>
             </a:r>
             <a:endParaRPr lang="en-US" dirty="0"/>
           </a:p>
@@ -173,8 +173,8 @@
         </p:nvSpPr>
         <p:spPr>
           <a:xfrm>
-            <a:off x="266700" y="908014"/>
-            <a:ext cx="1600200" cy="417390"/>
+            <a:off x="2250083" y="5672376"/>
+            <a:ext cx="13500497" cy="2607442"/>
           </a:xfrm>
         </p:spPr>
         <p:txBody>
@@ -182,45 +182,45 @@
           <a:lstStyle>
             <a:lvl1pPr marL="0" indent="0" algn="ctr">
               <a:buNone/>
-              <a:defRPr sz="560"/>
+              <a:defRPr sz="3543"/>
             </a:lvl1pPr>
-            <a:lvl2pPr marL="106665" indent="0" algn="ctr">
-              <a:buNone/>
-              <a:defRPr sz="467"/>
+            <a:lvl2pPr marL="675010" indent="0" algn="ctr">
+              <a:buNone/>
+              <a:defRPr sz="2953"/>
             </a:lvl2pPr>
-            <a:lvl3pPr marL="213330" indent="0" algn="ctr">
-              <a:buNone/>
-              <a:defRPr sz="420"/>
+            <a:lvl3pPr marL="1350020" indent="0" algn="ctr">
+              <a:buNone/>
+              <a:defRPr sz="2658"/>
             </a:lvl3pPr>
-            <a:lvl4pPr marL="319994" indent="0" algn="ctr">
-              <a:buNone/>
-              <a:defRPr sz="373"/>
+            <a:lvl4pPr marL="2025030" indent="0" algn="ctr">
+              <a:buNone/>
+              <a:defRPr sz="2362"/>
             </a:lvl4pPr>
-            <a:lvl5pPr marL="426659" indent="0" algn="ctr">
-              <a:buNone/>
-              <a:defRPr sz="373"/>
+            <a:lvl5pPr marL="2700040" indent="0" algn="ctr">
+              <a:buNone/>
+              <a:defRPr sz="2362"/>
             </a:lvl5pPr>
-            <a:lvl6pPr marL="533324" indent="0" algn="ctr">
-              <a:buNone/>
-              <a:defRPr sz="373"/>
+            <a:lvl6pPr marL="3375050" indent="0" algn="ctr">
+              <a:buNone/>
+              <a:defRPr sz="2362"/>
             </a:lvl6pPr>
-            <a:lvl7pPr marL="639989" indent="0" algn="ctr">
-              <a:buNone/>
-              <a:defRPr sz="373"/>
+            <a:lvl7pPr marL="4050060" indent="0" algn="ctr">
+              <a:buNone/>
+              <a:defRPr sz="2362"/>
             </a:lvl7pPr>
-            <a:lvl8pPr marL="746653" indent="0" algn="ctr">
-              <a:buNone/>
-              <a:defRPr sz="373"/>
+            <a:lvl8pPr marL="4725071" indent="0" algn="ctr">
+              <a:buNone/>
+              <a:defRPr sz="2362"/>
             </a:lvl8pPr>
-            <a:lvl9pPr marL="853318" indent="0" algn="ctr">
-              <a:buNone/>
-              <a:defRPr sz="373"/>
+            <a:lvl9pPr marL="5400081" indent="0" algn="ctr">
+              <a:buNone/>
+              <a:defRPr sz="2362"/>
             </a:lvl9pPr>
           </a:lstStyle>
           <a:p>
             <a:r>
-              <a:rPr lang="en-US"/>
-              <a:t>Click to edit Master subtitle style</a:t>
+              <a:rPr lang="zh-CN" altLang="en-US"/>
+              <a:t>单击此处编辑母版副标题样式</a:t>
             </a:r>
             <a:endParaRPr lang="en-US" dirty="0"/>
           </a:p>
@@ -243,7 +243,7 @@
           <a:p>
             <a:fld id="{CA1BB51F-BFC6-4DD3-8C2A-5B21FD6F69C3}" type="datetimeFigureOut">
               <a:rPr lang="en-SE" smtClean="0"/>
-              <a:t>2023-09-30</a:t>
+              <a:t>10/04/2023</a:t>
             </a:fld>
             <a:endParaRPr lang="en-SE"/>
           </a:p>
@@ -294,7 +294,7 @@
     </p:spTree>
     <p:extLst>
       <p:ext uri="{BB962C8B-B14F-4D97-AF65-F5344CB8AC3E}">
-        <p14:creationId xmlns:p14="http://schemas.microsoft.com/office/powerpoint/2010/main" val="2524963387"/>
+        <p14:creationId xmlns:p14="http://schemas.microsoft.com/office/powerpoint/2010/main" val="3438301282"/>
       </p:ext>
     </p:extLst>
   </p:cSld>
@@ -306,7 +306,7 @@
 
 <file path=ppt/slideLayouts/slideLayout10.xml><?xml version="1.0" encoding="utf-8"?>
 <p:sldLayout xmlns:a="http://schemas.openxmlformats.org/drawingml/2006/main" xmlns:r="http://schemas.openxmlformats.org/officeDocument/2006/relationships" xmlns:p="http://schemas.openxmlformats.org/presentationml/2006/main" type="vertTx" preserve="1">
-  <p:cSld name="Title and Vertical Text">
+  <p:cSld name="标题和竖排文字">
     <p:spTree>
       <p:nvGrpSpPr>
         <p:cNvPr id="1" name=""/>
@@ -337,8 +337,8 @@
           <a:lstStyle/>
           <a:p>
             <a:r>
-              <a:rPr lang="en-US"/>
-              <a:t>Click to edit Master title style</a:t>
+              <a:rPr lang="zh-CN" altLang="en-US"/>
+              <a:t>单击此处编辑母版标题样式</a:t>
             </a:r>
             <a:endParaRPr lang="en-US" dirty="0"/>
           </a:p>
@@ -361,36 +361,36 @@
           <a:p>
             <a:pPr lvl="0"/>
             <a:r>
-              <a:rPr lang="en-US"/>
-              <a:t>Click to edit Master text styles</a:t>
+              <a:rPr lang="zh-CN" altLang="en-US"/>
+              <a:t>单击此处编辑母版文本样式</a:t>
             </a:r>
           </a:p>
           <a:p>
             <a:pPr lvl="1"/>
             <a:r>
-              <a:rPr lang="en-US"/>
-              <a:t>Second level</a:t>
+              <a:rPr lang="zh-CN" altLang="en-US"/>
+              <a:t>二级</a:t>
             </a:r>
           </a:p>
           <a:p>
             <a:pPr lvl="2"/>
             <a:r>
-              <a:rPr lang="en-US"/>
-              <a:t>Third level</a:t>
+              <a:rPr lang="zh-CN" altLang="en-US"/>
+              <a:t>三级</a:t>
             </a:r>
           </a:p>
           <a:p>
             <a:pPr lvl="3"/>
             <a:r>
-              <a:rPr lang="en-US"/>
-              <a:t>Fourth level</a:t>
+              <a:rPr lang="zh-CN" altLang="en-US"/>
+              <a:t>四级</a:t>
             </a:r>
           </a:p>
           <a:p>
             <a:pPr lvl="4"/>
             <a:r>
-              <a:rPr lang="en-US"/>
-              <a:t>Fifth level</a:t>
+              <a:rPr lang="zh-CN" altLang="en-US"/>
+              <a:t>五级</a:t>
             </a:r>
             <a:endParaRPr lang="en-US" dirty="0"/>
           </a:p>
@@ -413,7 +413,7 @@
           <a:p>
             <a:fld id="{CA1BB51F-BFC6-4DD3-8C2A-5B21FD6F69C3}" type="datetimeFigureOut">
               <a:rPr lang="en-SE" smtClean="0"/>
-              <a:t>2023-09-30</a:t>
+              <a:t>10/04/2023</a:t>
             </a:fld>
             <a:endParaRPr lang="en-SE"/>
           </a:p>
@@ -464,7 +464,7 @@
     </p:spTree>
     <p:extLst>
       <p:ext uri="{BB962C8B-B14F-4D97-AF65-F5344CB8AC3E}">
-        <p14:creationId xmlns:p14="http://schemas.microsoft.com/office/powerpoint/2010/main" val="3946951137"/>
+        <p14:creationId xmlns:p14="http://schemas.microsoft.com/office/powerpoint/2010/main" val="3980710647"/>
       </p:ext>
     </p:extLst>
   </p:cSld>
@@ -476,7 +476,7 @@
 
 <file path=ppt/slideLayouts/slideLayout11.xml><?xml version="1.0" encoding="utf-8"?>
 <p:sldLayout xmlns:a="http://schemas.openxmlformats.org/drawingml/2006/main" xmlns:r="http://schemas.openxmlformats.org/officeDocument/2006/relationships" xmlns:p="http://schemas.openxmlformats.org/presentationml/2006/main" type="vertTitleAndTx" preserve="1">
-  <p:cSld name="Vertical Title and Text">
+  <p:cSld name="竖排标题与文本">
     <p:spTree>
       <p:nvGrpSpPr>
         <p:cNvPr id="1" name=""/>
@@ -503,8 +503,8 @@
         </p:nvSpPr>
         <p:spPr>
           <a:xfrm>
-            <a:off x="1526857" y="92042"/>
-            <a:ext cx="460058" cy="1465068"/>
+            <a:off x="12881724" y="574987"/>
+            <a:ext cx="3881393" cy="9152300"/>
           </a:xfrm>
         </p:spPr>
         <p:txBody>
@@ -512,8 +512,8 @@
           <a:lstStyle/>
           <a:p>
             <a:r>
-              <a:rPr lang="en-US"/>
-              <a:t>Click to edit Master title style</a:t>
+              <a:rPr lang="zh-CN" altLang="en-US"/>
+              <a:t>单击此处编辑母版标题样式</a:t>
             </a:r>
             <a:endParaRPr lang="en-US" dirty="0"/>
           </a:p>
@@ -531,8 +531,8 @@
         </p:nvSpPr>
         <p:spPr>
           <a:xfrm>
-            <a:off x="146685" y="92042"/>
-            <a:ext cx="1353503" cy="1465068"/>
+            <a:off x="1237545" y="574987"/>
+            <a:ext cx="11419171" cy="9152300"/>
           </a:xfrm>
         </p:spPr>
         <p:txBody>
@@ -541,36 +541,36 @@
           <a:p>
             <a:pPr lvl="0"/>
             <a:r>
-              <a:rPr lang="en-US"/>
-              <a:t>Click to edit Master text styles</a:t>
+              <a:rPr lang="zh-CN" altLang="en-US"/>
+              <a:t>单击此处编辑母版文本样式</a:t>
             </a:r>
           </a:p>
           <a:p>
             <a:pPr lvl="1"/>
             <a:r>
-              <a:rPr lang="en-US"/>
-              <a:t>Second level</a:t>
+              <a:rPr lang="zh-CN" altLang="en-US"/>
+              <a:t>二级</a:t>
             </a:r>
           </a:p>
           <a:p>
             <a:pPr lvl="2"/>
             <a:r>
-              <a:rPr lang="en-US"/>
-              <a:t>Third level</a:t>
+              <a:rPr lang="zh-CN" altLang="en-US"/>
+              <a:t>三级</a:t>
             </a:r>
           </a:p>
           <a:p>
             <a:pPr lvl="3"/>
             <a:r>
-              <a:rPr lang="en-US"/>
-              <a:t>Fourth level</a:t>
+              <a:rPr lang="zh-CN" altLang="en-US"/>
+              <a:t>四级</a:t>
             </a:r>
           </a:p>
           <a:p>
             <a:pPr lvl="4"/>
             <a:r>
-              <a:rPr lang="en-US"/>
-              <a:t>Fifth level</a:t>
+              <a:rPr lang="zh-CN" altLang="en-US"/>
+              <a:t>五级</a:t>
             </a:r>
             <a:endParaRPr lang="en-US" dirty="0"/>
           </a:p>
@@ -593,7 +593,7 @@
           <a:p>
             <a:fld id="{CA1BB51F-BFC6-4DD3-8C2A-5B21FD6F69C3}" type="datetimeFigureOut">
               <a:rPr lang="en-SE" smtClean="0"/>
-              <a:t>2023-09-30</a:t>
+              <a:t>10/04/2023</a:t>
             </a:fld>
             <a:endParaRPr lang="en-SE"/>
           </a:p>
@@ -644,7 +644,7 @@
     </p:spTree>
     <p:extLst>
       <p:ext uri="{BB962C8B-B14F-4D97-AF65-F5344CB8AC3E}">
-        <p14:creationId xmlns:p14="http://schemas.microsoft.com/office/powerpoint/2010/main" val="4143859637"/>
+        <p14:creationId xmlns:p14="http://schemas.microsoft.com/office/powerpoint/2010/main" val="631758953"/>
       </p:ext>
     </p:extLst>
   </p:cSld>
@@ -656,7 +656,7 @@
 
 <file path=ppt/slideLayouts/slideLayout2.xml><?xml version="1.0" encoding="utf-8"?>
 <p:sldLayout xmlns:a="http://schemas.openxmlformats.org/drawingml/2006/main" xmlns:r="http://schemas.openxmlformats.org/officeDocument/2006/relationships" xmlns:p="http://schemas.openxmlformats.org/presentationml/2006/main" type="obj" preserve="1">
-  <p:cSld name="Title and Content">
+  <p:cSld name="标题和内容">
     <p:spTree>
       <p:nvGrpSpPr>
         <p:cNvPr id="1" name=""/>
@@ -687,8 +687,8 @@
           <a:lstStyle/>
           <a:p>
             <a:r>
-              <a:rPr lang="en-US"/>
-              <a:t>Click to edit Master title style</a:t>
+              <a:rPr lang="zh-CN" altLang="en-US"/>
+              <a:t>单击此处编辑母版标题样式</a:t>
             </a:r>
             <a:endParaRPr lang="en-US" dirty="0"/>
           </a:p>
@@ -711,36 +711,36 @@
           <a:p>
             <a:pPr lvl="0"/>
             <a:r>
-              <a:rPr lang="en-US"/>
-              <a:t>Click to edit Master text styles</a:t>
+              <a:rPr lang="zh-CN" altLang="en-US"/>
+              <a:t>单击此处编辑母版文本样式</a:t>
             </a:r>
           </a:p>
           <a:p>
             <a:pPr lvl="1"/>
             <a:r>
-              <a:rPr lang="en-US"/>
-              <a:t>Second level</a:t>
+              <a:rPr lang="zh-CN" altLang="en-US"/>
+              <a:t>二级</a:t>
             </a:r>
           </a:p>
           <a:p>
             <a:pPr lvl="2"/>
             <a:r>
-              <a:rPr lang="en-US"/>
-              <a:t>Third level</a:t>
+              <a:rPr lang="zh-CN" altLang="en-US"/>
+              <a:t>三级</a:t>
             </a:r>
           </a:p>
           <a:p>
             <a:pPr lvl="3"/>
             <a:r>
-              <a:rPr lang="en-US"/>
-              <a:t>Fourth level</a:t>
+              <a:rPr lang="zh-CN" altLang="en-US"/>
+              <a:t>四级</a:t>
             </a:r>
           </a:p>
           <a:p>
             <a:pPr lvl="4"/>
             <a:r>
-              <a:rPr lang="en-US"/>
-              <a:t>Fifth level</a:t>
+              <a:rPr lang="zh-CN" altLang="en-US"/>
+              <a:t>五级</a:t>
             </a:r>
             <a:endParaRPr lang="en-US" dirty="0"/>
           </a:p>
@@ -763,7 +763,7 @@
           <a:p>
             <a:fld id="{CA1BB51F-BFC6-4DD3-8C2A-5B21FD6F69C3}" type="datetimeFigureOut">
               <a:rPr lang="en-SE" smtClean="0"/>
-              <a:t>2023-09-30</a:t>
+              <a:t>10/04/2023</a:t>
             </a:fld>
             <a:endParaRPr lang="en-SE"/>
           </a:p>
@@ -814,7 +814,7 @@
     </p:spTree>
     <p:extLst>
       <p:ext uri="{BB962C8B-B14F-4D97-AF65-F5344CB8AC3E}">
-        <p14:creationId xmlns:p14="http://schemas.microsoft.com/office/powerpoint/2010/main" val="167111033"/>
+        <p14:creationId xmlns:p14="http://schemas.microsoft.com/office/powerpoint/2010/main" val="3856522340"/>
       </p:ext>
     </p:extLst>
   </p:cSld>
@@ -826,7 +826,7 @@
 
 <file path=ppt/slideLayouts/slideLayout3.xml><?xml version="1.0" encoding="utf-8"?>
 <p:sldLayout xmlns:a="http://schemas.openxmlformats.org/drawingml/2006/main" xmlns:r="http://schemas.openxmlformats.org/officeDocument/2006/relationships" xmlns:p="http://schemas.openxmlformats.org/presentationml/2006/main" type="secHead" preserve="1">
-  <p:cSld name="Section Header">
+  <p:cSld name="节标题">
     <p:spTree>
       <p:nvGrpSpPr>
         <p:cNvPr id="1" name=""/>
@@ -853,21 +853,21 @@
         </p:nvSpPr>
         <p:spPr>
           <a:xfrm>
-            <a:off x="145574" y="430997"/>
-            <a:ext cx="1840230" cy="719128"/>
+            <a:off x="1228170" y="2692442"/>
+            <a:ext cx="15525572" cy="4492401"/>
           </a:xfrm>
         </p:spPr>
         <p:txBody>
           <a:bodyPr anchor="b"/>
           <a:lstStyle>
             <a:lvl1pPr>
-              <a:defRPr sz="1400"/>
+              <a:defRPr sz="8858"/>
             </a:lvl1pPr>
           </a:lstStyle>
           <a:p>
             <a:r>
-              <a:rPr lang="en-US"/>
-              <a:t>Click to edit Master title style</a:t>
+              <a:rPr lang="zh-CN" altLang="en-US"/>
+              <a:t>单击此处编辑母版标题样式</a:t>
             </a:r>
             <a:endParaRPr lang="en-US" dirty="0"/>
           </a:p>
@@ -885,8 +885,8 @@
         </p:nvSpPr>
         <p:spPr>
           <a:xfrm>
-            <a:off x="145574" y="1156928"/>
-            <a:ext cx="1840230" cy="378172"/>
+            <a:off x="1228170" y="7227343"/>
+            <a:ext cx="15525572" cy="2362447"/>
           </a:xfrm>
         </p:spPr>
         <p:txBody>
@@ -894,15 +894,17 @@
           <a:lstStyle>
             <a:lvl1pPr marL="0" indent="0">
               <a:buNone/>
-              <a:defRPr sz="560">
+              <a:defRPr sz="3543">
                 <a:solidFill>
-                  <a:schemeClr val="tx1"/>
+                  <a:schemeClr val="tx1">
+                    <a:tint val="75000"/>
+                  </a:schemeClr>
                 </a:solidFill>
               </a:defRPr>
             </a:lvl1pPr>
-            <a:lvl2pPr marL="106665" indent="0">
-              <a:buNone/>
-              <a:defRPr sz="467">
+            <a:lvl2pPr marL="675010" indent="0">
+              <a:buNone/>
+              <a:defRPr sz="2953">
                 <a:solidFill>
                   <a:schemeClr val="tx1">
                     <a:tint val="75000"/>
@@ -910,9 +912,9 @@
                 </a:solidFill>
               </a:defRPr>
             </a:lvl2pPr>
-            <a:lvl3pPr marL="213330" indent="0">
-              <a:buNone/>
-              <a:defRPr sz="420">
+            <a:lvl3pPr marL="1350020" indent="0">
+              <a:buNone/>
+              <a:defRPr sz="2658">
                 <a:solidFill>
                   <a:schemeClr val="tx1">
                     <a:tint val="75000"/>
@@ -920,9 +922,9 @@
                 </a:solidFill>
               </a:defRPr>
             </a:lvl3pPr>
-            <a:lvl4pPr marL="319994" indent="0">
-              <a:buNone/>
-              <a:defRPr sz="373">
+            <a:lvl4pPr marL="2025030" indent="0">
+              <a:buNone/>
+              <a:defRPr sz="2362">
                 <a:solidFill>
                   <a:schemeClr val="tx1">
                     <a:tint val="75000"/>
@@ -930,9 +932,9 @@
                 </a:solidFill>
               </a:defRPr>
             </a:lvl4pPr>
-            <a:lvl5pPr marL="426659" indent="0">
-              <a:buNone/>
-              <a:defRPr sz="373">
+            <a:lvl5pPr marL="2700040" indent="0">
+              <a:buNone/>
+              <a:defRPr sz="2362">
                 <a:solidFill>
                   <a:schemeClr val="tx1">
                     <a:tint val="75000"/>
@@ -940,9 +942,9 @@
                 </a:solidFill>
               </a:defRPr>
             </a:lvl5pPr>
-            <a:lvl6pPr marL="533324" indent="0">
-              <a:buNone/>
-              <a:defRPr sz="373">
+            <a:lvl6pPr marL="3375050" indent="0">
+              <a:buNone/>
+              <a:defRPr sz="2362">
                 <a:solidFill>
                   <a:schemeClr val="tx1">
                     <a:tint val="75000"/>
@@ -950,9 +952,9 @@
                 </a:solidFill>
               </a:defRPr>
             </a:lvl6pPr>
-            <a:lvl7pPr marL="639989" indent="0">
-              <a:buNone/>
-              <a:defRPr sz="373">
+            <a:lvl7pPr marL="4050060" indent="0">
+              <a:buNone/>
+              <a:defRPr sz="2362">
                 <a:solidFill>
                   <a:schemeClr val="tx1">
                     <a:tint val="75000"/>
@@ -960,9 +962,9 @@
                 </a:solidFill>
               </a:defRPr>
             </a:lvl7pPr>
-            <a:lvl8pPr marL="746653" indent="0">
-              <a:buNone/>
-              <a:defRPr sz="373">
+            <a:lvl8pPr marL="4725071" indent="0">
+              <a:buNone/>
+              <a:defRPr sz="2362">
                 <a:solidFill>
                   <a:schemeClr val="tx1">
                     <a:tint val="75000"/>
@@ -970,9 +972,9 @@
                 </a:solidFill>
               </a:defRPr>
             </a:lvl8pPr>
-            <a:lvl9pPr marL="853318" indent="0">
-              <a:buNone/>
-              <a:defRPr sz="373">
+            <a:lvl9pPr marL="5400081" indent="0">
+              <a:buNone/>
+              <a:defRPr sz="2362">
                 <a:solidFill>
                   <a:schemeClr val="tx1">
                     <a:tint val="75000"/>
@@ -984,8 +986,8 @@
           <a:p>
             <a:pPr lvl="0"/>
             <a:r>
-              <a:rPr lang="en-US"/>
-              <a:t>Click to edit Master text styles</a:t>
+              <a:rPr lang="zh-CN" altLang="en-US"/>
+              <a:t>单击此处编辑母版文本样式</a:t>
             </a:r>
           </a:p>
         </p:txBody>
@@ -1007,7 +1009,7 @@
           <a:p>
             <a:fld id="{CA1BB51F-BFC6-4DD3-8C2A-5B21FD6F69C3}" type="datetimeFigureOut">
               <a:rPr lang="en-SE" smtClean="0"/>
-              <a:t>2023-09-30</a:t>
+              <a:t>10/04/2023</a:t>
             </a:fld>
             <a:endParaRPr lang="en-SE"/>
           </a:p>
@@ -1058,7 +1060,7 @@
     </p:spTree>
     <p:extLst>
       <p:ext uri="{BB962C8B-B14F-4D97-AF65-F5344CB8AC3E}">
-        <p14:creationId xmlns:p14="http://schemas.microsoft.com/office/powerpoint/2010/main" val="2958211045"/>
+        <p14:creationId xmlns:p14="http://schemas.microsoft.com/office/powerpoint/2010/main" val="396364511"/>
       </p:ext>
     </p:extLst>
   </p:cSld>
@@ -1070,7 +1072,7 @@
 
 <file path=ppt/slideLayouts/slideLayout4.xml><?xml version="1.0" encoding="utf-8"?>
 <p:sldLayout xmlns:a="http://schemas.openxmlformats.org/drawingml/2006/main" xmlns:r="http://schemas.openxmlformats.org/officeDocument/2006/relationships" xmlns:p="http://schemas.openxmlformats.org/presentationml/2006/main" type="twoObj" preserve="1">
-  <p:cSld name="Two Content">
+  <p:cSld name="两栏内容">
     <p:spTree>
       <p:nvGrpSpPr>
         <p:cNvPr id="1" name=""/>
@@ -1101,8 +1103,8 @@
           <a:lstStyle/>
           <a:p>
             <a:r>
-              <a:rPr lang="en-US"/>
-              <a:t>Click to edit Master title style</a:t>
+              <a:rPr lang="zh-CN" altLang="en-US"/>
+              <a:t>单击此处编辑母版标题样式</a:t>
             </a:r>
             <a:endParaRPr lang="en-US" dirty="0"/>
           </a:p>
@@ -1120,8 +1122,8 @@
         </p:nvSpPr>
         <p:spPr>
           <a:xfrm>
-            <a:off x="146685" y="460210"/>
-            <a:ext cx="906780" cy="1096900"/>
+            <a:off x="1237545" y="2874937"/>
+            <a:ext cx="7650282" cy="6852350"/>
           </a:xfrm>
         </p:spPr>
         <p:txBody>
@@ -1130,36 +1132,36 @@
           <a:p>
             <a:pPr lvl="0"/>
             <a:r>
-              <a:rPr lang="en-US"/>
-              <a:t>Click to edit Master text styles</a:t>
+              <a:rPr lang="zh-CN" altLang="en-US"/>
+              <a:t>单击此处编辑母版文本样式</a:t>
             </a:r>
           </a:p>
           <a:p>
             <a:pPr lvl="1"/>
             <a:r>
-              <a:rPr lang="en-US"/>
-              <a:t>Second level</a:t>
+              <a:rPr lang="zh-CN" altLang="en-US"/>
+              <a:t>二级</a:t>
             </a:r>
           </a:p>
           <a:p>
             <a:pPr lvl="2"/>
             <a:r>
-              <a:rPr lang="en-US"/>
-              <a:t>Third level</a:t>
+              <a:rPr lang="zh-CN" altLang="en-US"/>
+              <a:t>三级</a:t>
             </a:r>
           </a:p>
           <a:p>
             <a:pPr lvl="3"/>
             <a:r>
-              <a:rPr lang="en-US"/>
-              <a:t>Fourth level</a:t>
+              <a:rPr lang="zh-CN" altLang="en-US"/>
+              <a:t>四级</a:t>
             </a:r>
           </a:p>
           <a:p>
             <a:pPr lvl="4"/>
             <a:r>
-              <a:rPr lang="en-US"/>
-              <a:t>Fifth level</a:t>
+              <a:rPr lang="zh-CN" altLang="en-US"/>
+              <a:t>五级</a:t>
             </a:r>
             <a:endParaRPr lang="en-US" dirty="0"/>
           </a:p>
@@ -1177,8 +1179,8 @@
         </p:nvSpPr>
         <p:spPr>
           <a:xfrm>
-            <a:off x="1080135" y="460210"/>
-            <a:ext cx="906780" cy="1096900"/>
+            <a:off x="9112836" y="2874937"/>
+            <a:ext cx="7650282" cy="6852350"/>
           </a:xfrm>
         </p:spPr>
         <p:txBody>
@@ -1187,36 +1189,36 @@
           <a:p>
             <a:pPr lvl="0"/>
             <a:r>
-              <a:rPr lang="en-US"/>
-              <a:t>Click to edit Master text styles</a:t>
+              <a:rPr lang="zh-CN" altLang="en-US"/>
+              <a:t>单击此处编辑母版文本样式</a:t>
             </a:r>
           </a:p>
           <a:p>
             <a:pPr lvl="1"/>
             <a:r>
-              <a:rPr lang="en-US"/>
-              <a:t>Second level</a:t>
+              <a:rPr lang="zh-CN" altLang="en-US"/>
+              <a:t>二级</a:t>
             </a:r>
           </a:p>
           <a:p>
             <a:pPr lvl="2"/>
             <a:r>
-              <a:rPr lang="en-US"/>
-              <a:t>Third level</a:t>
+              <a:rPr lang="zh-CN" altLang="en-US"/>
+              <a:t>三级</a:t>
             </a:r>
           </a:p>
           <a:p>
             <a:pPr lvl="3"/>
             <a:r>
-              <a:rPr lang="en-US"/>
-              <a:t>Fourth level</a:t>
+              <a:rPr lang="zh-CN" altLang="en-US"/>
+              <a:t>四级</a:t>
             </a:r>
           </a:p>
           <a:p>
             <a:pPr lvl="4"/>
             <a:r>
-              <a:rPr lang="en-US"/>
-              <a:t>Fifth level</a:t>
+              <a:rPr lang="zh-CN" altLang="en-US"/>
+              <a:t>五级</a:t>
             </a:r>
             <a:endParaRPr lang="en-US" dirty="0"/>
           </a:p>
@@ -1239,7 +1241,7 @@
           <a:p>
             <a:fld id="{CA1BB51F-BFC6-4DD3-8C2A-5B21FD6F69C3}" type="datetimeFigureOut">
               <a:rPr lang="en-SE" smtClean="0"/>
-              <a:t>2023-09-30</a:t>
+              <a:t>10/04/2023</a:t>
             </a:fld>
             <a:endParaRPr lang="en-SE"/>
           </a:p>
@@ -1290,7 +1292,7 @@
     </p:spTree>
     <p:extLst>
       <p:ext uri="{BB962C8B-B14F-4D97-AF65-F5344CB8AC3E}">
-        <p14:creationId xmlns:p14="http://schemas.microsoft.com/office/powerpoint/2010/main" val="3797410516"/>
+        <p14:creationId xmlns:p14="http://schemas.microsoft.com/office/powerpoint/2010/main" val="2153591019"/>
       </p:ext>
     </p:extLst>
   </p:cSld>
@@ -1302,7 +1304,7 @@
 
 <file path=ppt/slideLayouts/slideLayout5.xml><?xml version="1.0" encoding="utf-8"?>
 <p:sldLayout xmlns:a="http://schemas.openxmlformats.org/drawingml/2006/main" xmlns:r="http://schemas.openxmlformats.org/officeDocument/2006/relationships" xmlns:p="http://schemas.openxmlformats.org/presentationml/2006/main" type="twoTxTwoObj" preserve="1">
-  <p:cSld name="Comparison">
+  <p:cSld name="比较">
     <p:spTree>
       <p:nvGrpSpPr>
         <p:cNvPr id="1" name=""/>
@@ -1329,8 +1331,8 @@
         </p:nvSpPr>
         <p:spPr>
           <a:xfrm>
-            <a:off x="146963" y="92043"/>
-            <a:ext cx="1840230" cy="334152"/>
+            <a:off x="1239890" y="574988"/>
+            <a:ext cx="15525572" cy="2087455"/>
           </a:xfrm>
         </p:spPr>
         <p:txBody>
@@ -1338,8 +1340,8 @@
           <a:lstStyle/>
           <a:p>
             <a:r>
-              <a:rPr lang="en-US"/>
-              <a:t>Click to edit Master title style</a:t>
+              <a:rPr lang="zh-CN" altLang="en-US"/>
+              <a:t>单击此处编辑母版标题样式</a:t>
             </a:r>
             <a:endParaRPr lang="en-US" dirty="0"/>
           </a:p>
@@ -1357,8 +1359,8 @@
         </p:nvSpPr>
         <p:spPr>
           <a:xfrm>
-            <a:off x="146963" y="423793"/>
-            <a:ext cx="902613" cy="207695"/>
+            <a:off x="1239891" y="2647443"/>
+            <a:ext cx="7615123" cy="1297471"/>
           </a:xfrm>
         </p:spPr>
         <p:txBody>
@@ -1366,46 +1368,46 @@
           <a:lstStyle>
             <a:lvl1pPr marL="0" indent="0">
               <a:buNone/>
-              <a:defRPr sz="560" b="1"/>
+              <a:defRPr sz="3543" b="1"/>
             </a:lvl1pPr>
-            <a:lvl2pPr marL="106665" indent="0">
-              <a:buNone/>
-              <a:defRPr sz="467" b="1"/>
+            <a:lvl2pPr marL="675010" indent="0">
+              <a:buNone/>
+              <a:defRPr sz="2953" b="1"/>
             </a:lvl2pPr>
-            <a:lvl3pPr marL="213330" indent="0">
-              <a:buNone/>
-              <a:defRPr sz="420" b="1"/>
+            <a:lvl3pPr marL="1350020" indent="0">
+              <a:buNone/>
+              <a:defRPr sz="2658" b="1"/>
             </a:lvl3pPr>
-            <a:lvl4pPr marL="319994" indent="0">
-              <a:buNone/>
-              <a:defRPr sz="373" b="1"/>
+            <a:lvl4pPr marL="2025030" indent="0">
+              <a:buNone/>
+              <a:defRPr sz="2362" b="1"/>
             </a:lvl4pPr>
-            <a:lvl5pPr marL="426659" indent="0">
-              <a:buNone/>
-              <a:defRPr sz="373" b="1"/>
+            <a:lvl5pPr marL="2700040" indent="0">
+              <a:buNone/>
+              <a:defRPr sz="2362" b="1"/>
             </a:lvl5pPr>
-            <a:lvl6pPr marL="533324" indent="0">
-              <a:buNone/>
-              <a:defRPr sz="373" b="1"/>
+            <a:lvl6pPr marL="3375050" indent="0">
+              <a:buNone/>
+              <a:defRPr sz="2362" b="1"/>
             </a:lvl6pPr>
-            <a:lvl7pPr marL="639989" indent="0">
-              <a:buNone/>
-              <a:defRPr sz="373" b="1"/>
+            <a:lvl7pPr marL="4050060" indent="0">
+              <a:buNone/>
+              <a:defRPr sz="2362" b="1"/>
             </a:lvl7pPr>
-            <a:lvl8pPr marL="746653" indent="0">
-              <a:buNone/>
-              <a:defRPr sz="373" b="1"/>
+            <a:lvl8pPr marL="4725071" indent="0">
+              <a:buNone/>
+              <a:defRPr sz="2362" b="1"/>
             </a:lvl8pPr>
-            <a:lvl9pPr marL="853318" indent="0">
-              <a:buNone/>
-              <a:defRPr sz="373" b="1"/>
+            <a:lvl9pPr marL="5400081" indent="0">
+              <a:buNone/>
+              <a:defRPr sz="2362" b="1"/>
             </a:lvl9pPr>
           </a:lstStyle>
           <a:p>
             <a:pPr lvl="0"/>
             <a:r>
-              <a:rPr lang="en-US"/>
-              <a:t>Click to edit Master text styles</a:t>
+              <a:rPr lang="zh-CN" altLang="en-US"/>
+              <a:t>单击此处编辑母版文本样式</a:t>
             </a:r>
           </a:p>
         </p:txBody>
@@ -1422,8 +1424,8 @@
         </p:nvSpPr>
         <p:spPr>
           <a:xfrm>
-            <a:off x="146963" y="631488"/>
-            <a:ext cx="902613" cy="928823"/>
+            <a:off x="1239891" y="3944914"/>
+            <a:ext cx="7615123" cy="5802373"/>
           </a:xfrm>
         </p:spPr>
         <p:txBody>
@@ -1432,36 +1434,36 @@
           <a:p>
             <a:pPr lvl="0"/>
             <a:r>
-              <a:rPr lang="en-US"/>
-              <a:t>Click to edit Master text styles</a:t>
+              <a:rPr lang="zh-CN" altLang="en-US"/>
+              <a:t>单击此处编辑母版文本样式</a:t>
             </a:r>
           </a:p>
           <a:p>
             <a:pPr lvl="1"/>
             <a:r>
-              <a:rPr lang="en-US"/>
-              <a:t>Second level</a:t>
+              <a:rPr lang="zh-CN" altLang="en-US"/>
+              <a:t>二级</a:t>
             </a:r>
           </a:p>
           <a:p>
             <a:pPr lvl="2"/>
             <a:r>
-              <a:rPr lang="en-US"/>
-              <a:t>Third level</a:t>
+              <a:rPr lang="zh-CN" altLang="en-US"/>
+              <a:t>三级</a:t>
             </a:r>
           </a:p>
           <a:p>
             <a:pPr lvl="3"/>
             <a:r>
-              <a:rPr lang="en-US"/>
-              <a:t>Fourth level</a:t>
+              <a:rPr lang="zh-CN" altLang="en-US"/>
+              <a:t>四级</a:t>
             </a:r>
           </a:p>
           <a:p>
             <a:pPr lvl="4"/>
             <a:r>
-              <a:rPr lang="en-US"/>
-              <a:t>Fifth level</a:t>
+              <a:rPr lang="zh-CN" altLang="en-US"/>
+              <a:t>五级</a:t>
             </a:r>
             <a:endParaRPr lang="en-US" dirty="0"/>
           </a:p>
@@ -1479,8 +1481,8 @@
         </p:nvSpPr>
         <p:spPr>
           <a:xfrm>
-            <a:off x="1080135" y="423793"/>
-            <a:ext cx="907058" cy="207695"/>
+            <a:off x="9112836" y="2647443"/>
+            <a:ext cx="7652626" cy="1297471"/>
           </a:xfrm>
         </p:spPr>
         <p:txBody>
@@ -1488,46 +1490,46 @@
           <a:lstStyle>
             <a:lvl1pPr marL="0" indent="0">
               <a:buNone/>
-              <a:defRPr sz="560" b="1"/>
+              <a:defRPr sz="3543" b="1"/>
             </a:lvl1pPr>
-            <a:lvl2pPr marL="106665" indent="0">
-              <a:buNone/>
-              <a:defRPr sz="467" b="1"/>
+            <a:lvl2pPr marL="675010" indent="0">
+              <a:buNone/>
+              <a:defRPr sz="2953" b="1"/>
             </a:lvl2pPr>
-            <a:lvl3pPr marL="213330" indent="0">
-              <a:buNone/>
-              <a:defRPr sz="420" b="1"/>
+            <a:lvl3pPr marL="1350020" indent="0">
+              <a:buNone/>
+              <a:defRPr sz="2658" b="1"/>
             </a:lvl3pPr>
-            <a:lvl4pPr marL="319994" indent="0">
-              <a:buNone/>
-              <a:defRPr sz="373" b="1"/>
+            <a:lvl4pPr marL="2025030" indent="0">
+              <a:buNone/>
+              <a:defRPr sz="2362" b="1"/>
             </a:lvl4pPr>
-            <a:lvl5pPr marL="426659" indent="0">
-              <a:buNone/>
-              <a:defRPr sz="373" b="1"/>
+            <a:lvl5pPr marL="2700040" indent="0">
+              <a:buNone/>
+              <a:defRPr sz="2362" b="1"/>
             </a:lvl5pPr>
-            <a:lvl6pPr marL="533324" indent="0">
-              <a:buNone/>
-              <a:defRPr sz="373" b="1"/>
+            <a:lvl6pPr marL="3375050" indent="0">
+              <a:buNone/>
+              <a:defRPr sz="2362" b="1"/>
             </a:lvl6pPr>
-            <a:lvl7pPr marL="639989" indent="0">
-              <a:buNone/>
-              <a:defRPr sz="373" b="1"/>
+            <a:lvl7pPr marL="4050060" indent="0">
+              <a:buNone/>
+              <a:defRPr sz="2362" b="1"/>
             </a:lvl7pPr>
-            <a:lvl8pPr marL="746653" indent="0">
-              <a:buNone/>
-              <a:defRPr sz="373" b="1"/>
+            <a:lvl8pPr marL="4725071" indent="0">
+              <a:buNone/>
+              <a:defRPr sz="2362" b="1"/>
             </a:lvl8pPr>
-            <a:lvl9pPr marL="853318" indent="0">
-              <a:buNone/>
-              <a:defRPr sz="373" b="1"/>
+            <a:lvl9pPr marL="5400081" indent="0">
+              <a:buNone/>
+              <a:defRPr sz="2362" b="1"/>
             </a:lvl9pPr>
           </a:lstStyle>
           <a:p>
             <a:pPr lvl="0"/>
             <a:r>
-              <a:rPr lang="en-US"/>
-              <a:t>Click to edit Master text styles</a:t>
+              <a:rPr lang="zh-CN" altLang="en-US"/>
+              <a:t>单击此处编辑母版文本样式</a:t>
             </a:r>
           </a:p>
         </p:txBody>
@@ -1544,8 +1546,8 @@
         </p:nvSpPr>
         <p:spPr>
           <a:xfrm>
-            <a:off x="1080135" y="631488"/>
-            <a:ext cx="907058" cy="928823"/>
+            <a:off x="9112836" y="3944914"/>
+            <a:ext cx="7652626" cy="5802373"/>
           </a:xfrm>
         </p:spPr>
         <p:txBody>
@@ -1554,36 +1556,36 @@
           <a:p>
             <a:pPr lvl="0"/>
             <a:r>
-              <a:rPr lang="en-US"/>
-              <a:t>Click to edit Master text styles</a:t>
+              <a:rPr lang="zh-CN" altLang="en-US"/>
+              <a:t>单击此处编辑母版文本样式</a:t>
             </a:r>
           </a:p>
           <a:p>
             <a:pPr lvl="1"/>
             <a:r>
-              <a:rPr lang="en-US"/>
-              <a:t>Second level</a:t>
+              <a:rPr lang="zh-CN" altLang="en-US"/>
+              <a:t>二级</a:t>
             </a:r>
           </a:p>
           <a:p>
             <a:pPr lvl="2"/>
             <a:r>
-              <a:rPr lang="en-US"/>
-              <a:t>Third level</a:t>
+              <a:rPr lang="zh-CN" altLang="en-US"/>
+              <a:t>三级</a:t>
             </a:r>
           </a:p>
           <a:p>
             <a:pPr lvl="3"/>
             <a:r>
-              <a:rPr lang="en-US"/>
-              <a:t>Fourth level</a:t>
+              <a:rPr lang="zh-CN" altLang="en-US"/>
+              <a:t>四级</a:t>
             </a:r>
           </a:p>
           <a:p>
             <a:pPr lvl="4"/>
             <a:r>
-              <a:rPr lang="en-US"/>
-              <a:t>Fifth level</a:t>
+              <a:rPr lang="zh-CN" altLang="en-US"/>
+              <a:t>五级</a:t>
             </a:r>
             <a:endParaRPr lang="en-US" dirty="0"/>
           </a:p>
@@ -1606,7 +1608,7 @@
           <a:p>
             <a:fld id="{CA1BB51F-BFC6-4DD3-8C2A-5B21FD6F69C3}" type="datetimeFigureOut">
               <a:rPr lang="en-SE" smtClean="0"/>
-              <a:t>2023-09-30</a:t>
+              <a:t>10/04/2023</a:t>
             </a:fld>
             <a:endParaRPr lang="en-SE"/>
           </a:p>
@@ -1657,7 +1659,7 @@
     </p:spTree>
     <p:extLst>
       <p:ext uri="{BB962C8B-B14F-4D97-AF65-F5344CB8AC3E}">
-        <p14:creationId xmlns:p14="http://schemas.microsoft.com/office/powerpoint/2010/main" val="2754252418"/>
+        <p14:creationId xmlns:p14="http://schemas.microsoft.com/office/powerpoint/2010/main" val="2756972785"/>
       </p:ext>
     </p:extLst>
   </p:cSld>
@@ -1669,7 +1671,7 @@
 
 <file path=ppt/slideLayouts/slideLayout6.xml><?xml version="1.0" encoding="utf-8"?>
 <p:sldLayout xmlns:a="http://schemas.openxmlformats.org/drawingml/2006/main" xmlns:r="http://schemas.openxmlformats.org/officeDocument/2006/relationships" xmlns:p="http://schemas.openxmlformats.org/presentationml/2006/main" type="titleOnly" preserve="1">
-  <p:cSld name="Title Only">
+  <p:cSld name="仅标题">
     <p:spTree>
       <p:nvGrpSpPr>
         <p:cNvPr id="1" name=""/>
@@ -1700,8 +1702,8 @@
           <a:lstStyle/>
           <a:p>
             <a:r>
-              <a:rPr lang="en-US"/>
-              <a:t>Click to edit Master title style</a:t>
+              <a:rPr lang="zh-CN" altLang="en-US"/>
+              <a:t>单击此处编辑母版标题样式</a:t>
             </a:r>
             <a:endParaRPr lang="en-US" dirty="0"/>
           </a:p>
@@ -1724,7 +1726,7 @@
           <a:p>
             <a:fld id="{CA1BB51F-BFC6-4DD3-8C2A-5B21FD6F69C3}" type="datetimeFigureOut">
               <a:rPr lang="en-SE" smtClean="0"/>
-              <a:t>2023-09-30</a:t>
+              <a:t>10/04/2023</a:t>
             </a:fld>
             <a:endParaRPr lang="en-SE"/>
           </a:p>
@@ -1775,7 +1777,7 @@
     </p:spTree>
     <p:extLst>
       <p:ext uri="{BB962C8B-B14F-4D97-AF65-F5344CB8AC3E}">
-        <p14:creationId xmlns:p14="http://schemas.microsoft.com/office/powerpoint/2010/main" val="3574134668"/>
+        <p14:creationId xmlns:p14="http://schemas.microsoft.com/office/powerpoint/2010/main" val="3409911294"/>
       </p:ext>
     </p:extLst>
   </p:cSld>
@@ -1787,7 +1789,7 @@
 
 <file path=ppt/slideLayouts/slideLayout7.xml><?xml version="1.0" encoding="utf-8"?>
 <p:sldLayout xmlns:a="http://schemas.openxmlformats.org/drawingml/2006/main" xmlns:r="http://schemas.openxmlformats.org/officeDocument/2006/relationships" xmlns:p="http://schemas.openxmlformats.org/presentationml/2006/main" type="blank" preserve="1">
-  <p:cSld name="Blank">
+  <p:cSld name="空白">
     <p:spTree>
       <p:nvGrpSpPr>
         <p:cNvPr id="1" name=""/>
@@ -1819,7 +1821,7 @@
           <a:p>
             <a:fld id="{CA1BB51F-BFC6-4DD3-8C2A-5B21FD6F69C3}" type="datetimeFigureOut">
               <a:rPr lang="en-SE" smtClean="0"/>
-              <a:t>2023-09-30</a:t>
+              <a:t>10/04/2023</a:t>
             </a:fld>
             <a:endParaRPr lang="en-SE"/>
           </a:p>
@@ -1870,7 +1872,7 @@
     </p:spTree>
     <p:extLst>
       <p:ext uri="{BB962C8B-B14F-4D97-AF65-F5344CB8AC3E}">
-        <p14:creationId xmlns:p14="http://schemas.microsoft.com/office/powerpoint/2010/main" val="817689837"/>
+        <p14:creationId xmlns:p14="http://schemas.microsoft.com/office/powerpoint/2010/main" val="514902792"/>
       </p:ext>
     </p:extLst>
   </p:cSld>
@@ -1882,7 +1884,7 @@
 
 <file path=ppt/slideLayouts/slideLayout8.xml><?xml version="1.0" encoding="utf-8"?>
 <p:sldLayout xmlns:a="http://schemas.openxmlformats.org/drawingml/2006/main" xmlns:r="http://schemas.openxmlformats.org/officeDocument/2006/relationships" xmlns:p="http://schemas.openxmlformats.org/presentationml/2006/main" type="objTx" preserve="1">
-  <p:cSld name="Content with Caption">
+  <p:cSld name="内容与标题">
     <p:spTree>
       <p:nvGrpSpPr>
         <p:cNvPr id="1" name=""/>
@@ -1909,21 +1911,21 @@
         </p:nvSpPr>
         <p:spPr>
           <a:xfrm>
-            <a:off x="146963" y="115252"/>
-            <a:ext cx="688142" cy="403384"/>
+            <a:off x="1239891" y="719984"/>
+            <a:ext cx="5805682" cy="2519945"/>
           </a:xfrm>
         </p:spPr>
         <p:txBody>
           <a:bodyPr anchor="b"/>
           <a:lstStyle>
             <a:lvl1pPr>
-              <a:defRPr sz="747"/>
+              <a:defRPr sz="4724"/>
             </a:lvl1pPr>
           </a:lstStyle>
           <a:p>
             <a:r>
-              <a:rPr lang="en-US"/>
-              <a:t>Click to edit Master title style</a:t>
+              <a:rPr lang="zh-CN" altLang="en-US"/>
+              <a:t>单击此处编辑母版标题样式</a:t>
             </a:r>
             <a:endParaRPr lang="en-US" dirty="0"/>
           </a:p>
@@ -1941,74 +1943,74 @@
         </p:nvSpPr>
         <p:spPr>
           <a:xfrm>
-            <a:off x="907058" y="248914"/>
-            <a:ext cx="1080135" cy="1228560"/>
+            <a:off x="7652626" y="1554966"/>
+            <a:ext cx="9112836" cy="7674832"/>
           </a:xfrm>
         </p:spPr>
         <p:txBody>
           <a:bodyPr/>
           <a:lstStyle>
             <a:lvl1pPr>
-              <a:defRPr sz="747"/>
+              <a:defRPr sz="4724"/>
             </a:lvl1pPr>
             <a:lvl2pPr>
-              <a:defRPr sz="653"/>
+              <a:defRPr sz="4134"/>
             </a:lvl2pPr>
             <a:lvl3pPr>
-              <a:defRPr sz="560"/>
+              <a:defRPr sz="3543"/>
             </a:lvl3pPr>
             <a:lvl4pPr>
-              <a:defRPr sz="467"/>
+              <a:defRPr sz="2953"/>
             </a:lvl4pPr>
             <a:lvl5pPr>
-              <a:defRPr sz="467"/>
+              <a:defRPr sz="2953"/>
             </a:lvl5pPr>
             <a:lvl6pPr>
-              <a:defRPr sz="467"/>
+              <a:defRPr sz="2953"/>
             </a:lvl6pPr>
             <a:lvl7pPr>
-              <a:defRPr sz="467"/>
+              <a:defRPr sz="2953"/>
             </a:lvl7pPr>
             <a:lvl8pPr>
-              <a:defRPr sz="467"/>
+              <a:defRPr sz="2953"/>
             </a:lvl8pPr>
             <a:lvl9pPr>
-              <a:defRPr sz="467"/>
+              <a:defRPr sz="2953"/>
             </a:lvl9pPr>
           </a:lstStyle>
           <a:p>
             <a:pPr lvl="0"/>
             <a:r>
-              <a:rPr lang="en-US"/>
-              <a:t>Click to edit Master text styles</a:t>
+              <a:rPr lang="zh-CN" altLang="en-US"/>
+              <a:t>单击此处编辑母版文本样式</a:t>
             </a:r>
           </a:p>
           <a:p>
             <a:pPr lvl="1"/>
             <a:r>
-              <a:rPr lang="en-US"/>
-              <a:t>Second level</a:t>
+              <a:rPr lang="zh-CN" altLang="en-US"/>
+              <a:t>二级</a:t>
             </a:r>
           </a:p>
           <a:p>
             <a:pPr lvl="2"/>
             <a:r>
-              <a:rPr lang="en-US"/>
-              <a:t>Third level</a:t>
+              <a:rPr lang="zh-CN" altLang="en-US"/>
+              <a:t>三级</a:t>
             </a:r>
           </a:p>
           <a:p>
             <a:pPr lvl="3"/>
             <a:r>
-              <a:rPr lang="en-US"/>
-              <a:t>Fourth level</a:t>
+              <a:rPr lang="zh-CN" altLang="en-US"/>
+              <a:t>四级</a:t>
             </a:r>
           </a:p>
           <a:p>
             <a:pPr lvl="4"/>
             <a:r>
-              <a:rPr lang="en-US"/>
-              <a:t>Fifth level</a:t>
+              <a:rPr lang="zh-CN" altLang="en-US"/>
+              <a:t>五级</a:t>
             </a:r>
             <a:endParaRPr lang="en-US" dirty="0"/>
           </a:p>
@@ -2026,8 +2028,8 @@
         </p:nvSpPr>
         <p:spPr>
           <a:xfrm>
-            <a:off x="146963" y="518636"/>
-            <a:ext cx="688142" cy="960838"/>
+            <a:off x="1239891" y="3239929"/>
+            <a:ext cx="5805682" cy="6002369"/>
           </a:xfrm>
         </p:spPr>
         <p:txBody>
@@ -2035,46 +2037,46 @@
           <a:lstStyle>
             <a:lvl1pPr marL="0" indent="0">
               <a:buNone/>
-              <a:defRPr sz="373"/>
+              <a:defRPr sz="2362"/>
             </a:lvl1pPr>
-            <a:lvl2pPr marL="106665" indent="0">
-              <a:buNone/>
-              <a:defRPr sz="327"/>
+            <a:lvl2pPr marL="675010" indent="0">
+              <a:buNone/>
+              <a:defRPr sz="2067"/>
             </a:lvl2pPr>
-            <a:lvl3pPr marL="213330" indent="0">
-              <a:buNone/>
-              <a:defRPr sz="280"/>
+            <a:lvl3pPr marL="1350020" indent="0">
+              <a:buNone/>
+              <a:defRPr sz="1772"/>
             </a:lvl3pPr>
-            <a:lvl4pPr marL="319994" indent="0">
-              <a:buNone/>
-              <a:defRPr sz="233"/>
+            <a:lvl4pPr marL="2025030" indent="0">
+              <a:buNone/>
+              <a:defRPr sz="1476"/>
             </a:lvl4pPr>
-            <a:lvl5pPr marL="426659" indent="0">
-              <a:buNone/>
-              <a:defRPr sz="233"/>
+            <a:lvl5pPr marL="2700040" indent="0">
+              <a:buNone/>
+              <a:defRPr sz="1476"/>
             </a:lvl5pPr>
-            <a:lvl6pPr marL="533324" indent="0">
-              <a:buNone/>
-              <a:defRPr sz="233"/>
+            <a:lvl6pPr marL="3375050" indent="0">
+              <a:buNone/>
+              <a:defRPr sz="1476"/>
             </a:lvl6pPr>
-            <a:lvl7pPr marL="639989" indent="0">
-              <a:buNone/>
-              <a:defRPr sz="233"/>
+            <a:lvl7pPr marL="4050060" indent="0">
+              <a:buNone/>
+              <a:defRPr sz="1476"/>
             </a:lvl7pPr>
-            <a:lvl8pPr marL="746653" indent="0">
-              <a:buNone/>
-              <a:defRPr sz="233"/>
+            <a:lvl8pPr marL="4725071" indent="0">
+              <a:buNone/>
+              <a:defRPr sz="1476"/>
             </a:lvl8pPr>
-            <a:lvl9pPr marL="853318" indent="0">
-              <a:buNone/>
-              <a:defRPr sz="233"/>
+            <a:lvl9pPr marL="5400081" indent="0">
+              <a:buNone/>
+              <a:defRPr sz="1476"/>
             </a:lvl9pPr>
           </a:lstStyle>
           <a:p>
             <a:pPr lvl="0"/>
             <a:r>
-              <a:rPr lang="en-US"/>
-              <a:t>Click to edit Master text styles</a:t>
+              <a:rPr lang="zh-CN" altLang="en-US"/>
+              <a:t>单击此处编辑母版文本样式</a:t>
             </a:r>
           </a:p>
         </p:txBody>
@@ -2096,7 +2098,7 @@
           <a:p>
             <a:fld id="{CA1BB51F-BFC6-4DD3-8C2A-5B21FD6F69C3}" type="datetimeFigureOut">
               <a:rPr lang="en-SE" smtClean="0"/>
-              <a:t>2023-09-30</a:t>
+              <a:t>10/04/2023</a:t>
             </a:fld>
             <a:endParaRPr lang="en-SE"/>
           </a:p>
@@ -2147,7 +2149,7 @@
     </p:spTree>
     <p:extLst>
       <p:ext uri="{BB962C8B-B14F-4D97-AF65-F5344CB8AC3E}">
-        <p14:creationId xmlns:p14="http://schemas.microsoft.com/office/powerpoint/2010/main" val="1326331296"/>
+        <p14:creationId xmlns:p14="http://schemas.microsoft.com/office/powerpoint/2010/main" val="1089306609"/>
       </p:ext>
     </p:extLst>
   </p:cSld>
@@ -2159,7 +2161,7 @@
 
 <file path=ppt/slideLayouts/slideLayout9.xml><?xml version="1.0" encoding="utf-8"?>
 <p:sldLayout xmlns:a="http://schemas.openxmlformats.org/drawingml/2006/main" xmlns:r="http://schemas.openxmlformats.org/officeDocument/2006/relationships" xmlns:p="http://schemas.openxmlformats.org/presentationml/2006/main" type="picTx" preserve="1">
-  <p:cSld name="Picture with Caption">
+  <p:cSld name="图片与标题">
     <p:spTree>
       <p:nvGrpSpPr>
         <p:cNvPr id="1" name=""/>
@@ -2186,21 +2188,21 @@
         </p:nvSpPr>
         <p:spPr>
           <a:xfrm>
-            <a:off x="146963" y="115252"/>
-            <a:ext cx="688142" cy="403384"/>
+            <a:off x="1239891" y="719984"/>
+            <a:ext cx="5805682" cy="2519945"/>
           </a:xfrm>
         </p:spPr>
         <p:txBody>
           <a:bodyPr anchor="b"/>
           <a:lstStyle>
             <a:lvl1pPr>
-              <a:defRPr sz="747"/>
+              <a:defRPr sz="4724"/>
             </a:lvl1pPr>
           </a:lstStyle>
           <a:p>
             <a:r>
-              <a:rPr lang="en-US"/>
-              <a:t>Click to edit Master title style</a:t>
+              <a:rPr lang="zh-CN" altLang="en-US"/>
+              <a:t>单击此处编辑母版标题样式</a:t>
             </a:r>
             <a:endParaRPr lang="en-US" dirty="0"/>
           </a:p>
@@ -2218,8 +2220,8 @@
         </p:nvSpPr>
         <p:spPr>
           <a:xfrm>
-            <a:off x="907058" y="248914"/>
-            <a:ext cx="1080135" cy="1228560"/>
+            <a:off x="7652626" y="1554966"/>
+            <a:ext cx="9112836" cy="7674832"/>
           </a:xfrm>
         </p:spPr>
         <p:txBody>
@@ -2227,45 +2229,45 @@
           <a:lstStyle>
             <a:lvl1pPr marL="0" indent="0">
               <a:buNone/>
-              <a:defRPr sz="747"/>
+              <a:defRPr sz="4724"/>
             </a:lvl1pPr>
-            <a:lvl2pPr marL="106665" indent="0">
-              <a:buNone/>
-              <a:defRPr sz="653"/>
+            <a:lvl2pPr marL="675010" indent="0">
+              <a:buNone/>
+              <a:defRPr sz="4134"/>
             </a:lvl2pPr>
-            <a:lvl3pPr marL="213330" indent="0">
-              <a:buNone/>
-              <a:defRPr sz="560"/>
+            <a:lvl3pPr marL="1350020" indent="0">
+              <a:buNone/>
+              <a:defRPr sz="3543"/>
             </a:lvl3pPr>
-            <a:lvl4pPr marL="319994" indent="0">
-              <a:buNone/>
-              <a:defRPr sz="467"/>
+            <a:lvl4pPr marL="2025030" indent="0">
+              <a:buNone/>
+              <a:defRPr sz="2953"/>
             </a:lvl4pPr>
-            <a:lvl5pPr marL="426659" indent="0">
-              <a:buNone/>
-              <a:defRPr sz="467"/>
+            <a:lvl5pPr marL="2700040" indent="0">
+              <a:buNone/>
+              <a:defRPr sz="2953"/>
             </a:lvl5pPr>
-            <a:lvl6pPr marL="533324" indent="0">
-              <a:buNone/>
-              <a:defRPr sz="467"/>
+            <a:lvl6pPr marL="3375050" indent="0">
+              <a:buNone/>
+              <a:defRPr sz="2953"/>
             </a:lvl6pPr>
-            <a:lvl7pPr marL="639989" indent="0">
-              <a:buNone/>
-              <a:defRPr sz="467"/>
+            <a:lvl7pPr marL="4050060" indent="0">
+              <a:buNone/>
+              <a:defRPr sz="2953"/>
             </a:lvl7pPr>
-            <a:lvl8pPr marL="746653" indent="0">
-              <a:buNone/>
-              <a:defRPr sz="467"/>
+            <a:lvl8pPr marL="4725071" indent="0">
+              <a:buNone/>
+              <a:defRPr sz="2953"/>
             </a:lvl8pPr>
-            <a:lvl9pPr marL="853318" indent="0">
-              <a:buNone/>
-              <a:defRPr sz="467"/>
+            <a:lvl9pPr marL="5400081" indent="0">
+              <a:buNone/>
+              <a:defRPr sz="2953"/>
             </a:lvl9pPr>
           </a:lstStyle>
           <a:p>
             <a:r>
-              <a:rPr lang="en-US"/>
-              <a:t>Click icon to add picture</a:t>
+              <a:rPr lang="zh-CN" altLang="en-US"/>
+              <a:t>单击图标添加图片</a:t>
             </a:r>
             <a:endParaRPr lang="en-US" dirty="0"/>
           </a:p>
@@ -2283,8 +2285,8 @@
         </p:nvSpPr>
         <p:spPr>
           <a:xfrm>
-            <a:off x="146963" y="518636"/>
-            <a:ext cx="688142" cy="960838"/>
+            <a:off x="1239891" y="3239929"/>
+            <a:ext cx="5805682" cy="6002369"/>
           </a:xfrm>
         </p:spPr>
         <p:txBody>
@@ -2292,46 +2294,46 @@
           <a:lstStyle>
             <a:lvl1pPr marL="0" indent="0">
               <a:buNone/>
-              <a:defRPr sz="373"/>
+              <a:defRPr sz="2362"/>
             </a:lvl1pPr>
-            <a:lvl2pPr marL="106665" indent="0">
-              <a:buNone/>
-              <a:defRPr sz="327"/>
+            <a:lvl2pPr marL="675010" indent="0">
+              <a:buNone/>
+              <a:defRPr sz="2067"/>
             </a:lvl2pPr>
-            <a:lvl3pPr marL="213330" indent="0">
-              <a:buNone/>
-              <a:defRPr sz="280"/>
+            <a:lvl3pPr marL="1350020" indent="0">
+              <a:buNone/>
+              <a:defRPr sz="1772"/>
             </a:lvl3pPr>
-            <a:lvl4pPr marL="319994" indent="0">
-              <a:buNone/>
-              <a:defRPr sz="233"/>
+            <a:lvl4pPr marL="2025030" indent="0">
+              <a:buNone/>
+              <a:defRPr sz="1476"/>
             </a:lvl4pPr>
-            <a:lvl5pPr marL="426659" indent="0">
-              <a:buNone/>
-              <a:defRPr sz="233"/>
+            <a:lvl5pPr marL="2700040" indent="0">
+              <a:buNone/>
+              <a:defRPr sz="1476"/>
             </a:lvl5pPr>
-            <a:lvl6pPr marL="533324" indent="0">
-              <a:buNone/>
-              <a:defRPr sz="233"/>
+            <a:lvl6pPr marL="3375050" indent="0">
+              <a:buNone/>
+              <a:defRPr sz="1476"/>
             </a:lvl6pPr>
-            <a:lvl7pPr marL="639989" indent="0">
-              <a:buNone/>
-              <a:defRPr sz="233"/>
+            <a:lvl7pPr marL="4050060" indent="0">
+              <a:buNone/>
+              <a:defRPr sz="1476"/>
             </a:lvl7pPr>
-            <a:lvl8pPr marL="746653" indent="0">
-              <a:buNone/>
-              <a:defRPr sz="233"/>
+            <a:lvl8pPr marL="4725071" indent="0">
+              <a:buNone/>
+              <a:defRPr sz="1476"/>
             </a:lvl8pPr>
-            <a:lvl9pPr marL="853318" indent="0">
-              <a:buNone/>
-              <a:defRPr sz="233"/>
+            <a:lvl9pPr marL="5400081" indent="0">
+              <a:buNone/>
+              <a:defRPr sz="1476"/>
             </a:lvl9pPr>
           </a:lstStyle>
           <a:p>
             <a:pPr lvl="0"/>
             <a:r>
-              <a:rPr lang="en-US"/>
-              <a:t>Click to edit Master text styles</a:t>
+              <a:rPr lang="zh-CN" altLang="en-US"/>
+              <a:t>单击此处编辑母版文本样式</a:t>
             </a:r>
           </a:p>
         </p:txBody>
@@ -2353,7 +2355,7 @@
           <a:p>
             <a:fld id="{CA1BB51F-BFC6-4DD3-8C2A-5B21FD6F69C3}" type="datetimeFigureOut">
               <a:rPr lang="en-SE" smtClean="0"/>
-              <a:t>2023-09-30</a:t>
+              <a:t>10/04/2023</a:t>
             </a:fld>
             <a:endParaRPr lang="en-SE"/>
           </a:p>
@@ -2404,7 +2406,7 @@
     </p:spTree>
     <p:extLst>
       <p:ext uri="{BB962C8B-B14F-4D97-AF65-F5344CB8AC3E}">
-        <p14:creationId xmlns:p14="http://schemas.microsoft.com/office/powerpoint/2010/main" val="3190310568"/>
+        <p14:creationId xmlns:p14="http://schemas.microsoft.com/office/powerpoint/2010/main" val="1623360760"/>
       </p:ext>
     </p:extLst>
   </p:cSld>
@@ -2448,8 +2450,8 @@
         </p:nvSpPr>
         <p:spPr>
           <a:xfrm>
-            <a:off x="146685" y="92043"/>
-            <a:ext cx="1840230" cy="334152"/>
+            <a:off x="1237546" y="574988"/>
+            <a:ext cx="15525572" cy="2087455"/>
           </a:xfrm>
           <a:prstGeom prst="rect">
             <a:avLst/>
@@ -2462,8 +2464,8 @@
           <a:lstStyle/>
           <a:p>
             <a:r>
-              <a:rPr lang="en-US"/>
-              <a:t>Click to edit Master title style</a:t>
+              <a:rPr lang="zh-CN" altLang="en-US"/>
+              <a:t>单击此处编辑母版标题样式</a:t>
             </a:r>
             <a:endParaRPr lang="en-US" dirty="0"/>
           </a:p>
@@ -2481,8 +2483,8 @@
         </p:nvSpPr>
         <p:spPr>
           <a:xfrm>
-            <a:off x="146685" y="460210"/>
-            <a:ext cx="1840230" cy="1096900"/>
+            <a:off x="1237546" y="2874937"/>
+            <a:ext cx="15525572" cy="6852350"/>
           </a:xfrm>
           <a:prstGeom prst="rect">
             <a:avLst/>
@@ -2496,36 +2498,36 @@
           <a:p>
             <a:pPr lvl="0"/>
             <a:r>
-              <a:rPr lang="en-US"/>
-              <a:t>Click to edit Master text styles</a:t>
+              <a:rPr lang="zh-CN" altLang="en-US"/>
+              <a:t>单击此处编辑母版文本样式</a:t>
             </a:r>
           </a:p>
           <a:p>
             <a:pPr lvl="1"/>
             <a:r>
-              <a:rPr lang="en-US"/>
-              <a:t>Second level</a:t>
+              <a:rPr lang="zh-CN" altLang="en-US"/>
+              <a:t>二级</a:t>
             </a:r>
           </a:p>
           <a:p>
             <a:pPr lvl="2"/>
             <a:r>
-              <a:rPr lang="en-US"/>
-              <a:t>Third level</a:t>
+              <a:rPr lang="zh-CN" altLang="en-US"/>
+              <a:t>三级</a:t>
             </a:r>
           </a:p>
           <a:p>
             <a:pPr lvl="3"/>
             <a:r>
-              <a:rPr lang="en-US"/>
-              <a:t>Fourth level</a:t>
+              <a:rPr lang="zh-CN" altLang="en-US"/>
+              <a:t>四级</a:t>
             </a:r>
           </a:p>
           <a:p>
             <a:pPr lvl="4"/>
             <a:r>
-              <a:rPr lang="en-US"/>
-              <a:t>Fifth level</a:t>
+              <a:rPr lang="zh-CN" altLang="en-US"/>
+              <a:t>五级</a:t>
             </a:r>
             <a:endParaRPr lang="en-US" dirty="0"/>
           </a:p>
@@ -2543,8 +2545,8 @@
         </p:nvSpPr>
         <p:spPr>
           <a:xfrm>
-            <a:off x="146685" y="1602331"/>
-            <a:ext cx="480060" cy="92042"/>
+            <a:off x="1237546" y="10009781"/>
+            <a:ext cx="4050149" cy="574987"/>
           </a:xfrm>
           <a:prstGeom prst="rect">
             <a:avLst/>
@@ -2554,7 +2556,7 @@
           <a:bodyPr vert="horz" lIns="91440" tIns="45720" rIns="91440" bIns="45720" rtlCol="0" anchor="ctr"/>
           <a:lstStyle>
             <a:lvl1pPr algn="l">
-              <a:defRPr sz="280">
+              <a:defRPr sz="1772">
                 <a:solidFill>
                   <a:schemeClr val="tx1">
                     <a:tint val="75000"/>
@@ -2566,7 +2568,7 @@
           <a:p>
             <a:fld id="{CA1BB51F-BFC6-4DD3-8C2A-5B21FD6F69C3}" type="datetimeFigureOut">
               <a:rPr lang="en-SE" smtClean="0"/>
-              <a:t>2023-09-30</a:t>
+              <a:t>10/04/2023</a:t>
             </a:fld>
             <a:endParaRPr lang="en-SE"/>
           </a:p>
@@ -2584,8 +2586,8 @@
         </p:nvSpPr>
         <p:spPr>
           <a:xfrm>
-            <a:off x="706755" y="1602331"/>
-            <a:ext cx="720090" cy="92042"/>
+            <a:off x="5962720" y="10009781"/>
+            <a:ext cx="6075224" cy="574987"/>
           </a:xfrm>
           <a:prstGeom prst="rect">
             <a:avLst/>
@@ -2595,7 +2597,7 @@
           <a:bodyPr vert="horz" lIns="91440" tIns="45720" rIns="91440" bIns="45720" rtlCol="0" anchor="ctr"/>
           <a:lstStyle>
             <a:lvl1pPr algn="ctr">
-              <a:defRPr sz="280">
+              <a:defRPr sz="1772">
                 <a:solidFill>
                   <a:schemeClr val="tx1">
                     <a:tint val="75000"/>
@@ -2621,8 +2623,8 @@
         </p:nvSpPr>
         <p:spPr>
           <a:xfrm>
-            <a:off x="1506855" y="1602331"/>
-            <a:ext cx="480060" cy="92042"/>
+            <a:off x="12712968" y="10009781"/>
+            <a:ext cx="4050149" cy="574987"/>
           </a:xfrm>
           <a:prstGeom prst="rect">
             <a:avLst/>
@@ -2632,7 +2634,7 @@
           <a:bodyPr vert="horz" lIns="91440" tIns="45720" rIns="91440" bIns="45720" rtlCol="0" anchor="ctr"/>
           <a:lstStyle>
             <a:lvl1pPr algn="r">
-              <a:defRPr sz="280">
+              <a:defRPr sz="1772">
                 <a:solidFill>
                   <a:schemeClr val="tx1">
                     <a:tint val="75000"/>
@@ -2653,27 +2655,27 @@
     </p:spTree>
     <p:extLst>
       <p:ext uri="{BB962C8B-B14F-4D97-AF65-F5344CB8AC3E}">
-        <p14:creationId xmlns:p14="http://schemas.microsoft.com/office/powerpoint/2010/main" val="4196870786"/>
+        <p14:creationId xmlns:p14="http://schemas.microsoft.com/office/powerpoint/2010/main" val="633863276"/>
       </p:ext>
     </p:extLst>
   </p:cSld>
   <p:clrMap bg1="lt1" tx1="dk1" bg2="lt2" tx2="dk2" accent1="accent1" accent2="accent2" accent3="accent3" accent4="accent4" accent5="accent5" accent6="accent6" hlink="hlink" folHlink="folHlink"/>
   <p:sldLayoutIdLst>
-    <p:sldLayoutId id="2147483685" r:id="rId1"/>
-    <p:sldLayoutId id="2147483686" r:id="rId2"/>
-    <p:sldLayoutId id="2147483687" r:id="rId3"/>
-    <p:sldLayoutId id="2147483688" r:id="rId4"/>
-    <p:sldLayoutId id="2147483689" r:id="rId5"/>
-    <p:sldLayoutId id="2147483690" r:id="rId6"/>
-    <p:sldLayoutId id="2147483691" r:id="rId7"/>
-    <p:sldLayoutId id="2147483692" r:id="rId8"/>
-    <p:sldLayoutId id="2147483693" r:id="rId9"/>
-    <p:sldLayoutId id="2147483694" r:id="rId10"/>
-    <p:sldLayoutId id="2147483695" r:id="rId11"/>
+    <p:sldLayoutId id="2147483697" r:id="rId1"/>
+    <p:sldLayoutId id="2147483698" r:id="rId2"/>
+    <p:sldLayoutId id="2147483699" r:id="rId3"/>
+    <p:sldLayoutId id="2147483700" r:id="rId4"/>
+    <p:sldLayoutId id="2147483701" r:id="rId5"/>
+    <p:sldLayoutId id="2147483702" r:id="rId6"/>
+    <p:sldLayoutId id="2147483703" r:id="rId7"/>
+    <p:sldLayoutId id="2147483704" r:id="rId8"/>
+    <p:sldLayoutId id="2147483705" r:id="rId9"/>
+    <p:sldLayoutId id="2147483706" r:id="rId10"/>
+    <p:sldLayoutId id="2147483707" r:id="rId11"/>
   </p:sldLayoutIdLst>
   <p:txStyles>
     <p:titleStyle>
-      <a:lvl1pPr algn="l" defTabSz="213330" rtl="0" eaLnBrk="1" latinLnBrk="0" hangingPunct="1">
+      <a:lvl1pPr algn="l" defTabSz="1350020" rtl="0" eaLnBrk="1" latinLnBrk="0" hangingPunct="1">
         <a:lnSpc>
           <a:spcPct val="90000"/>
         </a:lnSpc>
@@ -2681,7 +2683,7 @@
           <a:spcPct val="0"/>
         </a:spcBef>
         <a:buNone/>
-        <a:defRPr sz="1027" kern="1200">
+        <a:defRPr sz="6496" kern="1200">
           <a:solidFill>
             <a:schemeClr val="tx1"/>
           </a:solidFill>
@@ -2692,16 +2694,16 @@
       </a:lvl1pPr>
     </p:titleStyle>
     <p:bodyStyle>
-      <a:lvl1pPr marL="53332" indent="-53332" algn="l" defTabSz="213330" rtl="0" eaLnBrk="1" latinLnBrk="0" hangingPunct="1">
+      <a:lvl1pPr marL="337505" indent="-337505" algn="l" defTabSz="1350020" rtl="0" eaLnBrk="1" latinLnBrk="0" hangingPunct="1">
         <a:lnSpc>
           <a:spcPct val="90000"/>
         </a:lnSpc>
         <a:spcBef>
-          <a:spcPts val="233"/>
+          <a:spcPts val="1476"/>
         </a:spcBef>
         <a:buFont typeface="Arial" panose="020B0604020202020204" pitchFamily="34" charset="0"/>
         <a:buChar char="•"/>
-        <a:defRPr sz="653" kern="1200">
+        <a:defRPr sz="4134" kern="1200">
           <a:solidFill>
             <a:schemeClr val="tx1"/>
           </a:solidFill>
@@ -2710,16 +2712,16 @@
           <a:cs typeface="+mn-cs"/>
         </a:defRPr>
       </a:lvl1pPr>
-      <a:lvl2pPr marL="159997" indent="-53332" algn="l" defTabSz="213330" rtl="0" eaLnBrk="1" latinLnBrk="0" hangingPunct="1">
+      <a:lvl2pPr marL="1012515" indent="-337505" algn="l" defTabSz="1350020" rtl="0" eaLnBrk="1" latinLnBrk="0" hangingPunct="1">
         <a:lnSpc>
           <a:spcPct val="90000"/>
         </a:lnSpc>
         <a:spcBef>
-          <a:spcPts val="117"/>
+          <a:spcPts val="738"/>
         </a:spcBef>
         <a:buFont typeface="Arial" panose="020B0604020202020204" pitchFamily="34" charset="0"/>
         <a:buChar char="•"/>
-        <a:defRPr sz="560" kern="1200">
+        <a:defRPr sz="3543" kern="1200">
           <a:solidFill>
             <a:schemeClr val="tx1"/>
           </a:solidFill>
@@ -2728,16 +2730,16 @@
           <a:cs typeface="+mn-cs"/>
         </a:defRPr>
       </a:lvl2pPr>
-      <a:lvl3pPr marL="266662" indent="-53332" algn="l" defTabSz="213330" rtl="0" eaLnBrk="1" latinLnBrk="0" hangingPunct="1">
+      <a:lvl3pPr marL="1687525" indent="-337505" algn="l" defTabSz="1350020" rtl="0" eaLnBrk="1" latinLnBrk="0" hangingPunct="1">
         <a:lnSpc>
           <a:spcPct val="90000"/>
         </a:lnSpc>
         <a:spcBef>
-          <a:spcPts val="117"/>
+          <a:spcPts val="738"/>
         </a:spcBef>
         <a:buFont typeface="Arial" panose="020B0604020202020204" pitchFamily="34" charset="0"/>
         <a:buChar char="•"/>
-        <a:defRPr sz="467" kern="1200">
+        <a:defRPr sz="2953" kern="1200">
           <a:solidFill>
             <a:schemeClr val="tx1"/>
           </a:solidFill>
@@ -2746,16 +2748,16 @@
           <a:cs typeface="+mn-cs"/>
         </a:defRPr>
       </a:lvl3pPr>
-      <a:lvl4pPr marL="373327" indent="-53332" algn="l" defTabSz="213330" rtl="0" eaLnBrk="1" latinLnBrk="0" hangingPunct="1">
+      <a:lvl4pPr marL="2362535" indent="-337505" algn="l" defTabSz="1350020" rtl="0" eaLnBrk="1" latinLnBrk="0" hangingPunct="1">
         <a:lnSpc>
           <a:spcPct val="90000"/>
         </a:lnSpc>
         <a:spcBef>
-          <a:spcPts val="117"/>
+          <a:spcPts val="738"/>
         </a:spcBef>
         <a:buFont typeface="Arial" panose="020B0604020202020204" pitchFamily="34" charset="0"/>
         <a:buChar char="•"/>
-        <a:defRPr sz="420" kern="1200">
+        <a:defRPr sz="2658" kern="1200">
           <a:solidFill>
             <a:schemeClr val="tx1"/>
           </a:solidFill>
@@ -2764,16 +2766,16 @@
           <a:cs typeface="+mn-cs"/>
         </a:defRPr>
       </a:lvl4pPr>
-      <a:lvl5pPr marL="479991" indent="-53332" algn="l" defTabSz="213330" rtl="0" eaLnBrk="1" latinLnBrk="0" hangingPunct="1">
+      <a:lvl5pPr marL="3037545" indent="-337505" algn="l" defTabSz="1350020" rtl="0" eaLnBrk="1" latinLnBrk="0" hangingPunct="1">
         <a:lnSpc>
           <a:spcPct val="90000"/>
         </a:lnSpc>
         <a:spcBef>
-          <a:spcPts val="117"/>
+          <a:spcPts val="738"/>
         </a:spcBef>
         <a:buFont typeface="Arial" panose="020B0604020202020204" pitchFamily="34" charset="0"/>
         <a:buChar char="•"/>
-        <a:defRPr sz="420" kern="1200">
+        <a:defRPr sz="2658" kern="1200">
           <a:solidFill>
             <a:schemeClr val="tx1"/>
           </a:solidFill>
@@ -2782,16 +2784,16 @@
           <a:cs typeface="+mn-cs"/>
         </a:defRPr>
       </a:lvl5pPr>
-      <a:lvl6pPr marL="586656" indent="-53332" algn="l" defTabSz="213330" rtl="0" eaLnBrk="1" latinLnBrk="0" hangingPunct="1">
+      <a:lvl6pPr marL="3712555" indent="-337505" algn="l" defTabSz="1350020" rtl="0" eaLnBrk="1" latinLnBrk="0" hangingPunct="1">
         <a:lnSpc>
           <a:spcPct val="90000"/>
         </a:lnSpc>
         <a:spcBef>
-          <a:spcPts val="117"/>
+          <a:spcPts val="738"/>
         </a:spcBef>
         <a:buFont typeface="Arial" panose="020B0604020202020204" pitchFamily="34" charset="0"/>
         <a:buChar char="•"/>
-        <a:defRPr sz="420" kern="1200">
+        <a:defRPr sz="2658" kern="1200">
           <a:solidFill>
             <a:schemeClr val="tx1"/>
           </a:solidFill>
@@ -2800,16 +2802,16 @@
           <a:cs typeface="+mn-cs"/>
         </a:defRPr>
       </a:lvl6pPr>
-      <a:lvl7pPr marL="693321" indent="-53332" algn="l" defTabSz="213330" rtl="0" eaLnBrk="1" latinLnBrk="0" hangingPunct="1">
+      <a:lvl7pPr marL="4387566" indent="-337505" algn="l" defTabSz="1350020" rtl="0" eaLnBrk="1" latinLnBrk="0" hangingPunct="1">
         <a:lnSpc>
           <a:spcPct val="90000"/>
         </a:lnSpc>
         <a:spcBef>
-          <a:spcPts val="117"/>
+          <a:spcPts val="738"/>
         </a:spcBef>
         <a:buFont typeface="Arial" panose="020B0604020202020204" pitchFamily="34" charset="0"/>
         <a:buChar char="•"/>
-        <a:defRPr sz="420" kern="1200">
+        <a:defRPr sz="2658" kern="1200">
           <a:solidFill>
             <a:schemeClr val="tx1"/>
           </a:solidFill>
@@ -2818,16 +2820,16 @@
           <a:cs typeface="+mn-cs"/>
         </a:defRPr>
       </a:lvl7pPr>
-      <a:lvl8pPr marL="799986" indent="-53332" algn="l" defTabSz="213330" rtl="0" eaLnBrk="1" latinLnBrk="0" hangingPunct="1">
+      <a:lvl8pPr marL="5062576" indent="-337505" algn="l" defTabSz="1350020" rtl="0" eaLnBrk="1" latinLnBrk="0" hangingPunct="1">
         <a:lnSpc>
           <a:spcPct val="90000"/>
         </a:lnSpc>
         <a:spcBef>
-          <a:spcPts val="117"/>
+          <a:spcPts val="738"/>
         </a:spcBef>
         <a:buFont typeface="Arial" panose="020B0604020202020204" pitchFamily="34" charset="0"/>
         <a:buChar char="•"/>
-        <a:defRPr sz="420" kern="1200">
+        <a:defRPr sz="2658" kern="1200">
           <a:solidFill>
             <a:schemeClr val="tx1"/>
           </a:solidFill>
@@ -2836,16 +2838,16 @@
           <a:cs typeface="+mn-cs"/>
         </a:defRPr>
       </a:lvl8pPr>
-      <a:lvl9pPr marL="906650" indent="-53332" algn="l" defTabSz="213330" rtl="0" eaLnBrk="1" latinLnBrk="0" hangingPunct="1">
+      <a:lvl9pPr marL="5737586" indent="-337505" algn="l" defTabSz="1350020" rtl="0" eaLnBrk="1" latinLnBrk="0" hangingPunct="1">
         <a:lnSpc>
           <a:spcPct val="90000"/>
         </a:lnSpc>
         <a:spcBef>
-          <a:spcPts val="117"/>
+          <a:spcPts val="738"/>
         </a:spcBef>
         <a:buFont typeface="Arial" panose="020B0604020202020204" pitchFamily="34" charset="0"/>
         <a:buChar char="•"/>
-        <a:defRPr sz="420" kern="1200">
+        <a:defRPr sz="2658" kern="1200">
           <a:solidFill>
             <a:schemeClr val="tx1"/>
           </a:solidFill>
@@ -2859,8 +2861,8 @@
       <a:defPPr>
         <a:defRPr lang="en-US"/>
       </a:defPPr>
-      <a:lvl1pPr marL="0" algn="l" defTabSz="213330" rtl="0" eaLnBrk="1" latinLnBrk="0" hangingPunct="1">
-        <a:defRPr sz="420" kern="1200">
+      <a:lvl1pPr marL="0" algn="l" defTabSz="1350020" rtl="0" eaLnBrk="1" latinLnBrk="0" hangingPunct="1">
+        <a:defRPr sz="2658" kern="1200">
           <a:solidFill>
             <a:schemeClr val="tx1"/>
           </a:solidFill>
@@ -2869,8 +2871,8 @@
           <a:cs typeface="+mn-cs"/>
         </a:defRPr>
       </a:lvl1pPr>
-      <a:lvl2pPr marL="106665" algn="l" defTabSz="213330" rtl="0" eaLnBrk="1" latinLnBrk="0" hangingPunct="1">
-        <a:defRPr sz="420" kern="1200">
+      <a:lvl2pPr marL="675010" algn="l" defTabSz="1350020" rtl="0" eaLnBrk="1" latinLnBrk="0" hangingPunct="1">
+        <a:defRPr sz="2658" kern="1200">
           <a:solidFill>
             <a:schemeClr val="tx1"/>
           </a:solidFill>
@@ -2879,8 +2881,8 @@
           <a:cs typeface="+mn-cs"/>
         </a:defRPr>
       </a:lvl2pPr>
-      <a:lvl3pPr marL="213330" algn="l" defTabSz="213330" rtl="0" eaLnBrk="1" latinLnBrk="0" hangingPunct="1">
-        <a:defRPr sz="420" kern="1200">
+      <a:lvl3pPr marL="1350020" algn="l" defTabSz="1350020" rtl="0" eaLnBrk="1" latinLnBrk="0" hangingPunct="1">
+        <a:defRPr sz="2658" kern="1200">
           <a:solidFill>
             <a:schemeClr val="tx1"/>
           </a:solidFill>
@@ -2889,8 +2891,8 @@
           <a:cs typeface="+mn-cs"/>
         </a:defRPr>
       </a:lvl3pPr>
-      <a:lvl4pPr marL="319994" algn="l" defTabSz="213330" rtl="0" eaLnBrk="1" latinLnBrk="0" hangingPunct="1">
-        <a:defRPr sz="420" kern="1200">
+      <a:lvl4pPr marL="2025030" algn="l" defTabSz="1350020" rtl="0" eaLnBrk="1" latinLnBrk="0" hangingPunct="1">
+        <a:defRPr sz="2658" kern="1200">
           <a:solidFill>
             <a:schemeClr val="tx1"/>
           </a:solidFill>
@@ -2899,8 +2901,8 @@
           <a:cs typeface="+mn-cs"/>
         </a:defRPr>
       </a:lvl4pPr>
-      <a:lvl5pPr marL="426659" algn="l" defTabSz="213330" rtl="0" eaLnBrk="1" latinLnBrk="0" hangingPunct="1">
-        <a:defRPr sz="420" kern="1200">
+      <a:lvl5pPr marL="2700040" algn="l" defTabSz="1350020" rtl="0" eaLnBrk="1" latinLnBrk="0" hangingPunct="1">
+        <a:defRPr sz="2658" kern="1200">
           <a:solidFill>
             <a:schemeClr val="tx1"/>
           </a:solidFill>
@@ -2909,8 +2911,8 @@
           <a:cs typeface="+mn-cs"/>
         </a:defRPr>
       </a:lvl5pPr>
-      <a:lvl6pPr marL="533324" algn="l" defTabSz="213330" rtl="0" eaLnBrk="1" latinLnBrk="0" hangingPunct="1">
-        <a:defRPr sz="420" kern="1200">
+      <a:lvl6pPr marL="3375050" algn="l" defTabSz="1350020" rtl="0" eaLnBrk="1" latinLnBrk="0" hangingPunct="1">
+        <a:defRPr sz="2658" kern="1200">
           <a:solidFill>
             <a:schemeClr val="tx1"/>
           </a:solidFill>
@@ -2919,8 +2921,8 @@
           <a:cs typeface="+mn-cs"/>
         </a:defRPr>
       </a:lvl6pPr>
-      <a:lvl7pPr marL="639989" algn="l" defTabSz="213330" rtl="0" eaLnBrk="1" latinLnBrk="0" hangingPunct="1">
-        <a:defRPr sz="420" kern="1200">
+      <a:lvl7pPr marL="4050060" algn="l" defTabSz="1350020" rtl="0" eaLnBrk="1" latinLnBrk="0" hangingPunct="1">
+        <a:defRPr sz="2658" kern="1200">
           <a:solidFill>
             <a:schemeClr val="tx1"/>
           </a:solidFill>
@@ -2929,8 +2931,8 @@
           <a:cs typeface="+mn-cs"/>
         </a:defRPr>
       </a:lvl7pPr>
-      <a:lvl8pPr marL="746653" algn="l" defTabSz="213330" rtl="0" eaLnBrk="1" latinLnBrk="0" hangingPunct="1">
-        <a:defRPr sz="420" kern="1200">
+      <a:lvl8pPr marL="4725071" algn="l" defTabSz="1350020" rtl="0" eaLnBrk="1" latinLnBrk="0" hangingPunct="1">
+        <a:defRPr sz="2658" kern="1200">
           <a:solidFill>
             <a:schemeClr val="tx1"/>
           </a:solidFill>
@@ -2939,8 +2941,8 @@
           <a:cs typeface="+mn-cs"/>
         </a:defRPr>
       </a:lvl8pPr>
-      <a:lvl9pPr marL="853318" algn="l" defTabSz="213330" rtl="0" eaLnBrk="1" latinLnBrk="0" hangingPunct="1">
-        <a:defRPr sz="420" kern="1200">
+      <a:lvl9pPr marL="5400081" algn="l" defTabSz="1350020" rtl="0" eaLnBrk="1" latinLnBrk="0" hangingPunct="1">
+        <a:defRPr sz="2658" kern="1200">
           <a:solidFill>
             <a:schemeClr val="tx1"/>
           </a:solidFill>
@@ -2973,10 +2975,10 @@
       </p:grpSpPr>
       <p:pic>
         <p:nvPicPr>
-          <p:cNvPr id="7" name="Picture 6">
+          <p:cNvPr id="3" name="图片 2">
             <a:extLst>
               <a:ext uri="{FF2B5EF4-FFF2-40B4-BE49-F238E27FC236}">
-                <a16:creationId xmlns:a16="http://schemas.microsoft.com/office/drawing/2014/main" id="{78314BD1-DCA5-F49B-1A7D-DC7B21D0FA3B}"/>
+                <a16:creationId xmlns:a16="http://schemas.microsoft.com/office/drawing/2014/main" id="{247EB318-2ADD-1AB6-55B3-2E25E61D09C0}"/>
               </a:ext>
             </a:extLst>
           </p:cNvPr>
@@ -2985,21 +2987,426 @@
           </p:cNvPicPr>
           <p:nvPr/>
         </p:nvPicPr>
-        <p:blipFill rotWithShape="1">
+        <p:blipFill>
           <a:blip r:embed="rId2"/>
-          <a:srcRect l="27390" t="15913" r="28376" b="7358"/>
-          <a:stretch/>
+          <a:stretch>
+            <a:fillRect/>
+          </a:stretch>
         </p:blipFill>
         <p:spPr>
           <a:xfrm>
-            <a:off x="372028" y="22539"/>
-            <a:ext cx="1389544" cy="1683710"/>
+            <a:off x="0" y="-1"/>
+            <a:ext cx="17271455" cy="10799763"/>
           </a:xfrm>
           <a:prstGeom prst="rect">
             <a:avLst/>
           </a:prstGeom>
         </p:spPr>
       </p:pic>
+      <p:sp>
+        <p:nvSpPr>
+          <p:cNvPr id="4" name="Oval 19">
+            <a:extLst>
+              <a:ext uri="{FF2B5EF4-FFF2-40B4-BE49-F238E27FC236}">
+                <a16:creationId xmlns:a16="http://schemas.microsoft.com/office/drawing/2014/main" id="{E35B62DC-1366-EF7C-A38E-73C5427C0432}"/>
+              </a:ext>
+            </a:extLst>
+          </p:cNvPr>
+          <p:cNvSpPr>
+            <a:spLocks noChangeAspect="1"/>
+          </p:cNvSpPr>
+          <p:nvPr/>
+        </p:nvSpPr>
+        <p:spPr>
+          <a:xfrm>
+            <a:off x="8126753" y="1031804"/>
+            <a:ext cx="690404" cy="690404"/>
+          </a:xfrm>
+          <a:prstGeom prst="ellipse">
+            <a:avLst/>
+          </a:prstGeom>
+          <a:solidFill>
+            <a:srgbClr val="F79647"/>
+          </a:solidFill>
+          <a:ln>
+            <a:noFill/>
+          </a:ln>
+        </p:spPr>
+        <p:style>
+          <a:lnRef idx="2">
+            <a:schemeClr val="accent1">
+              <a:shade val="15000"/>
+            </a:schemeClr>
+          </a:lnRef>
+          <a:fillRef idx="1">
+            <a:schemeClr val="accent1"/>
+          </a:fillRef>
+          <a:effectRef idx="0">
+            <a:schemeClr val="accent1"/>
+          </a:effectRef>
+          <a:fontRef idx="minor">
+            <a:schemeClr val="lt1"/>
+          </a:fontRef>
+        </p:style>
+        <p:txBody>
+          <a:bodyPr tIns="138080" bIns="207121" rtlCol="0" anchor="ctr"/>
+          <a:lstStyle/>
+          <a:p>
+            <a:pPr algn="ctr"/>
+            <a:r>
+              <a:rPr lang="en-GB" sz="3898" dirty="0">
+                <a:latin typeface="Arial" panose="020B0604020202020204" pitchFamily="34" charset="0"/>
+                <a:cs typeface="Arial" panose="020B0604020202020204" pitchFamily="34" charset="0"/>
+              </a:rPr>
+              <a:t>b</a:t>
+            </a:r>
+            <a:endParaRPr lang="en-SE" sz="3898" dirty="0">
+              <a:latin typeface="Arial" panose="020B0604020202020204" pitchFamily="34" charset="0"/>
+              <a:cs typeface="Arial" panose="020B0604020202020204" pitchFamily="34" charset="0"/>
+            </a:endParaRPr>
+          </a:p>
+        </p:txBody>
+      </p:sp>
+      <p:sp>
+        <p:nvSpPr>
+          <p:cNvPr id="5" name="Oval 19">
+            <a:extLst>
+              <a:ext uri="{FF2B5EF4-FFF2-40B4-BE49-F238E27FC236}">
+                <a16:creationId xmlns:a16="http://schemas.microsoft.com/office/drawing/2014/main" id="{D0AEFA3C-824D-13B8-BB26-8A3CC3DDA5EA}"/>
+              </a:ext>
+            </a:extLst>
+          </p:cNvPr>
+          <p:cNvSpPr>
+            <a:spLocks noChangeAspect="1"/>
+          </p:cNvSpPr>
+          <p:nvPr/>
+        </p:nvSpPr>
+        <p:spPr>
+          <a:xfrm>
+            <a:off x="6654758" y="5762144"/>
+            <a:ext cx="690404" cy="690404"/>
+          </a:xfrm>
+          <a:prstGeom prst="ellipse">
+            <a:avLst/>
+          </a:prstGeom>
+          <a:solidFill>
+            <a:srgbClr val="F79647"/>
+          </a:solidFill>
+          <a:ln>
+            <a:noFill/>
+          </a:ln>
+        </p:spPr>
+        <p:style>
+          <a:lnRef idx="2">
+            <a:schemeClr val="accent1">
+              <a:shade val="15000"/>
+            </a:schemeClr>
+          </a:lnRef>
+          <a:fillRef idx="1">
+            <a:schemeClr val="accent1"/>
+          </a:fillRef>
+          <a:effectRef idx="0">
+            <a:schemeClr val="accent1"/>
+          </a:effectRef>
+          <a:fontRef idx="minor">
+            <a:schemeClr val="lt1"/>
+          </a:fontRef>
+        </p:style>
+        <p:txBody>
+          <a:bodyPr tIns="138080" bIns="207121" rtlCol="0" anchor="ctr"/>
+          <a:lstStyle/>
+          <a:p>
+            <a:pPr algn="ctr"/>
+            <a:r>
+              <a:rPr lang="en-GB" sz="3898" dirty="0">
+                <a:latin typeface="Arial" panose="020B0604020202020204" pitchFamily="34" charset="0"/>
+                <a:cs typeface="Arial" panose="020B0604020202020204" pitchFamily="34" charset="0"/>
+              </a:rPr>
+              <a:t>a</a:t>
+            </a:r>
+            <a:endParaRPr lang="en-SE" sz="3898" dirty="0">
+              <a:latin typeface="Arial" panose="020B0604020202020204" pitchFamily="34" charset="0"/>
+              <a:cs typeface="Arial" panose="020B0604020202020204" pitchFamily="34" charset="0"/>
+            </a:endParaRPr>
+          </a:p>
+        </p:txBody>
+      </p:sp>
+      <p:sp>
+        <p:nvSpPr>
+          <p:cNvPr id="6" name="Rectangle 22">
+            <a:extLst>
+              <a:ext uri="{FF2B5EF4-FFF2-40B4-BE49-F238E27FC236}">
+                <a16:creationId xmlns:a16="http://schemas.microsoft.com/office/drawing/2014/main" id="{ABF43E87-06EE-B457-E020-0DCF49DEE7ED}"/>
+              </a:ext>
+            </a:extLst>
+          </p:cNvPr>
+          <p:cNvSpPr/>
+          <p:nvPr/>
+        </p:nvSpPr>
+        <p:spPr>
+          <a:xfrm>
+            <a:off x="4564626" y="5600777"/>
+            <a:ext cx="3008671" cy="3843261"/>
+          </a:xfrm>
+          <a:prstGeom prst="rect">
+            <a:avLst/>
+          </a:prstGeom>
+          <a:noFill/>
+          <a:ln w="28575">
+            <a:solidFill>
+              <a:srgbClr val="F79647"/>
+            </a:solidFill>
+            <a:prstDash val="sysDot"/>
+          </a:ln>
+        </p:spPr>
+        <p:style>
+          <a:lnRef idx="2">
+            <a:schemeClr val="accent1">
+              <a:shade val="15000"/>
+            </a:schemeClr>
+          </a:lnRef>
+          <a:fillRef idx="1">
+            <a:schemeClr val="accent1"/>
+          </a:fillRef>
+          <a:effectRef idx="0">
+            <a:schemeClr val="accent1"/>
+          </a:effectRef>
+          <a:fontRef idx="minor">
+            <a:schemeClr val="lt1"/>
+          </a:fontRef>
+        </p:style>
+        <p:txBody>
+          <a:bodyPr rtlCol="0" anchor="ctr"/>
+          <a:lstStyle/>
+          <a:p>
+            <a:pPr algn="ctr"/>
+            <a:endParaRPr lang="en-SE" sz="6970"/>
+          </a:p>
+        </p:txBody>
+      </p:sp>
+      <p:sp>
+        <p:nvSpPr>
+          <p:cNvPr id="9" name="Rectangle 22">
+            <a:extLst>
+              <a:ext uri="{FF2B5EF4-FFF2-40B4-BE49-F238E27FC236}">
+                <a16:creationId xmlns:a16="http://schemas.microsoft.com/office/drawing/2014/main" id="{A055E473-DFD6-9EE4-3CD1-5323EAE09B5C}"/>
+              </a:ext>
+            </a:extLst>
+          </p:cNvPr>
+          <p:cNvSpPr/>
+          <p:nvPr/>
+        </p:nvSpPr>
+        <p:spPr>
+          <a:xfrm>
+            <a:off x="8564869" y="548039"/>
+            <a:ext cx="377517" cy="377517"/>
+          </a:xfrm>
+          <a:prstGeom prst="rect">
+            <a:avLst/>
+          </a:prstGeom>
+          <a:noFill/>
+          <a:ln w="28575">
+            <a:solidFill>
+              <a:srgbClr val="F79647"/>
+            </a:solidFill>
+            <a:prstDash val="sysDot"/>
+          </a:ln>
+        </p:spPr>
+        <p:style>
+          <a:lnRef idx="2">
+            <a:schemeClr val="accent1">
+              <a:shade val="15000"/>
+            </a:schemeClr>
+          </a:lnRef>
+          <a:fillRef idx="1">
+            <a:schemeClr val="accent1"/>
+          </a:fillRef>
+          <a:effectRef idx="0">
+            <a:schemeClr val="accent1"/>
+          </a:effectRef>
+          <a:fontRef idx="minor">
+            <a:schemeClr val="lt1"/>
+          </a:fontRef>
+        </p:style>
+        <p:txBody>
+          <a:bodyPr rtlCol="0" anchor="ctr"/>
+          <a:lstStyle/>
+          <a:p>
+            <a:pPr algn="ctr"/>
+            <a:endParaRPr lang="en-SE" sz="6970"/>
+          </a:p>
+        </p:txBody>
+      </p:sp>
+      <p:sp>
+        <p:nvSpPr>
+          <p:cNvPr id="10" name="Rectangle 22">
+            <a:extLst>
+              <a:ext uri="{FF2B5EF4-FFF2-40B4-BE49-F238E27FC236}">
+                <a16:creationId xmlns:a16="http://schemas.microsoft.com/office/drawing/2014/main" id="{94EC5674-6A24-B075-FEE7-3F30E3F56D29}"/>
+              </a:ext>
+            </a:extLst>
+          </p:cNvPr>
+          <p:cNvSpPr/>
+          <p:nvPr/>
+        </p:nvSpPr>
+        <p:spPr>
+          <a:xfrm>
+            <a:off x="13858875" y="341122"/>
+            <a:ext cx="2597364" cy="676394"/>
+          </a:xfrm>
+          <a:prstGeom prst="rect">
+            <a:avLst/>
+          </a:prstGeom>
+          <a:noFill/>
+          <a:ln w="28575">
+            <a:solidFill>
+              <a:srgbClr val="F79647"/>
+            </a:solidFill>
+            <a:prstDash val="sysDot"/>
+          </a:ln>
+        </p:spPr>
+        <p:style>
+          <a:lnRef idx="2">
+            <a:schemeClr val="accent1">
+              <a:shade val="15000"/>
+            </a:schemeClr>
+          </a:lnRef>
+          <a:fillRef idx="1">
+            <a:schemeClr val="accent1"/>
+          </a:fillRef>
+          <a:effectRef idx="0">
+            <a:schemeClr val="accent1"/>
+          </a:effectRef>
+          <a:fontRef idx="minor">
+            <a:schemeClr val="lt1"/>
+          </a:fontRef>
+        </p:style>
+        <p:txBody>
+          <a:bodyPr rtlCol="0" anchor="ctr"/>
+          <a:lstStyle/>
+          <a:p>
+            <a:pPr algn="ctr"/>
+            <a:endParaRPr lang="en-SE" sz="6970"/>
+          </a:p>
+        </p:txBody>
+      </p:sp>
+      <p:sp>
+        <p:nvSpPr>
+          <p:cNvPr id="8" name="Oval 19">
+            <a:extLst>
+              <a:ext uri="{FF2B5EF4-FFF2-40B4-BE49-F238E27FC236}">
+                <a16:creationId xmlns:a16="http://schemas.microsoft.com/office/drawing/2014/main" id="{0D120AE2-8E25-E0C4-EB2D-21C345470839}"/>
+              </a:ext>
+            </a:extLst>
+          </p:cNvPr>
+          <p:cNvSpPr>
+            <a:spLocks noChangeAspect="1"/>
+          </p:cNvSpPr>
+          <p:nvPr/>
+        </p:nvSpPr>
+        <p:spPr>
+          <a:xfrm>
+            <a:off x="16581051" y="-11085"/>
+            <a:ext cx="690404" cy="690404"/>
+          </a:xfrm>
+          <a:prstGeom prst="ellipse">
+            <a:avLst/>
+          </a:prstGeom>
+          <a:solidFill>
+            <a:srgbClr val="F79647"/>
+          </a:solidFill>
+          <a:ln>
+            <a:noFill/>
+          </a:ln>
+        </p:spPr>
+        <p:style>
+          <a:lnRef idx="2">
+            <a:schemeClr val="accent1">
+              <a:shade val="15000"/>
+            </a:schemeClr>
+          </a:lnRef>
+          <a:fillRef idx="1">
+            <a:schemeClr val="accent1"/>
+          </a:fillRef>
+          <a:effectRef idx="0">
+            <a:schemeClr val="accent1"/>
+          </a:effectRef>
+          <a:fontRef idx="minor">
+            <a:schemeClr val="lt1"/>
+          </a:fontRef>
+        </p:style>
+        <p:txBody>
+          <a:bodyPr tIns="138080" bIns="207121" rtlCol="0" anchor="ctr"/>
+          <a:lstStyle/>
+          <a:p>
+            <a:pPr algn="ctr"/>
+            <a:r>
+              <a:rPr lang="en-GB" sz="3898" dirty="0">
+                <a:latin typeface="Arial" panose="020B0604020202020204" pitchFamily="34" charset="0"/>
+                <a:cs typeface="Arial" panose="020B0604020202020204" pitchFamily="34" charset="0"/>
+              </a:rPr>
+              <a:t>c</a:t>
+            </a:r>
+            <a:endParaRPr lang="en-SE" sz="3898" dirty="0">
+              <a:latin typeface="Arial" panose="020B0604020202020204" pitchFamily="34" charset="0"/>
+              <a:cs typeface="Arial" panose="020B0604020202020204" pitchFamily="34" charset="0"/>
+            </a:endParaRPr>
+          </a:p>
+        </p:txBody>
+      </p:sp>
+      <p:sp>
+        <p:nvSpPr>
+          <p:cNvPr id="2" name="Rectangle 22">
+            <a:extLst>
+              <a:ext uri="{FF2B5EF4-FFF2-40B4-BE49-F238E27FC236}">
+                <a16:creationId xmlns:a16="http://schemas.microsoft.com/office/drawing/2014/main" id="{E4204C71-CB58-28F9-B154-7CA9D9902494}"/>
+              </a:ext>
+            </a:extLst>
+          </p:cNvPr>
+          <p:cNvSpPr/>
+          <p:nvPr/>
+        </p:nvSpPr>
+        <p:spPr>
+          <a:xfrm>
+            <a:off x="13858875" y="1598422"/>
+            <a:ext cx="1085850" cy="676394"/>
+          </a:xfrm>
+          <a:prstGeom prst="rect">
+            <a:avLst/>
+          </a:prstGeom>
+          <a:noFill/>
+          <a:ln w="28575">
+            <a:solidFill>
+              <a:srgbClr val="F79647"/>
+            </a:solidFill>
+            <a:prstDash val="sysDot"/>
+          </a:ln>
+        </p:spPr>
+        <p:style>
+          <a:lnRef idx="2">
+            <a:schemeClr val="accent1">
+              <a:shade val="15000"/>
+            </a:schemeClr>
+          </a:lnRef>
+          <a:fillRef idx="1">
+            <a:schemeClr val="accent1"/>
+          </a:fillRef>
+          <a:effectRef idx="0">
+            <a:schemeClr val="accent1"/>
+          </a:effectRef>
+          <a:fontRef idx="minor">
+            <a:schemeClr val="lt1"/>
+          </a:fontRef>
+        </p:style>
+        <p:txBody>
+          <a:bodyPr rtlCol="0" anchor="ctr"/>
+          <a:lstStyle/>
+          <a:p>
+            <a:pPr algn="ctr"/>
+            <a:endParaRPr lang="en-SE" sz="6970"/>
+          </a:p>
+        </p:txBody>
+      </p:sp>
     </p:spTree>
     <p:extLst>
       <p:ext uri="{BB962C8B-B14F-4D97-AF65-F5344CB8AC3E}">
@@ -3014,9 +3421,9 @@
 </file>
 
 <file path=ppt/theme/theme1.xml><?xml version="1.0" encoding="utf-8"?>
-<a:theme xmlns:a="http://schemas.openxmlformats.org/drawingml/2006/main" name="Office Theme">
+<a:theme xmlns:a="http://schemas.openxmlformats.org/drawingml/2006/main" name="Office 主题​​">
   <a:themeElements>
-    <a:clrScheme name="Office Theme">
+    <a:clrScheme name="Office 主题​​">
       <a:dk1>
         <a:sysClr val="windowText" lastClr="000000"/>
       </a:dk1>
@@ -3054,7 +3461,7 @@
         <a:srgbClr val="954F72"/>
       </a:folHlink>
     </a:clrScheme>
-    <a:fontScheme name="Office Theme">
+    <a:fontScheme name="Office 主题​​">
       <a:majorFont>
         <a:latin typeface="Calibri Light" panose="020F0302020204030204"/>
         <a:ea typeface=""/>
@@ -3126,7 +3533,7 @@
         <a:font script="Geor" typeface="Sylfaen"/>
       </a:minorFont>
     </a:fontScheme>
-    <a:fmtScheme name="Office Theme">
+    <a:fmtScheme name="Office 主题​​">
       <a:fillStyleLst>
         <a:solidFill>
           <a:schemeClr val="phClr"/>

--- a/tutorials/pipelines/tut_a_st_bud/vector files/fig11.pptx
+++ b/tutorials/pipelines/tut_a_st_bud/vector files/fig11.pptx
@@ -2,12 +2,15 @@
 <file path=ppt/presentation.xml><?xml version="1.0" encoding="utf-8"?>
 <p:presentation xmlns:a="http://schemas.openxmlformats.org/drawingml/2006/main" xmlns:r="http://schemas.openxmlformats.org/officeDocument/2006/relationships" xmlns:p="http://schemas.openxmlformats.org/presentationml/2006/main" saveSubsetFonts="1">
   <p:sldMasterIdLst>
-    <p:sldMasterId id="2147483696" r:id="rId1"/>
+    <p:sldMasterId id="2147483864" r:id="rId1"/>
   </p:sldMasterIdLst>
+  <p:notesMasterIdLst>
+    <p:notesMasterId r:id="rId3"/>
+  </p:notesMasterIdLst>
   <p:sldIdLst>
-    <p:sldId id="256" r:id="rId2"/>
+    <p:sldId id="257" r:id="rId2"/>
   </p:sldIdLst>
-  <p:sldSz cx="18000663" cy="10799763"/>
+  <p:sldSz cx="14400213" cy="12239625"/>
   <p:notesSz cx="6858000" cy="9144000"/>
   <p:defaultTextStyle>
     <a:defPPr>
@@ -112,6 +115,444 @@
 </p:presentation>
 </file>
 
+<file path=ppt/notesMasters/notesMaster1.xml><?xml version="1.0" encoding="utf-8"?>
+<p:notesMaster xmlns:a="http://schemas.openxmlformats.org/drawingml/2006/main" xmlns:r="http://schemas.openxmlformats.org/officeDocument/2006/relationships" xmlns:p="http://schemas.openxmlformats.org/presentationml/2006/main">
+  <p:cSld>
+    <p:bg>
+      <p:bgRef idx="1001">
+        <a:schemeClr val="bg1"/>
+      </p:bgRef>
+    </p:bg>
+    <p:spTree>
+      <p:nvGrpSpPr>
+        <p:cNvPr id="1" name=""/>
+        <p:cNvGrpSpPr/>
+        <p:nvPr/>
+      </p:nvGrpSpPr>
+      <p:grpSpPr>
+        <a:xfrm>
+          <a:off x="0" y="0"/>
+          <a:ext cx="0" cy="0"/>
+          <a:chOff x="0" y="0"/>
+          <a:chExt cx="0" cy="0"/>
+        </a:xfrm>
+      </p:grpSpPr>
+      <p:sp>
+        <p:nvSpPr>
+          <p:cNvPr id="2" name="页眉占位符 1"/>
+          <p:cNvSpPr>
+            <a:spLocks noGrp="1"/>
+          </p:cNvSpPr>
+          <p:nvPr>
+            <p:ph type="hdr" sz="quarter"/>
+          </p:nvPr>
+        </p:nvSpPr>
+        <p:spPr>
+          <a:xfrm>
+            <a:off x="0" y="0"/>
+            <a:ext cx="2971800" cy="458788"/>
+          </a:xfrm>
+          <a:prstGeom prst="rect">
+            <a:avLst/>
+          </a:prstGeom>
+        </p:spPr>
+        <p:txBody>
+          <a:bodyPr vert="horz" lIns="91440" tIns="45720" rIns="91440" bIns="45720" rtlCol="0"/>
+          <a:lstStyle>
+            <a:lvl1pPr algn="l">
+              <a:defRPr sz="1200"/>
+            </a:lvl1pPr>
+          </a:lstStyle>
+          <a:p>
+            <a:endParaRPr lang="zh-CN" altLang="en-US"/>
+          </a:p>
+        </p:txBody>
+      </p:sp>
+      <p:sp>
+        <p:nvSpPr>
+          <p:cNvPr id="3" name="日期占位符 2"/>
+          <p:cNvSpPr>
+            <a:spLocks noGrp="1"/>
+          </p:cNvSpPr>
+          <p:nvPr>
+            <p:ph type="dt" idx="1"/>
+          </p:nvPr>
+        </p:nvSpPr>
+        <p:spPr>
+          <a:xfrm>
+            <a:off x="3884613" y="0"/>
+            <a:ext cx="2971800" cy="458788"/>
+          </a:xfrm>
+          <a:prstGeom prst="rect">
+            <a:avLst/>
+          </a:prstGeom>
+        </p:spPr>
+        <p:txBody>
+          <a:bodyPr vert="horz" lIns="91440" tIns="45720" rIns="91440" bIns="45720" rtlCol="0"/>
+          <a:lstStyle>
+            <a:lvl1pPr algn="r">
+              <a:defRPr sz="1200"/>
+            </a:lvl1pPr>
+          </a:lstStyle>
+          <a:p>
+            <a:fld id="{00908931-0033-4484-A0E5-3BAAC1BCE9A0}" type="datetimeFigureOut">
+              <a:rPr lang="zh-CN" altLang="en-US" smtClean="0"/>
+              <a:t>2023/10/4</a:t>
+            </a:fld>
+            <a:endParaRPr lang="zh-CN" altLang="en-US"/>
+          </a:p>
+        </p:txBody>
+      </p:sp>
+      <p:sp>
+        <p:nvSpPr>
+          <p:cNvPr id="4" name="幻灯片图像占位符 3"/>
+          <p:cNvSpPr>
+            <a:spLocks noGrp="1" noRot="1" noChangeAspect="1"/>
+          </p:cNvSpPr>
+          <p:nvPr>
+            <p:ph type="sldImg" idx="2"/>
+          </p:nvPr>
+        </p:nvSpPr>
+        <p:spPr>
+          <a:xfrm>
+            <a:off x="1612900" y="1143000"/>
+            <a:ext cx="3632200" cy="3086100"/>
+          </a:xfrm>
+          <a:prstGeom prst="rect">
+            <a:avLst/>
+          </a:prstGeom>
+          <a:noFill/>
+          <a:ln w="12700">
+            <a:solidFill>
+              <a:prstClr val="black"/>
+            </a:solidFill>
+          </a:ln>
+        </p:spPr>
+        <p:txBody>
+          <a:bodyPr vert="horz" lIns="91440" tIns="45720" rIns="91440" bIns="45720" rtlCol="0" anchor="ctr"/>
+          <a:lstStyle/>
+          <a:p>
+            <a:endParaRPr lang="zh-CN" altLang="en-US"/>
+          </a:p>
+        </p:txBody>
+      </p:sp>
+      <p:sp>
+        <p:nvSpPr>
+          <p:cNvPr id="5" name="备注占位符 4"/>
+          <p:cNvSpPr>
+            <a:spLocks noGrp="1"/>
+          </p:cNvSpPr>
+          <p:nvPr>
+            <p:ph type="body" sz="quarter" idx="3"/>
+          </p:nvPr>
+        </p:nvSpPr>
+        <p:spPr>
+          <a:xfrm>
+            <a:off x="685800" y="4400550"/>
+            <a:ext cx="5486400" cy="3600450"/>
+          </a:xfrm>
+          <a:prstGeom prst="rect">
+            <a:avLst/>
+          </a:prstGeom>
+        </p:spPr>
+        <p:txBody>
+          <a:bodyPr vert="horz" lIns="91440" tIns="45720" rIns="91440" bIns="45720" rtlCol="0"/>
+          <a:lstStyle/>
+          <a:p>
+            <a:pPr lvl="0"/>
+            <a:r>
+              <a:rPr lang="zh-CN" altLang="en-US"/>
+              <a:t>单击此处编辑母版文本样式</a:t>
+            </a:r>
+          </a:p>
+          <a:p>
+            <a:pPr lvl="1"/>
+            <a:r>
+              <a:rPr lang="zh-CN" altLang="en-US"/>
+              <a:t>二级</a:t>
+            </a:r>
+          </a:p>
+          <a:p>
+            <a:pPr lvl="2"/>
+            <a:r>
+              <a:rPr lang="zh-CN" altLang="en-US"/>
+              <a:t>三级</a:t>
+            </a:r>
+          </a:p>
+          <a:p>
+            <a:pPr lvl="3"/>
+            <a:r>
+              <a:rPr lang="zh-CN" altLang="en-US"/>
+              <a:t>四级</a:t>
+            </a:r>
+          </a:p>
+          <a:p>
+            <a:pPr lvl="4"/>
+            <a:r>
+              <a:rPr lang="zh-CN" altLang="en-US"/>
+              <a:t>五级</a:t>
+            </a:r>
+          </a:p>
+        </p:txBody>
+      </p:sp>
+      <p:sp>
+        <p:nvSpPr>
+          <p:cNvPr id="6" name="页脚占位符 5"/>
+          <p:cNvSpPr>
+            <a:spLocks noGrp="1"/>
+          </p:cNvSpPr>
+          <p:nvPr>
+            <p:ph type="ftr" sz="quarter" idx="4"/>
+          </p:nvPr>
+        </p:nvSpPr>
+        <p:spPr>
+          <a:xfrm>
+            <a:off x="0" y="8685213"/>
+            <a:ext cx="2971800" cy="458787"/>
+          </a:xfrm>
+          <a:prstGeom prst="rect">
+            <a:avLst/>
+          </a:prstGeom>
+        </p:spPr>
+        <p:txBody>
+          <a:bodyPr vert="horz" lIns="91440" tIns="45720" rIns="91440" bIns="45720" rtlCol="0" anchor="b"/>
+          <a:lstStyle>
+            <a:lvl1pPr algn="l">
+              <a:defRPr sz="1200"/>
+            </a:lvl1pPr>
+          </a:lstStyle>
+          <a:p>
+            <a:endParaRPr lang="zh-CN" altLang="en-US"/>
+          </a:p>
+        </p:txBody>
+      </p:sp>
+      <p:sp>
+        <p:nvSpPr>
+          <p:cNvPr id="7" name="灯片编号占位符 6"/>
+          <p:cNvSpPr>
+            <a:spLocks noGrp="1"/>
+          </p:cNvSpPr>
+          <p:nvPr>
+            <p:ph type="sldNum" sz="quarter" idx="5"/>
+          </p:nvPr>
+        </p:nvSpPr>
+        <p:spPr>
+          <a:xfrm>
+            <a:off x="3884613" y="8685213"/>
+            <a:ext cx="2971800" cy="458787"/>
+          </a:xfrm>
+          <a:prstGeom prst="rect">
+            <a:avLst/>
+          </a:prstGeom>
+        </p:spPr>
+        <p:txBody>
+          <a:bodyPr vert="horz" lIns="91440" tIns="45720" rIns="91440" bIns="45720" rtlCol="0" anchor="b"/>
+          <a:lstStyle>
+            <a:lvl1pPr algn="r">
+              <a:defRPr sz="1200"/>
+            </a:lvl1pPr>
+          </a:lstStyle>
+          <a:p>
+            <a:fld id="{3A2B37E6-ED18-4D02-8887-EF535A95937D}" type="slidenum">
+              <a:rPr lang="zh-CN" altLang="en-US" smtClean="0"/>
+              <a:t>‹#›</a:t>
+            </a:fld>
+            <a:endParaRPr lang="zh-CN" altLang="en-US"/>
+          </a:p>
+        </p:txBody>
+      </p:sp>
+    </p:spTree>
+    <p:extLst>
+      <p:ext uri="{BB962C8B-B14F-4D97-AF65-F5344CB8AC3E}">
+        <p14:creationId xmlns:p14="http://schemas.microsoft.com/office/powerpoint/2010/main" val="1928097840"/>
+      </p:ext>
+    </p:extLst>
+  </p:cSld>
+  <p:clrMap bg1="lt1" tx1="dk1" bg2="lt2" tx2="dk2" accent1="accent1" accent2="accent2" accent3="accent3" accent4="accent4" accent5="accent5" accent6="accent6" hlink="hlink" folHlink="folHlink"/>
+  <p:notesStyle>
+    <a:lvl1pPr marL="0" algn="l" defTabSz="1606252" rtl="0" eaLnBrk="1" latinLnBrk="0" hangingPunct="1">
+      <a:defRPr sz="2108" kern="1200">
+        <a:solidFill>
+          <a:schemeClr val="tx1"/>
+        </a:solidFill>
+        <a:latin typeface="+mn-lt"/>
+        <a:ea typeface="+mn-ea"/>
+        <a:cs typeface="+mn-cs"/>
+      </a:defRPr>
+    </a:lvl1pPr>
+    <a:lvl2pPr marL="803126" algn="l" defTabSz="1606252" rtl="0" eaLnBrk="1" latinLnBrk="0" hangingPunct="1">
+      <a:defRPr sz="2108" kern="1200">
+        <a:solidFill>
+          <a:schemeClr val="tx1"/>
+        </a:solidFill>
+        <a:latin typeface="+mn-lt"/>
+        <a:ea typeface="+mn-ea"/>
+        <a:cs typeface="+mn-cs"/>
+      </a:defRPr>
+    </a:lvl2pPr>
+    <a:lvl3pPr marL="1606252" algn="l" defTabSz="1606252" rtl="0" eaLnBrk="1" latinLnBrk="0" hangingPunct="1">
+      <a:defRPr sz="2108" kern="1200">
+        <a:solidFill>
+          <a:schemeClr val="tx1"/>
+        </a:solidFill>
+        <a:latin typeface="+mn-lt"/>
+        <a:ea typeface="+mn-ea"/>
+        <a:cs typeface="+mn-cs"/>
+      </a:defRPr>
+    </a:lvl3pPr>
+    <a:lvl4pPr marL="2409377" algn="l" defTabSz="1606252" rtl="0" eaLnBrk="1" latinLnBrk="0" hangingPunct="1">
+      <a:defRPr sz="2108" kern="1200">
+        <a:solidFill>
+          <a:schemeClr val="tx1"/>
+        </a:solidFill>
+        <a:latin typeface="+mn-lt"/>
+        <a:ea typeface="+mn-ea"/>
+        <a:cs typeface="+mn-cs"/>
+      </a:defRPr>
+    </a:lvl4pPr>
+    <a:lvl5pPr marL="3212505" algn="l" defTabSz="1606252" rtl="0" eaLnBrk="1" latinLnBrk="0" hangingPunct="1">
+      <a:defRPr sz="2108" kern="1200">
+        <a:solidFill>
+          <a:schemeClr val="tx1"/>
+        </a:solidFill>
+        <a:latin typeface="+mn-lt"/>
+        <a:ea typeface="+mn-ea"/>
+        <a:cs typeface="+mn-cs"/>
+      </a:defRPr>
+    </a:lvl5pPr>
+    <a:lvl6pPr marL="4015628" algn="l" defTabSz="1606252" rtl="0" eaLnBrk="1" latinLnBrk="0" hangingPunct="1">
+      <a:defRPr sz="2108" kern="1200">
+        <a:solidFill>
+          <a:schemeClr val="tx1"/>
+        </a:solidFill>
+        <a:latin typeface="+mn-lt"/>
+        <a:ea typeface="+mn-ea"/>
+        <a:cs typeface="+mn-cs"/>
+      </a:defRPr>
+    </a:lvl6pPr>
+    <a:lvl7pPr marL="4818754" algn="l" defTabSz="1606252" rtl="0" eaLnBrk="1" latinLnBrk="0" hangingPunct="1">
+      <a:defRPr sz="2108" kern="1200">
+        <a:solidFill>
+          <a:schemeClr val="tx1"/>
+        </a:solidFill>
+        <a:latin typeface="+mn-lt"/>
+        <a:ea typeface="+mn-ea"/>
+        <a:cs typeface="+mn-cs"/>
+      </a:defRPr>
+    </a:lvl7pPr>
+    <a:lvl8pPr marL="5621881" algn="l" defTabSz="1606252" rtl="0" eaLnBrk="1" latinLnBrk="0" hangingPunct="1">
+      <a:defRPr sz="2108" kern="1200">
+        <a:solidFill>
+          <a:schemeClr val="tx1"/>
+        </a:solidFill>
+        <a:latin typeface="+mn-lt"/>
+        <a:ea typeface="+mn-ea"/>
+        <a:cs typeface="+mn-cs"/>
+      </a:defRPr>
+    </a:lvl8pPr>
+    <a:lvl9pPr marL="6425006" algn="l" defTabSz="1606252" rtl="0" eaLnBrk="1" latinLnBrk="0" hangingPunct="1">
+      <a:defRPr sz="2108" kern="1200">
+        <a:solidFill>
+          <a:schemeClr val="tx1"/>
+        </a:solidFill>
+        <a:latin typeface="+mn-lt"/>
+        <a:ea typeface="+mn-ea"/>
+        <a:cs typeface="+mn-cs"/>
+      </a:defRPr>
+    </a:lvl9pPr>
+  </p:notesStyle>
+</p:notesMaster>
+</file>
+
+<file path=ppt/notesSlides/notesSlide1.xml><?xml version="1.0" encoding="utf-8"?>
+<p:notes xmlns:a="http://schemas.openxmlformats.org/drawingml/2006/main" xmlns:r="http://schemas.openxmlformats.org/officeDocument/2006/relationships" xmlns:p="http://schemas.openxmlformats.org/presentationml/2006/main">
+  <p:cSld>
+    <p:spTree>
+      <p:nvGrpSpPr>
+        <p:cNvPr id="1" name=""/>
+        <p:cNvGrpSpPr/>
+        <p:nvPr/>
+      </p:nvGrpSpPr>
+      <p:grpSpPr>
+        <a:xfrm>
+          <a:off x="0" y="0"/>
+          <a:ext cx="0" cy="0"/>
+          <a:chOff x="0" y="0"/>
+          <a:chExt cx="0" cy="0"/>
+        </a:xfrm>
+      </p:grpSpPr>
+      <p:sp>
+        <p:nvSpPr>
+          <p:cNvPr id="2" name="幻灯片图像占位符 1"/>
+          <p:cNvSpPr>
+            <a:spLocks noGrp="1" noRot="1" noChangeAspect="1"/>
+          </p:cNvSpPr>
+          <p:nvPr>
+            <p:ph type="sldImg"/>
+          </p:nvPr>
+        </p:nvSpPr>
+        <p:spPr>
+          <a:xfrm>
+            <a:off x="1612900" y="1143000"/>
+            <a:ext cx="3632200" cy="3086100"/>
+          </a:xfrm>
+        </p:spPr>
+      </p:sp>
+      <p:sp>
+        <p:nvSpPr>
+          <p:cNvPr id="3" name="备注占位符 2"/>
+          <p:cNvSpPr>
+            <a:spLocks noGrp="1"/>
+          </p:cNvSpPr>
+          <p:nvPr>
+            <p:ph type="body" idx="1"/>
+          </p:nvPr>
+        </p:nvSpPr>
+        <p:spPr/>
+        <p:txBody>
+          <a:bodyPr/>
+          <a:lstStyle/>
+          <a:p>
+            <a:endParaRPr lang="zh-CN" altLang="en-US" dirty="0"/>
+          </a:p>
+        </p:txBody>
+      </p:sp>
+      <p:sp>
+        <p:nvSpPr>
+          <p:cNvPr id="4" name="灯片编号占位符 3"/>
+          <p:cNvSpPr>
+            <a:spLocks noGrp="1"/>
+          </p:cNvSpPr>
+          <p:nvPr>
+            <p:ph type="sldNum" sz="quarter" idx="5"/>
+          </p:nvPr>
+        </p:nvSpPr>
+        <p:spPr/>
+        <p:txBody>
+          <a:bodyPr/>
+          <a:lstStyle/>
+          <a:p>
+            <a:fld id="{3A2B37E6-ED18-4D02-8887-EF535A95937D}" type="slidenum">
+              <a:rPr lang="zh-CN" altLang="en-US" smtClean="0"/>
+              <a:t>1</a:t>
+            </a:fld>
+            <a:endParaRPr lang="zh-CN" altLang="en-US"/>
+          </a:p>
+        </p:txBody>
+      </p:sp>
+    </p:spTree>
+    <p:extLst>
+      <p:ext uri="{BB962C8B-B14F-4D97-AF65-F5344CB8AC3E}">
+        <p14:creationId xmlns:p14="http://schemas.microsoft.com/office/powerpoint/2010/main" val="2340295285"/>
+      </p:ext>
+    </p:extLst>
+  </p:cSld>
+  <p:clrMapOvr>
+    <a:masterClrMapping/>
+  </p:clrMapOvr>
+</p:notes>
+</file>
+
 <file path=ppt/slideLayouts/slideLayout1.xml><?xml version="1.0" encoding="utf-8"?>
 <p:sldLayout xmlns:a="http://schemas.openxmlformats.org/drawingml/2006/main" xmlns:r="http://schemas.openxmlformats.org/officeDocument/2006/relationships" xmlns:p="http://schemas.openxmlformats.org/presentationml/2006/main" type="title" preserve="1">
   <p:cSld name="标题幻灯片">
@@ -141,15 +582,15 @@
         </p:nvSpPr>
         <p:spPr>
           <a:xfrm>
-            <a:off x="2250083" y="1767462"/>
-            <a:ext cx="13500497" cy="3759917"/>
+            <a:off x="1080016" y="2003106"/>
+            <a:ext cx="12240181" cy="4261203"/>
           </a:xfrm>
         </p:spPr>
         <p:txBody>
           <a:bodyPr anchor="b"/>
           <a:lstStyle>
             <a:lvl1pPr algn="ctr">
-              <a:defRPr sz="8858"/>
+              <a:defRPr sz="9449"/>
             </a:lvl1pPr>
           </a:lstStyle>
           <a:p>
@@ -173,8 +614,8 @@
         </p:nvSpPr>
         <p:spPr>
           <a:xfrm>
-            <a:off x="2250083" y="5672376"/>
-            <a:ext cx="13500497" cy="2607442"/>
+            <a:off x="1800027" y="6428637"/>
+            <a:ext cx="10800160" cy="2955075"/>
           </a:xfrm>
         </p:spPr>
         <p:txBody>
@@ -182,39 +623,39 @@
           <a:lstStyle>
             <a:lvl1pPr marL="0" indent="0" algn="ctr">
               <a:buNone/>
-              <a:defRPr sz="3543"/>
+              <a:defRPr sz="3780"/>
             </a:lvl1pPr>
-            <a:lvl2pPr marL="675010" indent="0" algn="ctr">
-              <a:buNone/>
-              <a:defRPr sz="2953"/>
+            <a:lvl2pPr marL="719999" indent="0" algn="ctr">
+              <a:buNone/>
+              <a:defRPr sz="3150"/>
             </a:lvl2pPr>
-            <a:lvl3pPr marL="1350020" indent="0" algn="ctr">
-              <a:buNone/>
-              <a:defRPr sz="2658"/>
+            <a:lvl3pPr marL="1439997" indent="0" algn="ctr">
+              <a:buNone/>
+              <a:defRPr sz="2835"/>
             </a:lvl3pPr>
-            <a:lvl4pPr marL="2025030" indent="0" algn="ctr">
-              <a:buNone/>
-              <a:defRPr sz="2362"/>
+            <a:lvl4pPr marL="2159996" indent="0" algn="ctr">
+              <a:buNone/>
+              <a:defRPr sz="2520"/>
             </a:lvl4pPr>
-            <a:lvl5pPr marL="2700040" indent="0" algn="ctr">
-              <a:buNone/>
-              <a:defRPr sz="2362"/>
+            <a:lvl5pPr marL="2879994" indent="0" algn="ctr">
+              <a:buNone/>
+              <a:defRPr sz="2520"/>
             </a:lvl5pPr>
-            <a:lvl6pPr marL="3375050" indent="0" algn="ctr">
-              <a:buNone/>
-              <a:defRPr sz="2362"/>
+            <a:lvl6pPr marL="3599993" indent="0" algn="ctr">
+              <a:buNone/>
+              <a:defRPr sz="2520"/>
             </a:lvl6pPr>
-            <a:lvl7pPr marL="4050060" indent="0" algn="ctr">
-              <a:buNone/>
-              <a:defRPr sz="2362"/>
+            <a:lvl7pPr marL="4319991" indent="0" algn="ctr">
+              <a:buNone/>
+              <a:defRPr sz="2520"/>
             </a:lvl7pPr>
-            <a:lvl8pPr marL="4725071" indent="0" algn="ctr">
-              <a:buNone/>
-              <a:defRPr sz="2362"/>
+            <a:lvl8pPr marL="5039990" indent="0" algn="ctr">
+              <a:buNone/>
+              <a:defRPr sz="2520"/>
             </a:lvl8pPr>
-            <a:lvl9pPr marL="5400081" indent="0" algn="ctr">
-              <a:buNone/>
-              <a:defRPr sz="2362"/>
+            <a:lvl9pPr marL="5759988" indent="0" algn="ctr">
+              <a:buNone/>
+              <a:defRPr sz="2520"/>
             </a:lvl9pPr>
           </a:lstStyle>
           <a:p>
@@ -294,7 +735,7 @@
     </p:spTree>
     <p:extLst>
       <p:ext uri="{BB962C8B-B14F-4D97-AF65-F5344CB8AC3E}">
-        <p14:creationId xmlns:p14="http://schemas.microsoft.com/office/powerpoint/2010/main" val="3438301282"/>
+        <p14:creationId xmlns:p14="http://schemas.microsoft.com/office/powerpoint/2010/main" val="2934609170"/>
       </p:ext>
     </p:extLst>
   </p:cSld>
@@ -464,7 +905,7 @@
     </p:spTree>
     <p:extLst>
       <p:ext uri="{BB962C8B-B14F-4D97-AF65-F5344CB8AC3E}">
-        <p14:creationId xmlns:p14="http://schemas.microsoft.com/office/powerpoint/2010/main" val="3980710647"/>
+        <p14:creationId xmlns:p14="http://schemas.microsoft.com/office/powerpoint/2010/main" val="2639466652"/>
       </p:ext>
     </p:extLst>
   </p:cSld>
@@ -503,8 +944,8 @@
         </p:nvSpPr>
         <p:spPr>
           <a:xfrm>
-            <a:off x="12881724" y="574987"/>
-            <a:ext cx="3881393" cy="9152300"/>
+            <a:off x="10305153" y="651647"/>
+            <a:ext cx="3105046" cy="10372516"/>
           </a:xfrm>
         </p:spPr>
         <p:txBody>
@@ -531,8 +972,8 @@
         </p:nvSpPr>
         <p:spPr>
           <a:xfrm>
-            <a:off x="1237545" y="574987"/>
-            <a:ext cx="11419171" cy="9152300"/>
+            <a:off x="990015" y="651647"/>
+            <a:ext cx="9135135" cy="10372516"/>
           </a:xfrm>
         </p:spPr>
         <p:txBody>
@@ -644,7 +1085,7 @@
     </p:spTree>
     <p:extLst>
       <p:ext uri="{BB962C8B-B14F-4D97-AF65-F5344CB8AC3E}">
-        <p14:creationId xmlns:p14="http://schemas.microsoft.com/office/powerpoint/2010/main" val="631758953"/>
+        <p14:creationId xmlns:p14="http://schemas.microsoft.com/office/powerpoint/2010/main" val="2705165735"/>
       </p:ext>
     </p:extLst>
   </p:cSld>
@@ -814,7 +1255,7 @@
     </p:spTree>
     <p:extLst>
       <p:ext uri="{BB962C8B-B14F-4D97-AF65-F5344CB8AC3E}">
-        <p14:creationId xmlns:p14="http://schemas.microsoft.com/office/powerpoint/2010/main" val="3856522340"/>
+        <p14:creationId xmlns:p14="http://schemas.microsoft.com/office/powerpoint/2010/main" val="2270008715"/>
       </p:ext>
     </p:extLst>
   </p:cSld>
@@ -853,15 +1294,15 @@
         </p:nvSpPr>
         <p:spPr>
           <a:xfrm>
-            <a:off x="1228170" y="2692442"/>
-            <a:ext cx="15525572" cy="4492401"/>
+            <a:off x="982515" y="3051410"/>
+            <a:ext cx="12420184" cy="5091343"/>
           </a:xfrm>
         </p:spPr>
         <p:txBody>
           <a:bodyPr anchor="b"/>
           <a:lstStyle>
             <a:lvl1pPr>
-              <a:defRPr sz="8858"/>
+              <a:defRPr sz="9449"/>
             </a:lvl1pPr>
           </a:lstStyle>
           <a:p>
@@ -885,8 +1326,8 @@
         </p:nvSpPr>
         <p:spPr>
           <a:xfrm>
-            <a:off x="1228170" y="7227343"/>
-            <a:ext cx="15525572" cy="2362447"/>
+            <a:off x="982515" y="8190919"/>
+            <a:ext cx="12420184" cy="2677417"/>
           </a:xfrm>
         </p:spPr>
         <p:txBody>
@@ -894,17 +1335,15 @@
           <a:lstStyle>
             <a:lvl1pPr marL="0" indent="0">
               <a:buNone/>
-              <a:defRPr sz="3543">
+              <a:defRPr sz="3780">
                 <a:solidFill>
-                  <a:schemeClr val="tx1">
-                    <a:tint val="75000"/>
-                  </a:schemeClr>
+                  <a:schemeClr val="tx1"/>
                 </a:solidFill>
               </a:defRPr>
             </a:lvl1pPr>
-            <a:lvl2pPr marL="675010" indent="0">
-              <a:buNone/>
-              <a:defRPr sz="2953">
+            <a:lvl2pPr marL="719999" indent="0">
+              <a:buNone/>
+              <a:defRPr sz="3150">
                 <a:solidFill>
                   <a:schemeClr val="tx1">
                     <a:tint val="75000"/>
@@ -912,9 +1351,9 @@
                 </a:solidFill>
               </a:defRPr>
             </a:lvl2pPr>
-            <a:lvl3pPr marL="1350020" indent="0">
-              <a:buNone/>
-              <a:defRPr sz="2658">
+            <a:lvl3pPr marL="1439997" indent="0">
+              <a:buNone/>
+              <a:defRPr sz="2835">
                 <a:solidFill>
                   <a:schemeClr val="tx1">
                     <a:tint val="75000"/>
@@ -922,9 +1361,9 @@
                 </a:solidFill>
               </a:defRPr>
             </a:lvl3pPr>
-            <a:lvl4pPr marL="2025030" indent="0">
-              <a:buNone/>
-              <a:defRPr sz="2362">
+            <a:lvl4pPr marL="2159996" indent="0">
+              <a:buNone/>
+              <a:defRPr sz="2520">
                 <a:solidFill>
                   <a:schemeClr val="tx1">
                     <a:tint val="75000"/>
@@ -932,9 +1371,9 @@
                 </a:solidFill>
               </a:defRPr>
             </a:lvl4pPr>
-            <a:lvl5pPr marL="2700040" indent="0">
-              <a:buNone/>
-              <a:defRPr sz="2362">
+            <a:lvl5pPr marL="2879994" indent="0">
+              <a:buNone/>
+              <a:defRPr sz="2520">
                 <a:solidFill>
                   <a:schemeClr val="tx1">
                     <a:tint val="75000"/>
@@ -942,9 +1381,9 @@
                 </a:solidFill>
               </a:defRPr>
             </a:lvl5pPr>
-            <a:lvl6pPr marL="3375050" indent="0">
-              <a:buNone/>
-              <a:defRPr sz="2362">
+            <a:lvl6pPr marL="3599993" indent="0">
+              <a:buNone/>
+              <a:defRPr sz="2520">
                 <a:solidFill>
                   <a:schemeClr val="tx1">
                     <a:tint val="75000"/>
@@ -952,9 +1391,9 @@
                 </a:solidFill>
               </a:defRPr>
             </a:lvl6pPr>
-            <a:lvl7pPr marL="4050060" indent="0">
-              <a:buNone/>
-              <a:defRPr sz="2362">
+            <a:lvl7pPr marL="4319991" indent="0">
+              <a:buNone/>
+              <a:defRPr sz="2520">
                 <a:solidFill>
                   <a:schemeClr val="tx1">
                     <a:tint val="75000"/>
@@ -962,9 +1401,9 @@
                 </a:solidFill>
               </a:defRPr>
             </a:lvl7pPr>
-            <a:lvl8pPr marL="4725071" indent="0">
-              <a:buNone/>
-              <a:defRPr sz="2362">
+            <a:lvl8pPr marL="5039990" indent="0">
+              <a:buNone/>
+              <a:defRPr sz="2520">
                 <a:solidFill>
                   <a:schemeClr val="tx1">
                     <a:tint val="75000"/>
@@ -972,9 +1411,9 @@
                 </a:solidFill>
               </a:defRPr>
             </a:lvl8pPr>
-            <a:lvl9pPr marL="5400081" indent="0">
-              <a:buNone/>
-              <a:defRPr sz="2362">
+            <a:lvl9pPr marL="5759988" indent="0">
+              <a:buNone/>
+              <a:defRPr sz="2520">
                 <a:solidFill>
                   <a:schemeClr val="tx1">
                     <a:tint val="75000"/>
@@ -1060,7 +1499,7 @@
     </p:spTree>
     <p:extLst>
       <p:ext uri="{BB962C8B-B14F-4D97-AF65-F5344CB8AC3E}">
-        <p14:creationId xmlns:p14="http://schemas.microsoft.com/office/powerpoint/2010/main" val="396364511"/>
+        <p14:creationId xmlns:p14="http://schemas.microsoft.com/office/powerpoint/2010/main" val="2732925188"/>
       </p:ext>
     </p:extLst>
   </p:cSld>
@@ -1122,8 +1561,8 @@
         </p:nvSpPr>
         <p:spPr>
           <a:xfrm>
-            <a:off x="1237545" y="2874937"/>
-            <a:ext cx="7650282" cy="6852350"/>
+            <a:off x="990014" y="3258233"/>
+            <a:ext cx="6120091" cy="7765930"/>
           </a:xfrm>
         </p:spPr>
         <p:txBody>
@@ -1179,8 +1618,8 @@
         </p:nvSpPr>
         <p:spPr>
           <a:xfrm>
-            <a:off x="9112836" y="2874937"/>
-            <a:ext cx="7650282" cy="6852350"/>
+            <a:off x="7290108" y="3258233"/>
+            <a:ext cx="6120091" cy="7765930"/>
           </a:xfrm>
         </p:spPr>
         <p:txBody>
@@ -1292,7 +1731,7 @@
     </p:spTree>
     <p:extLst>
       <p:ext uri="{BB962C8B-B14F-4D97-AF65-F5344CB8AC3E}">
-        <p14:creationId xmlns:p14="http://schemas.microsoft.com/office/powerpoint/2010/main" val="2153591019"/>
+        <p14:creationId xmlns:p14="http://schemas.microsoft.com/office/powerpoint/2010/main" val="2370706672"/>
       </p:ext>
     </p:extLst>
   </p:cSld>
@@ -1331,8 +1770,8 @@
         </p:nvSpPr>
         <p:spPr>
           <a:xfrm>
-            <a:off x="1239890" y="574988"/>
-            <a:ext cx="15525572" cy="2087455"/>
+            <a:off x="991890" y="651649"/>
+            <a:ext cx="12420184" cy="2365762"/>
           </a:xfrm>
         </p:spPr>
         <p:txBody>
@@ -1359,8 +1798,8 @@
         </p:nvSpPr>
         <p:spPr>
           <a:xfrm>
-            <a:off x="1239891" y="2647443"/>
-            <a:ext cx="7615123" cy="1297471"/>
+            <a:off x="991892" y="3000409"/>
+            <a:ext cx="6091964" cy="1470454"/>
           </a:xfrm>
         </p:spPr>
         <p:txBody>
@@ -1368,39 +1807,39 @@
           <a:lstStyle>
             <a:lvl1pPr marL="0" indent="0">
               <a:buNone/>
-              <a:defRPr sz="3543" b="1"/>
+              <a:defRPr sz="3780" b="1"/>
             </a:lvl1pPr>
-            <a:lvl2pPr marL="675010" indent="0">
-              <a:buNone/>
-              <a:defRPr sz="2953" b="1"/>
+            <a:lvl2pPr marL="719999" indent="0">
+              <a:buNone/>
+              <a:defRPr sz="3150" b="1"/>
             </a:lvl2pPr>
-            <a:lvl3pPr marL="1350020" indent="0">
-              <a:buNone/>
-              <a:defRPr sz="2658" b="1"/>
+            <a:lvl3pPr marL="1439997" indent="0">
+              <a:buNone/>
+              <a:defRPr sz="2835" b="1"/>
             </a:lvl3pPr>
-            <a:lvl4pPr marL="2025030" indent="0">
-              <a:buNone/>
-              <a:defRPr sz="2362" b="1"/>
+            <a:lvl4pPr marL="2159996" indent="0">
+              <a:buNone/>
+              <a:defRPr sz="2520" b="1"/>
             </a:lvl4pPr>
-            <a:lvl5pPr marL="2700040" indent="0">
-              <a:buNone/>
-              <a:defRPr sz="2362" b="1"/>
+            <a:lvl5pPr marL="2879994" indent="0">
+              <a:buNone/>
+              <a:defRPr sz="2520" b="1"/>
             </a:lvl5pPr>
-            <a:lvl6pPr marL="3375050" indent="0">
-              <a:buNone/>
-              <a:defRPr sz="2362" b="1"/>
+            <a:lvl6pPr marL="3599993" indent="0">
+              <a:buNone/>
+              <a:defRPr sz="2520" b="1"/>
             </a:lvl6pPr>
-            <a:lvl7pPr marL="4050060" indent="0">
-              <a:buNone/>
-              <a:defRPr sz="2362" b="1"/>
+            <a:lvl7pPr marL="4319991" indent="0">
+              <a:buNone/>
+              <a:defRPr sz="2520" b="1"/>
             </a:lvl7pPr>
-            <a:lvl8pPr marL="4725071" indent="0">
-              <a:buNone/>
-              <a:defRPr sz="2362" b="1"/>
+            <a:lvl8pPr marL="5039990" indent="0">
+              <a:buNone/>
+              <a:defRPr sz="2520" b="1"/>
             </a:lvl8pPr>
-            <a:lvl9pPr marL="5400081" indent="0">
-              <a:buNone/>
-              <a:defRPr sz="2362" b="1"/>
+            <a:lvl9pPr marL="5759988" indent="0">
+              <a:buNone/>
+              <a:defRPr sz="2520" b="1"/>
             </a:lvl9pPr>
           </a:lstStyle>
           <a:p>
@@ -1424,8 +1863,8 @@
         </p:nvSpPr>
         <p:spPr>
           <a:xfrm>
-            <a:off x="1239891" y="3944914"/>
-            <a:ext cx="7615123" cy="5802373"/>
+            <a:off x="991892" y="4470863"/>
+            <a:ext cx="6091964" cy="6575966"/>
           </a:xfrm>
         </p:spPr>
         <p:txBody>
@@ -1481,8 +1920,8 @@
         </p:nvSpPr>
         <p:spPr>
           <a:xfrm>
-            <a:off x="9112836" y="2647443"/>
-            <a:ext cx="7652626" cy="1297471"/>
+            <a:off x="7290109" y="3000409"/>
+            <a:ext cx="6121966" cy="1470454"/>
           </a:xfrm>
         </p:spPr>
         <p:txBody>
@@ -1490,39 +1929,39 @@
           <a:lstStyle>
             <a:lvl1pPr marL="0" indent="0">
               <a:buNone/>
-              <a:defRPr sz="3543" b="1"/>
+              <a:defRPr sz="3780" b="1"/>
             </a:lvl1pPr>
-            <a:lvl2pPr marL="675010" indent="0">
-              <a:buNone/>
-              <a:defRPr sz="2953" b="1"/>
+            <a:lvl2pPr marL="719999" indent="0">
+              <a:buNone/>
+              <a:defRPr sz="3150" b="1"/>
             </a:lvl2pPr>
-            <a:lvl3pPr marL="1350020" indent="0">
-              <a:buNone/>
-              <a:defRPr sz="2658" b="1"/>
+            <a:lvl3pPr marL="1439997" indent="0">
+              <a:buNone/>
+              <a:defRPr sz="2835" b="1"/>
             </a:lvl3pPr>
-            <a:lvl4pPr marL="2025030" indent="0">
-              <a:buNone/>
-              <a:defRPr sz="2362" b="1"/>
+            <a:lvl4pPr marL="2159996" indent="0">
+              <a:buNone/>
+              <a:defRPr sz="2520" b="1"/>
             </a:lvl4pPr>
-            <a:lvl5pPr marL="2700040" indent="0">
-              <a:buNone/>
-              <a:defRPr sz="2362" b="1"/>
+            <a:lvl5pPr marL="2879994" indent="0">
+              <a:buNone/>
+              <a:defRPr sz="2520" b="1"/>
             </a:lvl5pPr>
-            <a:lvl6pPr marL="3375050" indent="0">
-              <a:buNone/>
-              <a:defRPr sz="2362" b="1"/>
+            <a:lvl6pPr marL="3599993" indent="0">
+              <a:buNone/>
+              <a:defRPr sz="2520" b="1"/>
             </a:lvl6pPr>
-            <a:lvl7pPr marL="4050060" indent="0">
-              <a:buNone/>
-              <a:defRPr sz="2362" b="1"/>
+            <a:lvl7pPr marL="4319991" indent="0">
+              <a:buNone/>
+              <a:defRPr sz="2520" b="1"/>
             </a:lvl7pPr>
-            <a:lvl8pPr marL="4725071" indent="0">
-              <a:buNone/>
-              <a:defRPr sz="2362" b="1"/>
+            <a:lvl8pPr marL="5039990" indent="0">
+              <a:buNone/>
+              <a:defRPr sz="2520" b="1"/>
             </a:lvl8pPr>
-            <a:lvl9pPr marL="5400081" indent="0">
-              <a:buNone/>
-              <a:defRPr sz="2362" b="1"/>
+            <a:lvl9pPr marL="5759988" indent="0">
+              <a:buNone/>
+              <a:defRPr sz="2520" b="1"/>
             </a:lvl9pPr>
           </a:lstStyle>
           <a:p>
@@ -1546,8 +1985,8 @@
         </p:nvSpPr>
         <p:spPr>
           <a:xfrm>
-            <a:off x="9112836" y="3944914"/>
-            <a:ext cx="7652626" cy="5802373"/>
+            <a:off x="7290109" y="4470863"/>
+            <a:ext cx="6121966" cy="6575966"/>
           </a:xfrm>
         </p:spPr>
         <p:txBody>
@@ -1659,7 +2098,7 @@
     </p:spTree>
     <p:extLst>
       <p:ext uri="{BB962C8B-B14F-4D97-AF65-F5344CB8AC3E}">
-        <p14:creationId xmlns:p14="http://schemas.microsoft.com/office/powerpoint/2010/main" val="2756972785"/>
+        <p14:creationId xmlns:p14="http://schemas.microsoft.com/office/powerpoint/2010/main" val="3588436084"/>
       </p:ext>
     </p:extLst>
   </p:cSld>
@@ -1777,7 +2216,7 @@
     </p:spTree>
     <p:extLst>
       <p:ext uri="{BB962C8B-B14F-4D97-AF65-F5344CB8AC3E}">
-        <p14:creationId xmlns:p14="http://schemas.microsoft.com/office/powerpoint/2010/main" val="3409911294"/>
+        <p14:creationId xmlns:p14="http://schemas.microsoft.com/office/powerpoint/2010/main" val="896093318"/>
       </p:ext>
     </p:extLst>
   </p:cSld>
@@ -1872,7 +2311,7 @@
     </p:spTree>
     <p:extLst>
       <p:ext uri="{BB962C8B-B14F-4D97-AF65-F5344CB8AC3E}">
-        <p14:creationId xmlns:p14="http://schemas.microsoft.com/office/powerpoint/2010/main" val="514902792"/>
+        <p14:creationId xmlns:p14="http://schemas.microsoft.com/office/powerpoint/2010/main" val="3764969706"/>
       </p:ext>
     </p:extLst>
   </p:cSld>
@@ -1911,15 +2350,15 @@
         </p:nvSpPr>
         <p:spPr>
           <a:xfrm>
-            <a:off x="1239891" y="719984"/>
-            <a:ext cx="5805682" cy="2519945"/>
+            <a:off x="991890" y="815975"/>
+            <a:ext cx="4644444" cy="2855913"/>
           </a:xfrm>
         </p:spPr>
         <p:txBody>
           <a:bodyPr anchor="b"/>
           <a:lstStyle>
             <a:lvl1pPr>
-              <a:defRPr sz="4724"/>
+              <a:defRPr sz="5039"/>
             </a:lvl1pPr>
           </a:lstStyle>
           <a:p>
@@ -1943,39 +2382,39 @@
         </p:nvSpPr>
         <p:spPr>
           <a:xfrm>
-            <a:off x="7652626" y="1554966"/>
-            <a:ext cx="9112836" cy="7674832"/>
+            <a:off x="6121966" y="1762282"/>
+            <a:ext cx="7290108" cy="8698067"/>
           </a:xfrm>
         </p:spPr>
         <p:txBody>
           <a:bodyPr/>
           <a:lstStyle>
             <a:lvl1pPr>
-              <a:defRPr sz="4724"/>
+              <a:defRPr sz="5039"/>
             </a:lvl1pPr>
             <a:lvl2pPr>
-              <a:defRPr sz="4134"/>
+              <a:defRPr sz="4409"/>
             </a:lvl2pPr>
             <a:lvl3pPr>
-              <a:defRPr sz="3543"/>
+              <a:defRPr sz="3780"/>
             </a:lvl3pPr>
             <a:lvl4pPr>
-              <a:defRPr sz="2953"/>
+              <a:defRPr sz="3150"/>
             </a:lvl4pPr>
             <a:lvl5pPr>
-              <a:defRPr sz="2953"/>
+              <a:defRPr sz="3150"/>
             </a:lvl5pPr>
             <a:lvl6pPr>
-              <a:defRPr sz="2953"/>
+              <a:defRPr sz="3150"/>
             </a:lvl6pPr>
             <a:lvl7pPr>
-              <a:defRPr sz="2953"/>
+              <a:defRPr sz="3150"/>
             </a:lvl7pPr>
             <a:lvl8pPr>
-              <a:defRPr sz="2953"/>
+              <a:defRPr sz="3150"/>
             </a:lvl8pPr>
             <a:lvl9pPr>
-              <a:defRPr sz="2953"/>
+              <a:defRPr sz="3150"/>
             </a:lvl9pPr>
           </a:lstStyle>
           <a:p>
@@ -2028,8 +2467,8 @@
         </p:nvSpPr>
         <p:spPr>
           <a:xfrm>
-            <a:off x="1239891" y="3239929"/>
-            <a:ext cx="5805682" cy="6002369"/>
+            <a:off x="991890" y="3671887"/>
+            <a:ext cx="4644444" cy="6802626"/>
           </a:xfrm>
         </p:spPr>
         <p:txBody>
@@ -2037,39 +2476,39 @@
           <a:lstStyle>
             <a:lvl1pPr marL="0" indent="0">
               <a:buNone/>
-              <a:defRPr sz="2362"/>
+              <a:defRPr sz="2520"/>
             </a:lvl1pPr>
-            <a:lvl2pPr marL="675010" indent="0">
-              <a:buNone/>
-              <a:defRPr sz="2067"/>
+            <a:lvl2pPr marL="719999" indent="0">
+              <a:buNone/>
+              <a:defRPr sz="2205"/>
             </a:lvl2pPr>
-            <a:lvl3pPr marL="1350020" indent="0">
-              <a:buNone/>
-              <a:defRPr sz="1772"/>
+            <a:lvl3pPr marL="1439997" indent="0">
+              <a:buNone/>
+              <a:defRPr sz="1890"/>
             </a:lvl3pPr>
-            <a:lvl4pPr marL="2025030" indent="0">
-              <a:buNone/>
-              <a:defRPr sz="1476"/>
+            <a:lvl4pPr marL="2159996" indent="0">
+              <a:buNone/>
+              <a:defRPr sz="1575"/>
             </a:lvl4pPr>
-            <a:lvl5pPr marL="2700040" indent="0">
-              <a:buNone/>
-              <a:defRPr sz="1476"/>
+            <a:lvl5pPr marL="2879994" indent="0">
+              <a:buNone/>
+              <a:defRPr sz="1575"/>
             </a:lvl5pPr>
-            <a:lvl6pPr marL="3375050" indent="0">
-              <a:buNone/>
-              <a:defRPr sz="1476"/>
+            <a:lvl6pPr marL="3599993" indent="0">
+              <a:buNone/>
+              <a:defRPr sz="1575"/>
             </a:lvl6pPr>
-            <a:lvl7pPr marL="4050060" indent="0">
-              <a:buNone/>
-              <a:defRPr sz="1476"/>
+            <a:lvl7pPr marL="4319991" indent="0">
+              <a:buNone/>
+              <a:defRPr sz="1575"/>
             </a:lvl7pPr>
-            <a:lvl8pPr marL="4725071" indent="0">
-              <a:buNone/>
-              <a:defRPr sz="1476"/>
+            <a:lvl8pPr marL="5039990" indent="0">
+              <a:buNone/>
+              <a:defRPr sz="1575"/>
             </a:lvl8pPr>
-            <a:lvl9pPr marL="5400081" indent="0">
-              <a:buNone/>
-              <a:defRPr sz="1476"/>
+            <a:lvl9pPr marL="5759988" indent="0">
+              <a:buNone/>
+              <a:defRPr sz="1575"/>
             </a:lvl9pPr>
           </a:lstStyle>
           <a:p>
@@ -2149,7 +2588,7 @@
     </p:spTree>
     <p:extLst>
       <p:ext uri="{BB962C8B-B14F-4D97-AF65-F5344CB8AC3E}">
-        <p14:creationId xmlns:p14="http://schemas.microsoft.com/office/powerpoint/2010/main" val="1089306609"/>
+        <p14:creationId xmlns:p14="http://schemas.microsoft.com/office/powerpoint/2010/main" val="1694128885"/>
       </p:ext>
     </p:extLst>
   </p:cSld>
@@ -2188,15 +2627,15 @@
         </p:nvSpPr>
         <p:spPr>
           <a:xfrm>
-            <a:off x="1239891" y="719984"/>
-            <a:ext cx="5805682" cy="2519945"/>
+            <a:off x="991890" y="815975"/>
+            <a:ext cx="4644444" cy="2855913"/>
           </a:xfrm>
         </p:spPr>
         <p:txBody>
           <a:bodyPr anchor="b"/>
           <a:lstStyle>
             <a:lvl1pPr>
-              <a:defRPr sz="4724"/>
+              <a:defRPr sz="5039"/>
             </a:lvl1pPr>
           </a:lstStyle>
           <a:p>
@@ -2220,8 +2659,8 @@
         </p:nvSpPr>
         <p:spPr>
           <a:xfrm>
-            <a:off x="7652626" y="1554966"/>
-            <a:ext cx="9112836" cy="7674832"/>
+            <a:off x="6121966" y="1762282"/>
+            <a:ext cx="7290108" cy="8698067"/>
           </a:xfrm>
         </p:spPr>
         <p:txBody>
@@ -2229,39 +2668,39 @@
           <a:lstStyle>
             <a:lvl1pPr marL="0" indent="0">
               <a:buNone/>
-              <a:defRPr sz="4724"/>
+              <a:defRPr sz="5039"/>
             </a:lvl1pPr>
-            <a:lvl2pPr marL="675010" indent="0">
-              <a:buNone/>
-              <a:defRPr sz="4134"/>
+            <a:lvl2pPr marL="719999" indent="0">
+              <a:buNone/>
+              <a:defRPr sz="4409"/>
             </a:lvl2pPr>
-            <a:lvl3pPr marL="1350020" indent="0">
-              <a:buNone/>
-              <a:defRPr sz="3543"/>
+            <a:lvl3pPr marL="1439997" indent="0">
+              <a:buNone/>
+              <a:defRPr sz="3780"/>
             </a:lvl3pPr>
-            <a:lvl4pPr marL="2025030" indent="0">
-              <a:buNone/>
-              <a:defRPr sz="2953"/>
+            <a:lvl4pPr marL="2159996" indent="0">
+              <a:buNone/>
+              <a:defRPr sz="3150"/>
             </a:lvl4pPr>
-            <a:lvl5pPr marL="2700040" indent="0">
-              <a:buNone/>
-              <a:defRPr sz="2953"/>
+            <a:lvl5pPr marL="2879994" indent="0">
+              <a:buNone/>
+              <a:defRPr sz="3150"/>
             </a:lvl5pPr>
-            <a:lvl6pPr marL="3375050" indent="0">
-              <a:buNone/>
-              <a:defRPr sz="2953"/>
+            <a:lvl6pPr marL="3599993" indent="0">
+              <a:buNone/>
+              <a:defRPr sz="3150"/>
             </a:lvl6pPr>
-            <a:lvl7pPr marL="4050060" indent="0">
-              <a:buNone/>
-              <a:defRPr sz="2953"/>
+            <a:lvl7pPr marL="4319991" indent="0">
+              <a:buNone/>
+              <a:defRPr sz="3150"/>
             </a:lvl7pPr>
-            <a:lvl8pPr marL="4725071" indent="0">
-              <a:buNone/>
-              <a:defRPr sz="2953"/>
+            <a:lvl8pPr marL="5039990" indent="0">
+              <a:buNone/>
+              <a:defRPr sz="3150"/>
             </a:lvl8pPr>
-            <a:lvl9pPr marL="5400081" indent="0">
-              <a:buNone/>
-              <a:defRPr sz="2953"/>
+            <a:lvl9pPr marL="5759988" indent="0">
+              <a:buNone/>
+              <a:defRPr sz="3150"/>
             </a:lvl9pPr>
           </a:lstStyle>
           <a:p>
@@ -2285,8 +2724,8 @@
         </p:nvSpPr>
         <p:spPr>
           <a:xfrm>
-            <a:off x="1239891" y="3239929"/>
-            <a:ext cx="5805682" cy="6002369"/>
+            <a:off x="991890" y="3671887"/>
+            <a:ext cx="4644444" cy="6802626"/>
           </a:xfrm>
         </p:spPr>
         <p:txBody>
@@ -2294,39 +2733,39 @@
           <a:lstStyle>
             <a:lvl1pPr marL="0" indent="0">
               <a:buNone/>
-              <a:defRPr sz="2362"/>
+              <a:defRPr sz="2520"/>
             </a:lvl1pPr>
-            <a:lvl2pPr marL="675010" indent="0">
-              <a:buNone/>
-              <a:defRPr sz="2067"/>
+            <a:lvl2pPr marL="719999" indent="0">
+              <a:buNone/>
+              <a:defRPr sz="2205"/>
             </a:lvl2pPr>
-            <a:lvl3pPr marL="1350020" indent="0">
-              <a:buNone/>
-              <a:defRPr sz="1772"/>
+            <a:lvl3pPr marL="1439997" indent="0">
+              <a:buNone/>
+              <a:defRPr sz="1890"/>
             </a:lvl3pPr>
-            <a:lvl4pPr marL="2025030" indent="0">
-              <a:buNone/>
-              <a:defRPr sz="1476"/>
+            <a:lvl4pPr marL="2159996" indent="0">
+              <a:buNone/>
+              <a:defRPr sz="1575"/>
             </a:lvl4pPr>
-            <a:lvl5pPr marL="2700040" indent="0">
-              <a:buNone/>
-              <a:defRPr sz="1476"/>
+            <a:lvl5pPr marL="2879994" indent="0">
+              <a:buNone/>
+              <a:defRPr sz="1575"/>
             </a:lvl5pPr>
-            <a:lvl6pPr marL="3375050" indent="0">
-              <a:buNone/>
-              <a:defRPr sz="1476"/>
+            <a:lvl6pPr marL="3599993" indent="0">
+              <a:buNone/>
+              <a:defRPr sz="1575"/>
             </a:lvl6pPr>
-            <a:lvl7pPr marL="4050060" indent="0">
-              <a:buNone/>
-              <a:defRPr sz="1476"/>
+            <a:lvl7pPr marL="4319991" indent="0">
+              <a:buNone/>
+              <a:defRPr sz="1575"/>
             </a:lvl7pPr>
-            <a:lvl8pPr marL="4725071" indent="0">
-              <a:buNone/>
-              <a:defRPr sz="1476"/>
+            <a:lvl8pPr marL="5039990" indent="0">
+              <a:buNone/>
+              <a:defRPr sz="1575"/>
             </a:lvl8pPr>
-            <a:lvl9pPr marL="5400081" indent="0">
-              <a:buNone/>
-              <a:defRPr sz="1476"/>
+            <a:lvl9pPr marL="5759988" indent="0">
+              <a:buNone/>
+              <a:defRPr sz="1575"/>
             </a:lvl9pPr>
           </a:lstStyle>
           <a:p>
@@ -2406,7 +2845,7 @@
     </p:spTree>
     <p:extLst>
       <p:ext uri="{BB962C8B-B14F-4D97-AF65-F5344CB8AC3E}">
-        <p14:creationId xmlns:p14="http://schemas.microsoft.com/office/powerpoint/2010/main" val="1623360760"/>
+        <p14:creationId xmlns:p14="http://schemas.microsoft.com/office/powerpoint/2010/main" val="3092698978"/>
       </p:ext>
     </p:extLst>
   </p:cSld>
@@ -2450,8 +2889,8 @@
         </p:nvSpPr>
         <p:spPr>
           <a:xfrm>
-            <a:off x="1237546" y="574988"/>
-            <a:ext cx="15525572" cy="2087455"/>
+            <a:off x="990015" y="651649"/>
+            <a:ext cx="12420184" cy="2365762"/>
           </a:xfrm>
           <a:prstGeom prst="rect">
             <a:avLst/>
@@ -2483,8 +2922,8 @@
         </p:nvSpPr>
         <p:spPr>
           <a:xfrm>
-            <a:off x="1237546" y="2874937"/>
-            <a:ext cx="15525572" cy="6852350"/>
+            <a:off x="990015" y="3258233"/>
+            <a:ext cx="12420184" cy="7765930"/>
           </a:xfrm>
           <a:prstGeom prst="rect">
             <a:avLst/>
@@ -2545,8 +2984,8 @@
         </p:nvSpPr>
         <p:spPr>
           <a:xfrm>
-            <a:off x="1237546" y="10009781"/>
-            <a:ext cx="4050149" cy="574987"/>
+            <a:off x="990015" y="11344322"/>
+            <a:ext cx="3240048" cy="651647"/>
           </a:xfrm>
           <a:prstGeom prst="rect">
             <a:avLst/>
@@ -2556,7 +2995,7 @@
           <a:bodyPr vert="horz" lIns="91440" tIns="45720" rIns="91440" bIns="45720" rtlCol="0" anchor="ctr"/>
           <a:lstStyle>
             <a:lvl1pPr algn="l">
-              <a:defRPr sz="1772">
+              <a:defRPr sz="1890">
                 <a:solidFill>
                   <a:schemeClr val="tx1">
                     <a:tint val="75000"/>
@@ -2586,8 +3025,8 @@
         </p:nvSpPr>
         <p:spPr>
           <a:xfrm>
-            <a:off x="5962720" y="10009781"/>
-            <a:ext cx="6075224" cy="574987"/>
+            <a:off x="4770071" y="11344322"/>
+            <a:ext cx="4860072" cy="651647"/>
           </a:xfrm>
           <a:prstGeom prst="rect">
             <a:avLst/>
@@ -2597,7 +3036,7 @@
           <a:bodyPr vert="horz" lIns="91440" tIns="45720" rIns="91440" bIns="45720" rtlCol="0" anchor="ctr"/>
           <a:lstStyle>
             <a:lvl1pPr algn="ctr">
-              <a:defRPr sz="1772">
+              <a:defRPr sz="1890">
                 <a:solidFill>
                   <a:schemeClr val="tx1">
                     <a:tint val="75000"/>
@@ -2623,8 +3062,8 @@
         </p:nvSpPr>
         <p:spPr>
           <a:xfrm>
-            <a:off x="12712968" y="10009781"/>
-            <a:ext cx="4050149" cy="574987"/>
+            <a:off x="10170150" y="11344322"/>
+            <a:ext cx="3240048" cy="651647"/>
           </a:xfrm>
           <a:prstGeom prst="rect">
             <a:avLst/>
@@ -2634,7 +3073,7 @@
           <a:bodyPr vert="horz" lIns="91440" tIns="45720" rIns="91440" bIns="45720" rtlCol="0" anchor="ctr"/>
           <a:lstStyle>
             <a:lvl1pPr algn="r">
-              <a:defRPr sz="1772">
+              <a:defRPr sz="1890">
                 <a:solidFill>
                   <a:schemeClr val="tx1">
                     <a:tint val="75000"/>
@@ -2655,27 +3094,27 @@
     </p:spTree>
     <p:extLst>
       <p:ext uri="{BB962C8B-B14F-4D97-AF65-F5344CB8AC3E}">
-        <p14:creationId xmlns:p14="http://schemas.microsoft.com/office/powerpoint/2010/main" val="633863276"/>
+        <p14:creationId xmlns:p14="http://schemas.microsoft.com/office/powerpoint/2010/main" val="1873381220"/>
       </p:ext>
     </p:extLst>
   </p:cSld>
   <p:clrMap bg1="lt1" tx1="dk1" bg2="lt2" tx2="dk2" accent1="accent1" accent2="accent2" accent3="accent3" accent4="accent4" accent5="accent5" accent6="accent6" hlink="hlink" folHlink="folHlink"/>
   <p:sldLayoutIdLst>
-    <p:sldLayoutId id="2147483697" r:id="rId1"/>
-    <p:sldLayoutId id="2147483698" r:id="rId2"/>
-    <p:sldLayoutId id="2147483699" r:id="rId3"/>
-    <p:sldLayoutId id="2147483700" r:id="rId4"/>
-    <p:sldLayoutId id="2147483701" r:id="rId5"/>
-    <p:sldLayoutId id="2147483702" r:id="rId6"/>
-    <p:sldLayoutId id="2147483703" r:id="rId7"/>
-    <p:sldLayoutId id="2147483704" r:id="rId8"/>
-    <p:sldLayoutId id="2147483705" r:id="rId9"/>
-    <p:sldLayoutId id="2147483706" r:id="rId10"/>
-    <p:sldLayoutId id="2147483707" r:id="rId11"/>
+    <p:sldLayoutId id="2147483865" r:id="rId1"/>
+    <p:sldLayoutId id="2147483866" r:id="rId2"/>
+    <p:sldLayoutId id="2147483867" r:id="rId3"/>
+    <p:sldLayoutId id="2147483868" r:id="rId4"/>
+    <p:sldLayoutId id="2147483869" r:id="rId5"/>
+    <p:sldLayoutId id="2147483870" r:id="rId6"/>
+    <p:sldLayoutId id="2147483871" r:id="rId7"/>
+    <p:sldLayoutId id="2147483872" r:id="rId8"/>
+    <p:sldLayoutId id="2147483873" r:id="rId9"/>
+    <p:sldLayoutId id="2147483874" r:id="rId10"/>
+    <p:sldLayoutId id="2147483875" r:id="rId11"/>
   </p:sldLayoutIdLst>
   <p:txStyles>
     <p:titleStyle>
-      <a:lvl1pPr algn="l" defTabSz="1350020" rtl="0" eaLnBrk="1" latinLnBrk="0" hangingPunct="1">
+      <a:lvl1pPr algn="l" defTabSz="1439997" rtl="0" eaLnBrk="1" latinLnBrk="0" hangingPunct="1">
         <a:lnSpc>
           <a:spcPct val="90000"/>
         </a:lnSpc>
@@ -2683,7 +3122,7 @@
           <a:spcPct val="0"/>
         </a:spcBef>
         <a:buNone/>
-        <a:defRPr sz="6496" kern="1200">
+        <a:defRPr sz="6929" kern="1200">
           <a:solidFill>
             <a:schemeClr val="tx1"/>
           </a:solidFill>
@@ -2694,16 +3133,16 @@
       </a:lvl1pPr>
     </p:titleStyle>
     <p:bodyStyle>
-      <a:lvl1pPr marL="337505" indent="-337505" algn="l" defTabSz="1350020" rtl="0" eaLnBrk="1" latinLnBrk="0" hangingPunct="1">
+      <a:lvl1pPr marL="359999" indent="-359999" algn="l" defTabSz="1439997" rtl="0" eaLnBrk="1" latinLnBrk="0" hangingPunct="1">
         <a:lnSpc>
           <a:spcPct val="90000"/>
         </a:lnSpc>
         <a:spcBef>
-          <a:spcPts val="1476"/>
+          <a:spcPts val="1575"/>
         </a:spcBef>
         <a:buFont typeface="Arial" panose="020B0604020202020204" pitchFamily="34" charset="0"/>
         <a:buChar char="•"/>
-        <a:defRPr sz="4134" kern="1200">
+        <a:defRPr sz="4409" kern="1200">
           <a:solidFill>
             <a:schemeClr val="tx1"/>
           </a:solidFill>
@@ -2712,16 +3151,16 @@
           <a:cs typeface="+mn-cs"/>
         </a:defRPr>
       </a:lvl1pPr>
-      <a:lvl2pPr marL="1012515" indent="-337505" algn="l" defTabSz="1350020" rtl="0" eaLnBrk="1" latinLnBrk="0" hangingPunct="1">
+      <a:lvl2pPr marL="1079998" indent="-359999" algn="l" defTabSz="1439997" rtl="0" eaLnBrk="1" latinLnBrk="0" hangingPunct="1">
         <a:lnSpc>
           <a:spcPct val="90000"/>
         </a:lnSpc>
         <a:spcBef>
-          <a:spcPts val="738"/>
+          <a:spcPts val="787"/>
         </a:spcBef>
         <a:buFont typeface="Arial" panose="020B0604020202020204" pitchFamily="34" charset="0"/>
         <a:buChar char="•"/>
-        <a:defRPr sz="3543" kern="1200">
+        <a:defRPr sz="3780" kern="1200">
           <a:solidFill>
             <a:schemeClr val="tx1"/>
           </a:solidFill>
@@ -2730,16 +3169,16 @@
           <a:cs typeface="+mn-cs"/>
         </a:defRPr>
       </a:lvl2pPr>
-      <a:lvl3pPr marL="1687525" indent="-337505" algn="l" defTabSz="1350020" rtl="0" eaLnBrk="1" latinLnBrk="0" hangingPunct="1">
+      <a:lvl3pPr marL="1799996" indent="-359999" algn="l" defTabSz="1439997" rtl="0" eaLnBrk="1" latinLnBrk="0" hangingPunct="1">
         <a:lnSpc>
           <a:spcPct val="90000"/>
         </a:lnSpc>
         <a:spcBef>
-          <a:spcPts val="738"/>
+          <a:spcPts val="787"/>
         </a:spcBef>
         <a:buFont typeface="Arial" panose="020B0604020202020204" pitchFamily="34" charset="0"/>
         <a:buChar char="•"/>
-        <a:defRPr sz="2953" kern="1200">
+        <a:defRPr sz="3150" kern="1200">
           <a:solidFill>
             <a:schemeClr val="tx1"/>
           </a:solidFill>
@@ -2748,16 +3187,16 @@
           <a:cs typeface="+mn-cs"/>
         </a:defRPr>
       </a:lvl3pPr>
-      <a:lvl4pPr marL="2362535" indent="-337505" algn="l" defTabSz="1350020" rtl="0" eaLnBrk="1" latinLnBrk="0" hangingPunct="1">
+      <a:lvl4pPr marL="2519995" indent="-359999" algn="l" defTabSz="1439997" rtl="0" eaLnBrk="1" latinLnBrk="0" hangingPunct="1">
         <a:lnSpc>
           <a:spcPct val="90000"/>
         </a:lnSpc>
         <a:spcBef>
-          <a:spcPts val="738"/>
+          <a:spcPts val="787"/>
         </a:spcBef>
         <a:buFont typeface="Arial" panose="020B0604020202020204" pitchFamily="34" charset="0"/>
         <a:buChar char="•"/>
-        <a:defRPr sz="2658" kern="1200">
+        <a:defRPr sz="2835" kern="1200">
           <a:solidFill>
             <a:schemeClr val="tx1"/>
           </a:solidFill>
@@ -2766,16 +3205,16 @@
           <a:cs typeface="+mn-cs"/>
         </a:defRPr>
       </a:lvl4pPr>
-      <a:lvl5pPr marL="3037545" indent="-337505" algn="l" defTabSz="1350020" rtl="0" eaLnBrk="1" latinLnBrk="0" hangingPunct="1">
+      <a:lvl5pPr marL="3239994" indent="-359999" algn="l" defTabSz="1439997" rtl="0" eaLnBrk="1" latinLnBrk="0" hangingPunct="1">
         <a:lnSpc>
           <a:spcPct val="90000"/>
         </a:lnSpc>
         <a:spcBef>
-          <a:spcPts val="738"/>
+          <a:spcPts val="787"/>
         </a:spcBef>
         <a:buFont typeface="Arial" panose="020B0604020202020204" pitchFamily="34" charset="0"/>
         <a:buChar char="•"/>
-        <a:defRPr sz="2658" kern="1200">
+        <a:defRPr sz="2835" kern="1200">
           <a:solidFill>
             <a:schemeClr val="tx1"/>
           </a:solidFill>
@@ -2784,16 +3223,16 @@
           <a:cs typeface="+mn-cs"/>
         </a:defRPr>
       </a:lvl5pPr>
-      <a:lvl6pPr marL="3712555" indent="-337505" algn="l" defTabSz="1350020" rtl="0" eaLnBrk="1" latinLnBrk="0" hangingPunct="1">
+      <a:lvl6pPr marL="3959992" indent="-359999" algn="l" defTabSz="1439997" rtl="0" eaLnBrk="1" latinLnBrk="0" hangingPunct="1">
         <a:lnSpc>
           <a:spcPct val="90000"/>
         </a:lnSpc>
         <a:spcBef>
-          <a:spcPts val="738"/>
+          <a:spcPts val="787"/>
         </a:spcBef>
         <a:buFont typeface="Arial" panose="020B0604020202020204" pitchFamily="34" charset="0"/>
         <a:buChar char="•"/>
-        <a:defRPr sz="2658" kern="1200">
+        <a:defRPr sz="2835" kern="1200">
           <a:solidFill>
             <a:schemeClr val="tx1"/>
           </a:solidFill>
@@ -2802,16 +3241,16 @@
           <a:cs typeface="+mn-cs"/>
         </a:defRPr>
       </a:lvl6pPr>
-      <a:lvl7pPr marL="4387566" indent="-337505" algn="l" defTabSz="1350020" rtl="0" eaLnBrk="1" latinLnBrk="0" hangingPunct="1">
+      <a:lvl7pPr marL="4679991" indent="-359999" algn="l" defTabSz="1439997" rtl="0" eaLnBrk="1" latinLnBrk="0" hangingPunct="1">
         <a:lnSpc>
           <a:spcPct val="90000"/>
         </a:lnSpc>
         <a:spcBef>
-          <a:spcPts val="738"/>
+          <a:spcPts val="787"/>
         </a:spcBef>
         <a:buFont typeface="Arial" panose="020B0604020202020204" pitchFamily="34" charset="0"/>
         <a:buChar char="•"/>
-        <a:defRPr sz="2658" kern="1200">
+        <a:defRPr sz="2835" kern="1200">
           <a:solidFill>
             <a:schemeClr val="tx1"/>
           </a:solidFill>
@@ -2820,16 +3259,16 @@
           <a:cs typeface="+mn-cs"/>
         </a:defRPr>
       </a:lvl7pPr>
-      <a:lvl8pPr marL="5062576" indent="-337505" algn="l" defTabSz="1350020" rtl="0" eaLnBrk="1" latinLnBrk="0" hangingPunct="1">
+      <a:lvl8pPr marL="5399989" indent="-359999" algn="l" defTabSz="1439997" rtl="0" eaLnBrk="1" latinLnBrk="0" hangingPunct="1">
         <a:lnSpc>
           <a:spcPct val="90000"/>
         </a:lnSpc>
         <a:spcBef>
-          <a:spcPts val="738"/>
+          <a:spcPts val="787"/>
         </a:spcBef>
         <a:buFont typeface="Arial" panose="020B0604020202020204" pitchFamily="34" charset="0"/>
         <a:buChar char="•"/>
-        <a:defRPr sz="2658" kern="1200">
+        <a:defRPr sz="2835" kern="1200">
           <a:solidFill>
             <a:schemeClr val="tx1"/>
           </a:solidFill>
@@ -2838,16 +3277,16 @@
           <a:cs typeface="+mn-cs"/>
         </a:defRPr>
       </a:lvl8pPr>
-      <a:lvl9pPr marL="5737586" indent="-337505" algn="l" defTabSz="1350020" rtl="0" eaLnBrk="1" latinLnBrk="0" hangingPunct="1">
+      <a:lvl9pPr marL="6119988" indent="-359999" algn="l" defTabSz="1439997" rtl="0" eaLnBrk="1" latinLnBrk="0" hangingPunct="1">
         <a:lnSpc>
           <a:spcPct val="90000"/>
         </a:lnSpc>
         <a:spcBef>
-          <a:spcPts val="738"/>
+          <a:spcPts val="787"/>
         </a:spcBef>
         <a:buFont typeface="Arial" panose="020B0604020202020204" pitchFamily="34" charset="0"/>
         <a:buChar char="•"/>
-        <a:defRPr sz="2658" kern="1200">
+        <a:defRPr sz="2835" kern="1200">
           <a:solidFill>
             <a:schemeClr val="tx1"/>
           </a:solidFill>
@@ -2861,8 +3300,8 @@
       <a:defPPr>
         <a:defRPr lang="en-US"/>
       </a:defPPr>
-      <a:lvl1pPr marL="0" algn="l" defTabSz="1350020" rtl="0" eaLnBrk="1" latinLnBrk="0" hangingPunct="1">
-        <a:defRPr sz="2658" kern="1200">
+      <a:lvl1pPr marL="0" algn="l" defTabSz="1439997" rtl="0" eaLnBrk="1" latinLnBrk="0" hangingPunct="1">
+        <a:defRPr sz="2835" kern="1200">
           <a:solidFill>
             <a:schemeClr val="tx1"/>
           </a:solidFill>
@@ -2871,8 +3310,8 @@
           <a:cs typeface="+mn-cs"/>
         </a:defRPr>
       </a:lvl1pPr>
-      <a:lvl2pPr marL="675010" algn="l" defTabSz="1350020" rtl="0" eaLnBrk="1" latinLnBrk="0" hangingPunct="1">
-        <a:defRPr sz="2658" kern="1200">
+      <a:lvl2pPr marL="719999" algn="l" defTabSz="1439997" rtl="0" eaLnBrk="1" latinLnBrk="0" hangingPunct="1">
+        <a:defRPr sz="2835" kern="1200">
           <a:solidFill>
             <a:schemeClr val="tx1"/>
           </a:solidFill>
@@ -2881,8 +3320,8 @@
           <a:cs typeface="+mn-cs"/>
         </a:defRPr>
       </a:lvl2pPr>
-      <a:lvl3pPr marL="1350020" algn="l" defTabSz="1350020" rtl="0" eaLnBrk="1" latinLnBrk="0" hangingPunct="1">
-        <a:defRPr sz="2658" kern="1200">
+      <a:lvl3pPr marL="1439997" algn="l" defTabSz="1439997" rtl="0" eaLnBrk="1" latinLnBrk="0" hangingPunct="1">
+        <a:defRPr sz="2835" kern="1200">
           <a:solidFill>
             <a:schemeClr val="tx1"/>
           </a:solidFill>
@@ -2891,8 +3330,8 @@
           <a:cs typeface="+mn-cs"/>
         </a:defRPr>
       </a:lvl3pPr>
-      <a:lvl4pPr marL="2025030" algn="l" defTabSz="1350020" rtl="0" eaLnBrk="1" latinLnBrk="0" hangingPunct="1">
-        <a:defRPr sz="2658" kern="1200">
+      <a:lvl4pPr marL="2159996" algn="l" defTabSz="1439997" rtl="0" eaLnBrk="1" latinLnBrk="0" hangingPunct="1">
+        <a:defRPr sz="2835" kern="1200">
           <a:solidFill>
             <a:schemeClr val="tx1"/>
           </a:solidFill>
@@ -2901,8 +3340,8 @@
           <a:cs typeface="+mn-cs"/>
         </a:defRPr>
       </a:lvl4pPr>
-      <a:lvl5pPr marL="2700040" algn="l" defTabSz="1350020" rtl="0" eaLnBrk="1" latinLnBrk="0" hangingPunct="1">
-        <a:defRPr sz="2658" kern="1200">
+      <a:lvl5pPr marL="2879994" algn="l" defTabSz="1439997" rtl="0" eaLnBrk="1" latinLnBrk="0" hangingPunct="1">
+        <a:defRPr sz="2835" kern="1200">
           <a:solidFill>
             <a:schemeClr val="tx1"/>
           </a:solidFill>
@@ -2911,8 +3350,8 @@
           <a:cs typeface="+mn-cs"/>
         </a:defRPr>
       </a:lvl5pPr>
-      <a:lvl6pPr marL="3375050" algn="l" defTabSz="1350020" rtl="0" eaLnBrk="1" latinLnBrk="0" hangingPunct="1">
-        <a:defRPr sz="2658" kern="1200">
+      <a:lvl6pPr marL="3599993" algn="l" defTabSz="1439997" rtl="0" eaLnBrk="1" latinLnBrk="0" hangingPunct="1">
+        <a:defRPr sz="2835" kern="1200">
           <a:solidFill>
             <a:schemeClr val="tx1"/>
           </a:solidFill>
@@ -2921,8 +3360,8 @@
           <a:cs typeface="+mn-cs"/>
         </a:defRPr>
       </a:lvl6pPr>
-      <a:lvl7pPr marL="4050060" algn="l" defTabSz="1350020" rtl="0" eaLnBrk="1" latinLnBrk="0" hangingPunct="1">
-        <a:defRPr sz="2658" kern="1200">
+      <a:lvl7pPr marL="4319991" algn="l" defTabSz="1439997" rtl="0" eaLnBrk="1" latinLnBrk="0" hangingPunct="1">
+        <a:defRPr sz="2835" kern="1200">
           <a:solidFill>
             <a:schemeClr val="tx1"/>
           </a:solidFill>
@@ -2931,8 +3370,8 @@
           <a:cs typeface="+mn-cs"/>
         </a:defRPr>
       </a:lvl7pPr>
-      <a:lvl8pPr marL="4725071" algn="l" defTabSz="1350020" rtl="0" eaLnBrk="1" latinLnBrk="0" hangingPunct="1">
-        <a:defRPr sz="2658" kern="1200">
+      <a:lvl8pPr marL="5039990" algn="l" defTabSz="1439997" rtl="0" eaLnBrk="1" latinLnBrk="0" hangingPunct="1">
+        <a:defRPr sz="2835" kern="1200">
           <a:solidFill>
             <a:schemeClr val="tx1"/>
           </a:solidFill>
@@ -2941,8 +3380,8 @@
           <a:cs typeface="+mn-cs"/>
         </a:defRPr>
       </a:lvl8pPr>
-      <a:lvl9pPr marL="5400081" algn="l" defTabSz="1350020" rtl="0" eaLnBrk="1" latinLnBrk="0" hangingPunct="1">
-        <a:defRPr sz="2658" kern="1200">
+      <a:lvl9pPr marL="5759988" algn="l" defTabSz="1439997" rtl="0" eaLnBrk="1" latinLnBrk="0" hangingPunct="1">
+        <a:defRPr sz="2835" kern="1200">
           <a:solidFill>
             <a:schemeClr val="tx1"/>
           </a:solidFill>
@@ -2975,10 +3414,10 @@
       </p:grpSpPr>
       <p:pic>
         <p:nvPicPr>
-          <p:cNvPr id="3" name="图片 2">
+          <p:cNvPr id="7" name="图片 6">
             <a:extLst>
               <a:ext uri="{FF2B5EF4-FFF2-40B4-BE49-F238E27FC236}">
-                <a16:creationId xmlns:a16="http://schemas.microsoft.com/office/drawing/2014/main" id="{247EB318-2ADD-1AB6-55B3-2E25E61D09C0}"/>
+                <a16:creationId xmlns:a16="http://schemas.microsoft.com/office/drawing/2014/main" id="{EA6AA324-8DF4-68E7-17D9-17126C5C2730}"/>
               </a:ext>
             </a:extLst>
           </p:cNvPr>
@@ -2988,7 +3427,7 @@
           <p:nvPr/>
         </p:nvPicPr>
         <p:blipFill>
-          <a:blip r:embed="rId2"/>
+          <a:blip r:embed="rId3"/>
           <a:stretch>
             <a:fillRect/>
           </a:stretch>
@@ -2996,7 +3435,7 @@
         <p:spPr>
           <a:xfrm>
             <a:off x="0" y="-1"/>
-            <a:ext cx="17271455" cy="10799763"/>
+            <a:ext cx="12839682" cy="12239625"/>
           </a:xfrm>
           <a:prstGeom prst="rect">
             <a:avLst/>
@@ -3005,138 +3444,10 @@
       </p:pic>
       <p:sp>
         <p:nvSpPr>
-          <p:cNvPr id="4" name="Oval 19">
+          <p:cNvPr id="3" name="Rectangle 22">
             <a:extLst>
               <a:ext uri="{FF2B5EF4-FFF2-40B4-BE49-F238E27FC236}">
-                <a16:creationId xmlns:a16="http://schemas.microsoft.com/office/drawing/2014/main" id="{E35B62DC-1366-EF7C-A38E-73C5427C0432}"/>
-              </a:ext>
-            </a:extLst>
-          </p:cNvPr>
-          <p:cNvSpPr>
-            <a:spLocks noChangeAspect="1"/>
-          </p:cNvSpPr>
-          <p:nvPr/>
-        </p:nvSpPr>
-        <p:spPr>
-          <a:xfrm>
-            <a:off x="8126753" y="1031804"/>
-            <a:ext cx="690404" cy="690404"/>
-          </a:xfrm>
-          <a:prstGeom prst="ellipse">
-            <a:avLst/>
-          </a:prstGeom>
-          <a:solidFill>
-            <a:srgbClr val="F79647"/>
-          </a:solidFill>
-          <a:ln>
-            <a:noFill/>
-          </a:ln>
-        </p:spPr>
-        <p:style>
-          <a:lnRef idx="2">
-            <a:schemeClr val="accent1">
-              <a:shade val="15000"/>
-            </a:schemeClr>
-          </a:lnRef>
-          <a:fillRef idx="1">
-            <a:schemeClr val="accent1"/>
-          </a:fillRef>
-          <a:effectRef idx="0">
-            <a:schemeClr val="accent1"/>
-          </a:effectRef>
-          <a:fontRef idx="minor">
-            <a:schemeClr val="lt1"/>
-          </a:fontRef>
-        </p:style>
-        <p:txBody>
-          <a:bodyPr tIns="138080" bIns="207121" rtlCol="0" anchor="ctr"/>
-          <a:lstStyle/>
-          <a:p>
-            <a:pPr algn="ctr"/>
-            <a:r>
-              <a:rPr lang="en-GB" sz="3898" dirty="0">
-                <a:latin typeface="Arial" panose="020B0604020202020204" pitchFamily="34" charset="0"/>
-                <a:cs typeface="Arial" panose="020B0604020202020204" pitchFamily="34" charset="0"/>
-              </a:rPr>
-              <a:t>b</a:t>
-            </a:r>
-            <a:endParaRPr lang="en-SE" sz="3898" dirty="0">
-              <a:latin typeface="Arial" panose="020B0604020202020204" pitchFamily="34" charset="0"/>
-              <a:cs typeface="Arial" panose="020B0604020202020204" pitchFamily="34" charset="0"/>
-            </a:endParaRPr>
-          </a:p>
-        </p:txBody>
-      </p:sp>
-      <p:sp>
-        <p:nvSpPr>
-          <p:cNvPr id="5" name="Oval 19">
-            <a:extLst>
-              <a:ext uri="{FF2B5EF4-FFF2-40B4-BE49-F238E27FC236}">
-                <a16:creationId xmlns:a16="http://schemas.microsoft.com/office/drawing/2014/main" id="{D0AEFA3C-824D-13B8-BB26-8A3CC3DDA5EA}"/>
-              </a:ext>
-            </a:extLst>
-          </p:cNvPr>
-          <p:cNvSpPr>
-            <a:spLocks noChangeAspect="1"/>
-          </p:cNvSpPr>
-          <p:nvPr/>
-        </p:nvSpPr>
-        <p:spPr>
-          <a:xfrm>
-            <a:off x="6654758" y="5762144"/>
-            <a:ext cx="690404" cy="690404"/>
-          </a:xfrm>
-          <a:prstGeom prst="ellipse">
-            <a:avLst/>
-          </a:prstGeom>
-          <a:solidFill>
-            <a:srgbClr val="F79647"/>
-          </a:solidFill>
-          <a:ln>
-            <a:noFill/>
-          </a:ln>
-        </p:spPr>
-        <p:style>
-          <a:lnRef idx="2">
-            <a:schemeClr val="accent1">
-              <a:shade val="15000"/>
-            </a:schemeClr>
-          </a:lnRef>
-          <a:fillRef idx="1">
-            <a:schemeClr val="accent1"/>
-          </a:fillRef>
-          <a:effectRef idx="0">
-            <a:schemeClr val="accent1"/>
-          </a:effectRef>
-          <a:fontRef idx="minor">
-            <a:schemeClr val="lt1"/>
-          </a:fontRef>
-        </p:style>
-        <p:txBody>
-          <a:bodyPr tIns="138080" bIns="207121" rtlCol="0" anchor="ctr"/>
-          <a:lstStyle/>
-          <a:p>
-            <a:pPr algn="ctr"/>
-            <a:r>
-              <a:rPr lang="en-GB" sz="3898" dirty="0">
-                <a:latin typeface="Arial" panose="020B0604020202020204" pitchFamily="34" charset="0"/>
-                <a:cs typeface="Arial" panose="020B0604020202020204" pitchFamily="34" charset="0"/>
-              </a:rPr>
-              <a:t>a</a:t>
-            </a:r>
-            <a:endParaRPr lang="en-SE" sz="3898" dirty="0">
-              <a:latin typeface="Arial" panose="020B0604020202020204" pitchFamily="34" charset="0"/>
-              <a:cs typeface="Arial" panose="020B0604020202020204" pitchFamily="34" charset="0"/>
-            </a:endParaRPr>
-          </a:p>
-        </p:txBody>
-      </p:sp>
-      <p:sp>
-        <p:nvSpPr>
-          <p:cNvPr id="6" name="Rectangle 22">
-            <a:extLst>
-              <a:ext uri="{FF2B5EF4-FFF2-40B4-BE49-F238E27FC236}">
-                <a16:creationId xmlns:a16="http://schemas.microsoft.com/office/drawing/2014/main" id="{ABF43E87-06EE-B457-E020-0DCF49DEE7ED}"/>
+                <a16:creationId xmlns:a16="http://schemas.microsoft.com/office/drawing/2014/main" id="{96127036-01FF-445F-AE38-7915614E8B3D}"/>
               </a:ext>
             </a:extLst>
           </p:cNvPr>
@@ -3145,8 +3456,8 @@
         </p:nvSpPr>
         <p:spPr>
           <a:xfrm>
-            <a:off x="4564626" y="5600777"/>
-            <a:ext cx="3008671" cy="3843261"/>
+            <a:off x="5056337" y="6433809"/>
+            <a:ext cx="3550960" cy="4382329"/>
           </a:xfrm>
           <a:prstGeom prst="rect">
             <a:avLst/>
@@ -3180,134 +3491,28 @@
           <a:lstStyle/>
           <a:p>
             <a:pPr algn="ctr"/>
-            <a:endParaRPr lang="en-SE" sz="6970"/>
-          </a:p>
-        </p:txBody>
-      </p:sp>
-      <p:sp>
-        <p:nvSpPr>
-          <p:cNvPr id="9" name="Rectangle 22">
+            <a:endParaRPr lang="en-SE" sz="7263"/>
+          </a:p>
+        </p:txBody>
+      </p:sp>
+      <p:sp>
+        <p:nvSpPr>
+          <p:cNvPr id="18" name="Oval 19">
             <a:extLst>
               <a:ext uri="{FF2B5EF4-FFF2-40B4-BE49-F238E27FC236}">
-                <a16:creationId xmlns:a16="http://schemas.microsoft.com/office/drawing/2014/main" id="{A055E473-DFD6-9EE4-3CD1-5323EAE09B5C}"/>
+                <a16:creationId xmlns:a16="http://schemas.microsoft.com/office/drawing/2014/main" id="{6ADA430A-D79D-68E1-891F-738B9C0A955F}"/>
               </a:ext>
             </a:extLst>
           </p:cNvPr>
-          <p:cNvSpPr/>
+          <p:cNvSpPr>
+            <a:spLocks noChangeAspect="1"/>
+          </p:cNvSpPr>
           <p:nvPr/>
         </p:nvSpPr>
         <p:spPr>
           <a:xfrm>
-            <a:off x="8564869" y="548039"/>
-            <a:ext cx="377517" cy="377517"/>
-          </a:xfrm>
-          <a:prstGeom prst="rect">
-            <a:avLst/>
-          </a:prstGeom>
-          <a:noFill/>
-          <a:ln w="28575">
-            <a:solidFill>
-              <a:srgbClr val="F79647"/>
-            </a:solidFill>
-            <a:prstDash val="sysDot"/>
-          </a:ln>
-        </p:spPr>
-        <p:style>
-          <a:lnRef idx="2">
-            <a:schemeClr val="accent1">
-              <a:shade val="15000"/>
-            </a:schemeClr>
-          </a:lnRef>
-          <a:fillRef idx="1">
-            <a:schemeClr val="accent1"/>
-          </a:fillRef>
-          <a:effectRef idx="0">
-            <a:schemeClr val="accent1"/>
-          </a:effectRef>
-          <a:fontRef idx="minor">
-            <a:schemeClr val="lt1"/>
-          </a:fontRef>
-        </p:style>
-        <p:txBody>
-          <a:bodyPr rtlCol="0" anchor="ctr"/>
-          <a:lstStyle/>
-          <a:p>
-            <a:pPr algn="ctr"/>
-            <a:endParaRPr lang="en-SE" sz="6970"/>
-          </a:p>
-        </p:txBody>
-      </p:sp>
-      <p:sp>
-        <p:nvSpPr>
-          <p:cNvPr id="10" name="Rectangle 22">
-            <a:extLst>
-              <a:ext uri="{FF2B5EF4-FFF2-40B4-BE49-F238E27FC236}">
-                <a16:creationId xmlns:a16="http://schemas.microsoft.com/office/drawing/2014/main" id="{94EC5674-6A24-B075-FEE7-3F30E3F56D29}"/>
-              </a:ext>
-            </a:extLst>
-          </p:cNvPr>
-          <p:cNvSpPr/>
-          <p:nvPr/>
-        </p:nvSpPr>
-        <p:spPr>
-          <a:xfrm>
-            <a:off x="13858875" y="341122"/>
-            <a:ext cx="2597364" cy="676394"/>
-          </a:xfrm>
-          <a:prstGeom prst="rect">
-            <a:avLst/>
-          </a:prstGeom>
-          <a:noFill/>
-          <a:ln w="28575">
-            <a:solidFill>
-              <a:srgbClr val="F79647"/>
-            </a:solidFill>
-            <a:prstDash val="sysDot"/>
-          </a:ln>
-        </p:spPr>
-        <p:style>
-          <a:lnRef idx="2">
-            <a:schemeClr val="accent1">
-              <a:shade val="15000"/>
-            </a:schemeClr>
-          </a:lnRef>
-          <a:fillRef idx="1">
-            <a:schemeClr val="accent1"/>
-          </a:fillRef>
-          <a:effectRef idx="0">
-            <a:schemeClr val="accent1"/>
-          </a:effectRef>
-          <a:fontRef idx="minor">
-            <a:schemeClr val="lt1"/>
-          </a:fontRef>
-        </p:style>
-        <p:txBody>
-          <a:bodyPr rtlCol="0" anchor="ctr"/>
-          <a:lstStyle/>
-          <a:p>
-            <a:pPr algn="ctr"/>
-            <a:endParaRPr lang="en-SE" sz="6970"/>
-          </a:p>
-        </p:txBody>
-      </p:sp>
-      <p:sp>
-        <p:nvSpPr>
-          <p:cNvPr id="8" name="Oval 19">
-            <a:extLst>
-              <a:ext uri="{FF2B5EF4-FFF2-40B4-BE49-F238E27FC236}">
-                <a16:creationId xmlns:a16="http://schemas.microsoft.com/office/drawing/2014/main" id="{0D120AE2-8E25-E0C4-EB2D-21C345470839}"/>
-              </a:ext>
-            </a:extLst>
-          </p:cNvPr>
-          <p:cNvSpPr>
-            <a:spLocks noChangeAspect="1"/>
-          </p:cNvSpPr>
-          <p:nvPr/>
-        </p:nvSpPr>
-        <p:spPr>
-          <a:xfrm>
-            <a:off x="16581051" y="-11085"/>
-            <a:ext cx="690404" cy="690404"/>
+            <a:off x="11759861" y="2428673"/>
+            <a:ext cx="767201" cy="767201"/>
           </a:xfrm>
           <a:prstGeom prst="ellipse">
             <a:avLst/>
@@ -3336,18 +3541,18 @@
           </a:fontRef>
         </p:style>
         <p:txBody>
-          <a:bodyPr tIns="138080" bIns="207121" rtlCol="0" anchor="ctr"/>
+          <a:bodyPr tIns="153440" bIns="230160" rtlCol="0" anchor="ctr"/>
           <a:lstStyle/>
           <a:p>
             <a:pPr algn="ctr"/>
             <a:r>
-              <a:rPr lang="en-GB" sz="3898" dirty="0">
+              <a:rPr lang="en-GB" sz="3733" dirty="0">
                 <a:latin typeface="Arial" panose="020B0604020202020204" pitchFamily="34" charset="0"/>
                 <a:cs typeface="Arial" panose="020B0604020202020204" pitchFamily="34" charset="0"/>
               </a:rPr>
-              <a:t>c</a:t>
-            </a:r>
-            <a:endParaRPr lang="en-SE" sz="3898" dirty="0">
+              <a:t>b</a:t>
+            </a:r>
+            <a:endParaRPr lang="en-SE" sz="3733" dirty="0">
               <a:latin typeface="Arial" panose="020B0604020202020204" pitchFamily="34" charset="0"/>
               <a:cs typeface="Arial" panose="020B0604020202020204" pitchFamily="34" charset="0"/>
             </a:endParaRPr>
@@ -3356,30 +3561,31 @@
       </p:sp>
       <p:sp>
         <p:nvSpPr>
-          <p:cNvPr id="2" name="Rectangle 22">
+          <p:cNvPr id="2" name="Oval 19">
             <a:extLst>
               <a:ext uri="{FF2B5EF4-FFF2-40B4-BE49-F238E27FC236}">
-                <a16:creationId xmlns:a16="http://schemas.microsoft.com/office/drawing/2014/main" id="{E4204C71-CB58-28F9-B154-7CA9D9902494}"/>
+                <a16:creationId xmlns:a16="http://schemas.microsoft.com/office/drawing/2014/main" id="{5AAF51A2-0686-647B-477E-AC20B9CB442D}"/>
               </a:ext>
             </a:extLst>
           </p:cNvPr>
-          <p:cNvSpPr/>
+          <p:cNvSpPr>
+            <a:spLocks noChangeAspect="1"/>
+          </p:cNvSpPr>
           <p:nvPr/>
         </p:nvSpPr>
         <p:spPr>
           <a:xfrm>
-            <a:off x="13858875" y="1598422"/>
-            <a:ext cx="1085850" cy="676394"/>
+            <a:off x="7460241" y="6596507"/>
+            <a:ext cx="767201" cy="767201"/>
           </a:xfrm>
-          <a:prstGeom prst="rect">
+          <a:prstGeom prst="ellipse">
             <a:avLst/>
           </a:prstGeom>
-          <a:noFill/>
-          <a:ln w="28575">
-            <a:solidFill>
-              <a:srgbClr val="F79647"/>
-            </a:solidFill>
-            <a:prstDash val="sysDot"/>
+          <a:solidFill>
+            <a:srgbClr val="F79647"/>
+          </a:solidFill>
+          <a:ln>
+            <a:noFill/>
           </a:ln>
         </p:spPr>
         <p:style>
@@ -3399,18 +3605,28 @@
           </a:fontRef>
         </p:style>
         <p:txBody>
-          <a:bodyPr rtlCol="0" anchor="ctr"/>
+          <a:bodyPr tIns="153440" bIns="230160" rtlCol="0" anchor="ctr"/>
           <a:lstStyle/>
           <a:p>
             <a:pPr algn="ctr"/>
-            <a:endParaRPr lang="en-SE" sz="6970"/>
+            <a:r>
+              <a:rPr lang="en-GB" sz="3733" dirty="0">
+                <a:latin typeface="Arial" panose="020B0604020202020204" pitchFamily="34" charset="0"/>
+                <a:cs typeface="Arial" panose="020B0604020202020204" pitchFamily="34" charset="0"/>
+              </a:rPr>
+              <a:t>a</a:t>
+            </a:r>
+            <a:endParaRPr lang="en-SE" sz="3733" dirty="0">
+              <a:latin typeface="Arial" panose="020B0604020202020204" pitchFamily="34" charset="0"/>
+              <a:cs typeface="Arial" panose="020B0604020202020204" pitchFamily="34" charset="0"/>
+            </a:endParaRPr>
           </a:p>
         </p:txBody>
       </p:sp>
     </p:spTree>
     <p:extLst>
       <p:ext uri="{BB962C8B-B14F-4D97-AF65-F5344CB8AC3E}">
-        <p14:creationId xmlns:p14="http://schemas.microsoft.com/office/powerpoint/2010/main" val="2246082988"/>
+        <p14:creationId xmlns:p14="http://schemas.microsoft.com/office/powerpoint/2010/main" val="682575955"/>
       </p:ext>
     </p:extLst>
   </p:cSld>
@@ -3679,4 +3895,299 @@
     </a:ext>
   </a:extLst>
 </a:theme>
+</file>
+
+<file path=ppt/theme/theme2.xml><?xml version="1.0" encoding="utf-8"?>
+<a:theme xmlns:a="http://schemas.openxmlformats.org/drawingml/2006/main" name="Office 主题​​">
+  <a:themeElements>
+    <a:clrScheme name="Office">
+      <a:dk1>
+        <a:sysClr val="windowText" lastClr="000000"/>
+      </a:dk1>
+      <a:lt1>
+        <a:sysClr val="window" lastClr="FFFFFF"/>
+      </a:lt1>
+      <a:dk2>
+        <a:srgbClr val="44546A"/>
+      </a:dk2>
+      <a:lt2>
+        <a:srgbClr val="E7E6E6"/>
+      </a:lt2>
+      <a:accent1>
+        <a:srgbClr val="4472C4"/>
+      </a:accent1>
+      <a:accent2>
+        <a:srgbClr val="ED7D31"/>
+      </a:accent2>
+      <a:accent3>
+        <a:srgbClr val="A5A5A5"/>
+      </a:accent3>
+      <a:accent4>
+        <a:srgbClr val="FFC000"/>
+      </a:accent4>
+      <a:accent5>
+        <a:srgbClr val="5B9BD5"/>
+      </a:accent5>
+      <a:accent6>
+        <a:srgbClr val="70AD47"/>
+      </a:accent6>
+      <a:hlink>
+        <a:srgbClr val="0563C1"/>
+      </a:hlink>
+      <a:folHlink>
+        <a:srgbClr val="954F72"/>
+      </a:folHlink>
+    </a:clrScheme>
+    <a:fontScheme name="Office">
+      <a:majorFont>
+        <a:latin typeface="等线 Light" panose="020F0302020204030204"/>
+        <a:ea typeface=""/>
+        <a:cs typeface=""/>
+        <a:font script="Jpan" typeface="游ゴシック Light"/>
+        <a:font script="Hang" typeface="맑은 고딕"/>
+        <a:font script="Hans" typeface="等线 Light"/>
+        <a:font script="Hant" typeface="新細明體"/>
+        <a:font script="Arab" typeface="Times New Roman"/>
+        <a:font script="Hebr" typeface="Times New Roman"/>
+        <a:font script="Thai" typeface="Angsana New"/>
+        <a:font script="Ethi" typeface="Nyala"/>
+        <a:font script="Beng" typeface="Vrinda"/>
+        <a:font script="Gujr" typeface="Shruti"/>
+        <a:font script="Khmr" typeface="MoolBoran"/>
+        <a:font script="Knda" typeface="Tunga"/>
+        <a:font script="Guru" typeface="Raavi"/>
+        <a:font script="Cans" typeface="Euphemia"/>
+        <a:font script="Cher" typeface="Plantagenet Cherokee"/>
+        <a:font script="Yiii" typeface="Microsoft Yi Baiti"/>
+        <a:font script="Tibt" typeface="Microsoft Himalaya"/>
+        <a:font script="Thaa" typeface="MV Boli"/>
+        <a:font script="Deva" typeface="Mangal"/>
+        <a:font script="Telu" typeface="Gautami"/>
+        <a:font script="Taml" typeface="Latha"/>
+        <a:font script="Syrc" typeface="Estrangelo Edessa"/>
+        <a:font script="Orya" typeface="Kalinga"/>
+        <a:font script="Mlym" typeface="Kartika"/>
+        <a:font script="Laoo" typeface="DokChampa"/>
+        <a:font script="Sinh" typeface="Iskoola Pota"/>
+        <a:font script="Mong" typeface="Mongolian Baiti"/>
+        <a:font script="Viet" typeface="Times New Roman"/>
+        <a:font script="Uigh" typeface="Microsoft Uighur"/>
+        <a:font script="Geor" typeface="Sylfaen"/>
+        <a:font script="Armn" typeface="Arial"/>
+        <a:font script="Bugi" typeface="Leelawadee UI"/>
+        <a:font script="Bopo" typeface="Microsoft JhengHei"/>
+        <a:font script="Java" typeface="Javanese Text"/>
+        <a:font script="Lisu" typeface="Segoe UI"/>
+        <a:font script="Mymr" typeface="Myanmar Text"/>
+        <a:font script="Nkoo" typeface="Ebrima"/>
+        <a:font script="Olck" typeface="Nirmala UI"/>
+        <a:font script="Osma" typeface="Ebrima"/>
+        <a:font script="Phag" typeface="Phagspa"/>
+        <a:font script="Syrn" typeface="Estrangelo Edessa"/>
+        <a:font script="Syrj" typeface="Estrangelo Edessa"/>
+        <a:font script="Syre" typeface="Estrangelo Edessa"/>
+        <a:font script="Sora" typeface="Nirmala UI"/>
+        <a:font script="Tale" typeface="Microsoft Tai Le"/>
+        <a:font script="Talu" typeface="Microsoft New Tai Lue"/>
+        <a:font script="Tfng" typeface="Ebrima"/>
+      </a:majorFont>
+      <a:minorFont>
+        <a:latin typeface="等线" panose="020F0502020204030204"/>
+        <a:ea typeface=""/>
+        <a:cs typeface=""/>
+        <a:font script="Jpan" typeface="游ゴシック"/>
+        <a:font script="Hang" typeface="맑은 고딕"/>
+        <a:font script="Hans" typeface="等线"/>
+        <a:font script="Hant" typeface="新細明體"/>
+        <a:font script="Arab" typeface="Arial"/>
+        <a:font script="Hebr" typeface="Arial"/>
+        <a:font script="Thai" typeface="Cordia New"/>
+        <a:font script="Ethi" typeface="Nyala"/>
+        <a:font script="Beng" typeface="Vrinda"/>
+        <a:font script="Gujr" typeface="Shruti"/>
+        <a:font script="Khmr" typeface="DaunPenh"/>
+        <a:font script="Knda" typeface="Tunga"/>
+        <a:font script="Guru" typeface="Raavi"/>
+        <a:font script="Cans" typeface="Euphemia"/>
+        <a:font script="Cher" typeface="Plantagenet Cherokee"/>
+        <a:font script="Yiii" typeface="Microsoft Yi Baiti"/>
+        <a:font script="Tibt" typeface="Microsoft Himalaya"/>
+        <a:font script="Thaa" typeface="MV Boli"/>
+        <a:font script="Deva" typeface="Mangal"/>
+        <a:font script="Telu" typeface="Gautami"/>
+        <a:font script="Taml" typeface="Latha"/>
+        <a:font script="Syrc" typeface="Estrangelo Edessa"/>
+        <a:font script="Orya" typeface="Kalinga"/>
+        <a:font script="Mlym" typeface="Kartika"/>
+        <a:font script="Laoo" typeface="DokChampa"/>
+        <a:font script="Sinh" typeface="Iskoola Pota"/>
+        <a:font script="Mong" typeface="Mongolian Baiti"/>
+        <a:font script="Viet" typeface="Arial"/>
+        <a:font script="Uigh" typeface="Microsoft Uighur"/>
+        <a:font script="Geor" typeface="Sylfaen"/>
+        <a:font script="Armn" typeface="Arial"/>
+        <a:font script="Bugi" typeface="Leelawadee UI"/>
+        <a:font script="Bopo" typeface="Microsoft JhengHei"/>
+        <a:font script="Java" typeface="Javanese Text"/>
+        <a:font script="Lisu" typeface="Segoe UI"/>
+        <a:font script="Mymr" typeface="Myanmar Text"/>
+        <a:font script="Nkoo" typeface="Ebrima"/>
+        <a:font script="Olck" typeface="Nirmala UI"/>
+        <a:font script="Osma" typeface="Ebrima"/>
+        <a:font script="Phag" typeface="Phagspa"/>
+        <a:font script="Syrn" typeface="Estrangelo Edessa"/>
+        <a:font script="Syrj" typeface="Estrangelo Edessa"/>
+        <a:font script="Syre" typeface="Estrangelo Edessa"/>
+        <a:font script="Sora" typeface="Nirmala UI"/>
+        <a:font script="Tale" typeface="Microsoft Tai Le"/>
+        <a:font script="Talu" typeface="Microsoft New Tai Lue"/>
+        <a:font script="Tfng" typeface="Ebrima"/>
+      </a:minorFont>
+    </a:fontScheme>
+    <a:fmtScheme name="Office">
+      <a:fillStyleLst>
+        <a:solidFill>
+          <a:schemeClr val="phClr"/>
+        </a:solidFill>
+        <a:gradFill rotWithShape="1">
+          <a:gsLst>
+            <a:gs pos="0">
+              <a:schemeClr val="phClr">
+                <a:lumMod val="110000"/>
+                <a:satMod val="105000"/>
+                <a:tint val="67000"/>
+              </a:schemeClr>
+            </a:gs>
+            <a:gs pos="50000">
+              <a:schemeClr val="phClr">
+                <a:lumMod val="105000"/>
+                <a:satMod val="103000"/>
+                <a:tint val="73000"/>
+              </a:schemeClr>
+            </a:gs>
+            <a:gs pos="100000">
+              <a:schemeClr val="phClr">
+                <a:lumMod val="105000"/>
+                <a:satMod val="109000"/>
+                <a:tint val="81000"/>
+              </a:schemeClr>
+            </a:gs>
+          </a:gsLst>
+          <a:lin ang="5400000" scaled="0"/>
+        </a:gradFill>
+        <a:gradFill rotWithShape="1">
+          <a:gsLst>
+            <a:gs pos="0">
+              <a:schemeClr val="phClr">
+                <a:satMod val="103000"/>
+                <a:lumMod val="102000"/>
+                <a:tint val="94000"/>
+              </a:schemeClr>
+            </a:gs>
+            <a:gs pos="50000">
+              <a:schemeClr val="phClr">
+                <a:satMod val="110000"/>
+                <a:lumMod val="100000"/>
+                <a:shade val="100000"/>
+              </a:schemeClr>
+            </a:gs>
+            <a:gs pos="100000">
+              <a:schemeClr val="phClr">
+                <a:lumMod val="99000"/>
+                <a:satMod val="120000"/>
+                <a:shade val="78000"/>
+              </a:schemeClr>
+            </a:gs>
+          </a:gsLst>
+          <a:lin ang="5400000" scaled="0"/>
+        </a:gradFill>
+      </a:fillStyleLst>
+      <a:lnStyleLst>
+        <a:ln w="6350" cap="flat" cmpd="sng" algn="ctr">
+          <a:solidFill>
+            <a:schemeClr val="phClr"/>
+          </a:solidFill>
+          <a:prstDash val="solid"/>
+          <a:miter lim="800000"/>
+        </a:ln>
+        <a:ln w="12700" cap="flat" cmpd="sng" algn="ctr">
+          <a:solidFill>
+            <a:schemeClr val="phClr"/>
+          </a:solidFill>
+          <a:prstDash val="solid"/>
+          <a:miter lim="800000"/>
+        </a:ln>
+        <a:ln w="19050" cap="flat" cmpd="sng" algn="ctr">
+          <a:solidFill>
+            <a:schemeClr val="phClr"/>
+          </a:solidFill>
+          <a:prstDash val="solid"/>
+          <a:miter lim="800000"/>
+        </a:ln>
+      </a:lnStyleLst>
+      <a:effectStyleLst>
+        <a:effectStyle>
+          <a:effectLst/>
+        </a:effectStyle>
+        <a:effectStyle>
+          <a:effectLst/>
+        </a:effectStyle>
+        <a:effectStyle>
+          <a:effectLst>
+            <a:outerShdw blurRad="57150" dist="19050" dir="5400000" algn="ctr" rotWithShape="0">
+              <a:srgbClr val="000000">
+                <a:alpha val="63000"/>
+              </a:srgbClr>
+            </a:outerShdw>
+          </a:effectLst>
+        </a:effectStyle>
+      </a:effectStyleLst>
+      <a:bgFillStyleLst>
+        <a:solidFill>
+          <a:schemeClr val="phClr"/>
+        </a:solidFill>
+        <a:solidFill>
+          <a:schemeClr val="phClr">
+            <a:tint val="95000"/>
+            <a:satMod val="170000"/>
+          </a:schemeClr>
+        </a:solidFill>
+        <a:gradFill rotWithShape="1">
+          <a:gsLst>
+            <a:gs pos="0">
+              <a:schemeClr val="phClr">
+                <a:tint val="93000"/>
+                <a:satMod val="150000"/>
+                <a:shade val="98000"/>
+                <a:lumMod val="102000"/>
+              </a:schemeClr>
+            </a:gs>
+            <a:gs pos="50000">
+              <a:schemeClr val="phClr">
+                <a:tint val="98000"/>
+                <a:satMod val="130000"/>
+                <a:shade val="90000"/>
+                <a:lumMod val="103000"/>
+              </a:schemeClr>
+            </a:gs>
+            <a:gs pos="100000">
+              <a:schemeClr val="phClr">
+                <a:shade val="63000"/>
+                <a:satMod val="120000"/>
+              </a:schemeClr>
+            </a:gs>
+          </a:gsLst>
+          <a:lin ang="5400000" scaled="0"/>
+        </a:gradFill>
+      </a:bgFillStyleLst>
+    </a:fmtScheme>
+  </a:themeElements>
+  <a:objectDefaults/>
+  <a:extraClrSchemeLst/>
+  <a:extLst>
+    <a:ext uri="{05A4C25C-085E-4340-85A3-A5531E510DB2}">
+      <thm15:themeFamily xmlns:thm15="http://schemas.microsoft.com/office/thememl/2012/main" name="Office Theme" id="{62F939B6-93AF-4DB8-9C6B-D6C7DFDC589F}" vid="{4A3C46E8-61CC-4603-A589-7422A47A8E4A}"/>
+    </a:ext>
+  </a:extLst>
+</a:theme>
 </file>